--- a/jQuery L01 Introduction.pptx
+++ b/jQuery L01 Introduction.pptx
@@ -7,21 +7,34 @@
     <p:sldMasterId id="2147483688" r:id="rId3"/>
   </p:sldMasterIdLst>
   <p:notesMasterIdLst>
-    <p:notesMasterId r:id="rId16"/>
+    <p:notesMasterId r:id="rId29"/>
   </p:notesMasterIdLst>
   <p:sldIdLst>
     <p:sldId id="256" r:id="rId4"/>
     <p:sldId id="261" r:id="rId5"/>
     <p:sldId id="257" r:id="rId6"/>
-    <p:sldId id="258" r:id="rId7"/>
-    <p:sldId id="259" r:id="rId8"/>
-    <p:sldId id="260" r:id="rId9"/>
-    <p:sldId id="262" r:id="rId10"/>
-    <p:sldId id="263" r:id="rId11"/>
-    <p:sldId id="264" r:id="rId12"/>
-    <p:sldId id="265" r:id="rId13"/>
-    <p:sldId id="266" r:id="rId14"/>
-    <p:sldId id="267" r:id="rId15"/>
+    <p:sldId id="272" r:id="rId7"/>
+    <p:sldId id="273" r:id="rId8"/>
+    <p:sldId id="258" r:id="rId9"/>
+    <p:sldId id="259" r:id="rId10"/>
+    <p:sldId id="260" r:id="rId11"/>
+    <p:sldId id="262" r:id="rId12"/>
+    <p:sldId id="263" r:id="rId13"/>
+    <p:sldId id="267" r:id="rId14"/>
+    <p:sldId id="282" r:id="rId15"/>
+    <p:sldId id="285" r:id="rId16"/>
+    <p:sldId id="280" r:id="rId17"/>
+    <p:sldId id="268" r:id="rId18"/>
+    <p:sldId id="269" r:id="rId19"/>
+    <p:sldId id="271" r:id="rId20"/>
+    <p:sldId id="274" r:id="rId21"/>
+    <p:sldId id="283" r:id="rId22"/>
+    <p:sldId id="275" r:id="rId23"/>
+    <p:sldId id="279" r:id="rId24"/>
+    <p:sldId id="281" r:id="rId25"/>
+    <p:sldId id="284" r:id="rId26"/>
+    <p:sldId id="276" r:id="rId27"/>
+    <p:sldId id="277" r:id="rId28"/>
   </p:sldIdLst>
   <p:sldSz cx="9144000" cy="6858000" type="screen4x3"/>
   <p:notesSz cx="6858000" cy="9144000"/>
@@ -120,6 +133,22 @@
       </a:defRPr>
     </a:lvl9pPr>
   </p:defaultTextStyle>
+  <p:extLst>
+    <p:ext uri="{EFAFB233-063F-42B5-8137-9DF3F51BA10A}">
+      <p15:sldGuideLst xmlns:p15="http://schemas.microsoft.com/office/powerpoint/2012/main">
+        <p15:guide id="1" orient="horz" pos="2160">
+          <p15:clr>
+            <a:srgbClr val="A4A3A4"/>
+          </p15:clr>
+        </p15:guide>
+        <p15:guide id="2" pos="2880">
+          <p15:clr>
+            <a:srgbClr val="A4A3A4"/>
+          </p15:clr>
+        </p15:guide>
+      </p15:sldGuideLst>
+    </p:ext>
+  </p:extLst>
 </p:presentation>
 </file>
 
@@ -205,7 +234,8 @@
           <a:p>
             <a:fld id="{83D0F5D8-32BB-45D6-9BB0-92FAB8680177}" type="datetimeFigureOut">
               <a:rPr lang="en-GB" smtClean="0"/>
-              <a:t>28/11/2011</a:t>
+              <a:pPr/>
+              <a:t>29/01/2018</a:t>
             </a:fld>
             <a:endParaRPr lang="en-GB"/>
           </a:p>
@@ -366,6 +396,7 @@
           <a:p>
             <a:fld id="{8D026D37-C807-427F-9E21-AD12A4363543}" type="slidenum">
               <a:rPr lang="en-GB" smtClean="0"/>
+              <a:pPr/>
               <a:t>‹#›</a:t>
             </a:fld>
             <a:endParaRPr lang="en-GB"/>
@@ -373,6 +404,11 @@
         </p:txBody>
       </p:sp>
     </p:spTree>
+    <p:extLst>
+      <p:ext uri="{BB962C8B-B14F-4D97-AF65-F5344CB8AC3E}">
+        <p14:creationId xmlns:p14="http://schemas.microsoft.com/office/powerpoint/2010/main" val="3733221459"/>
+      </p:ext>
+    </p:extLst>
   </p:cSld>
   <p:clrMap bg1="lt1" tx1="dk1" bg2="lt2" tx2="dk2" accent1="accent1" accent2="accent2" accent3="accent3" accent4="accent4" accent5="accent5" accent6="accent6" hlink="hlink" folHlink="folHlink"/>
   <p:notesStyle>
@@ -537,6 +573,7 @@
           <a:p>
             <a:fld id="{8D026D37-C807-427F-9E21-AD12A4363543}" type="slidenum">
               <a:rPr lang="en-GB" smtClean="0"/>
+              <a:pPr/>
               <a:t>1</a:t>
             </a:fld>
             <a:endParaRPr lang="en-GB"/>
@@ -544,249 +581,11 @@
         </p:txBody>
       </p:sp>
     </p:spTree>
-  </p:cSld>
-  <p:clrMapOvr>
-    <a:masterClrMapping/>
-  </p:clrMapOvr>
-</p:notes>
-</file>
-
-<file path=ppt/notesSlides/notesSlide10.xml><?xml version="1.0" encoding="utf-8"?>
-<p:notes xmlns:a="http://schemas.openxmlformats.org/drawingml/2006/main" xmlns:r="http://schemas.openxmlformats.org/officeDocument/2006/relationships" xmlns:p="http://schemas.openxmlformats.org/presentationml/2006/main">
-  <p:cSld>
-    <p:spTree>
-      <p:nvGrpSpPr>
-        <p:cNvPr id="1" name=""/>
-        <p:cNvGrpSpPr/>
-        <p:nvPr/>
-      </p:nvGrpSpPr>
-      <p:grpSpPr>
-        <a:xfrm>
-          <a:off x="0" y="0"/>
-          <a:ext cx="0" cy="0"/>
-          <a:chOff x="0" y="0"/>
-          <a:chExt cx="0" cy="0"/>
-        </a:xfrm>
-      </p:grpSpPr>
-      <p:sp>
-        <p:nvSpPr>
-          <p:cNvPr id="2" name="Slide Image Placeholder 1"/>
-          <p:cNvSpPr>
-            <a:spLocks noGrp="1" noRot="1" noChangeAspect="1"/>
-          </p:cNvSpPr>
-          <p:nvPr>
-            <p:ph type="sldImg"/>
-          </p:nvPr>
-        </p:nvSpPr>
-        <p:spPr/>
-      </p:sp>
-      <p:sp>
-        <p:nvSpPr>
-          <p:cNvPr id="3" name="Notes Placeholder 2"/>
-          <p:cNvSpPr>
-            <a:spLocks noGrp="1"/>
-          </p:cNvSpPr>
-          <p:nvPr>
-            <p:ph type="body" idx="1"/>
-          </p:nvPr>
-        </p:nvSpPr>
-        <p:spPr/>
-        <p:txBody>
-          <a:bodyPr>
-            <a:normAutofit/>
-          </a:bodyPr>
-          <a:lstStyle/>
-          <a:p>
-            <a:endParaRPr lang="en-GB"/>
-          </a:p>
-        </p:txBody>
-      </p:sp>
-      <p:sp>
-        <p:nvSpPr>
-          <p:cNvPr id="4" name="Slide Number Placeholder 3"/>
-          <p:cNvSpPr>
-            <a:spLocks noGrp="1"/>
-          </p:cNvSpPr>
-          <p:nvPr>
-            <p:ph type="sldNum" sz="quarter" idx="10"/>
-          </p:nvPr>
-        </p:nvSpPr>
-        <p:spPr/>
-        <p:txBody>
-          <a:bodyPr/>
-          <a:lstStyle/>
-          <a:p>
-            <a:fld id="{8D026D37-C807-427F-9E21-AD12A4363543}" type="slidenum">
-              <a:rPr lang="en-GB" smtClean="0"/>
-              <a:t>10</a:t>
-            </a:fld>
-            <a:endParaRPr lang="en-GB"/>
-          </a:p>
-        </p:txBody>
-      </p:sp>
-    </p:spTree>
-  </p:cSld>
-  <p:clrMapOvr>
-    <a:masterClrMapping/>
-  </p:clrMapOvr>
-</p:notes>
-</file>
-
-<file path=ppt/notesSlides/notesSlide11.xml><?xml version="1.0" encoding="utf-8"?>
-<p:notes xmlns:a="http://schemas.openxmlformats.org/drawingml/2006/main" xmlns:r="http://schemas.openxmlformats.org/officeDocument/2006/relationships" xmlns:p="http://schemas.openxmlformats.org/presentationml/2006/main">
-  <p:cSld>
-    <p:spTree>
-      <p:nvGrpSpPr>
-        <p:cNvPr id="1" name=""/>
-        <p:cNvGrpSpPr/>
-        <p:nvPr/>
-      </p:nvGrpSpPr>
-      <p:grpSpPr>
-        <a:xfrm>
-          <a:off x="0" y="0"/>
-          <a:ext cx="0" cy="0"/>
-          <a:chOff x="0" y="0"/>
-          <a:chExt cx="0" cy="0"/>
-        </a:xfrm>
-      </p:grpSpPr>
-      <p:sp>
-        <p:nvSpPr>
-          <p:cNvPr id="2" name="Slide Image Placeholder 1"/>
-          <p:cNvSpPr>
-            <a:spLocks noGrp="1" noRot="1" noChangeAspect="1"/>
-          </p:cNvSpPr>
-          <p:nvPr>
-            <p:ph type="sldImg"/>
-          </p:nvPr>
-        </p:nvSpPr>
-        <p:spPr/>
-      </p:sp>
-      <p:sp>
-        <p:nvSpPr>
-          <p:cNvPr id="3" name="Notes Placeholder 2"/>
-          <p:cNvSpPr>
-            <a:spLocks noGrp="1"/>
-          </p:cNvSpPr>
-          <p:nvPr>
-            <p:ph type="body" idx="1"/>
-          </p:nvPr>
-        </p:nvSpPr>
-        <p:spPr/>
-        <p:txBody>
-          <a:bodyPr>
-            <a:normAutofit/>
-          </a:bodyPr>
-          <a:lstStyle/>
-          <a:p>
-            <a:endParaRPr lang="en-GB"/>
-          </a:p>
-        </p:txBody>
-      </p:sp>
-      <p:sp>
-        <p:nvSpPr>
-          <p:cNvPr id="4" name="Slide Number Placeholder 3"/>
-          <p:cNvSpPr>
-            <a:spLocks noGrp="1"/>
-          </p:cNvSpPr>
-          <p:nvPr>
-            <p:ph type="sldNum" sz="quarter" idx="10"/>
-          </p:nvPr>
-        </p:nvSpPr>
-        <p:spPr/>
-        <p:txBody>
-          <a:bodyPr/>
-          <a:lstStyle/>
-          <a:p>
-            <a:fld id="{8D026D37-C807-427F-9E21-AD12A4363543}" type="slidenum">
-              <a:rPr lang="en-GB" smtClean="0"/>
-              <a:t>11</a:t>
-            </a:fld>
-            <a:endParaRPr lang="en-GB"/>
-          </a:p>
-        </p:txBody>
-      </p:sp>
-    </p:spTree>
-  </p:cSld>
-  <p:clrMapOvr>
-    <a:masterClrMapping/>
-  </p:clrMapOvr>
-</p:notes>
-</file>
-
-<file path=ppt/notesSlides/notesSlide12.xml><?xml version="1.0" encoding="utf-8"?>
-<p:notes xmlns:a="http://schemas.openxmlformats.org/drawingml/2006/main" xmlns:r="http://schemas.openxmlformats.org/officeDocument/2006/relationships" xmlns:p="http://schemas.openxmlformats.org/presentationml/2006/main">
-  <p:cSld>
-    <p:spTree>
-      <p:nvGrpSpPr>
-        <p:cNvPr id="1" name=""/>
-        <p:cNvGrpSpPr/>
-        <p:nvPr/>
-      </p:nvGrpSpPr>
-      <p:grpSpPr>
-        <a:xfrm>
-          <a:off x="0" y="0"/>
-          <a:ext cx="0" cy="0"/>
-          <a:chOff x="0" y="0"/>
-          <a:chExt cx="0" cy="0"/>
-        </a:xfrm>
-      </p:grpSpPr>
-      <p:sp>
-        <p:nvSpPr>
-          <p:cNvPr id="2" name="Slide Image Placeholder 1"/>
-          <p:cNvSpPr>
-            <a:spLocks noGrp="1" noRot="1" noChangeAspect="1"/>
-          </p:cNvSpPr>
-          <p:nvPr>
-            <p:ph type="sldImg"/>
-          </p:nvPr>
-        </p:nvSpPr>
-        <p:spPr/>
-      </p:sp>
-      <p:sp>
-        <p:nvSpPr>
-          <p:cNvPr id="3" name="Notes Placeholder 2"/>
-          <p:cNvSpPr>
-            <a:spLocks noGrp="1"/>
-          </p:cNvSpPr>
-          <p:nvPr>
-            <p:ph type="body" idx="1"/>
-          </p:nvPr>
-        </p:nvSpPr>
-        <p:spPr/>
-        <p:txBody>
-          <a:bodyPr>
-            <a:normAutofit/>
-          </a:bodyPr>
-          <a:lstStyle/>
-          <a:p>
-            <a:endParaRPr lang="en-GB"/>
-          </a:p>
-        </p:txBody>
-      </p:sp>
-      <p:sp>
-        <p:nvSpPr>
-          <p:cNvPr id="4" name="Slide Number Placeholder 3"/>
-          <p:cNvSpPr>
-            <a:spLocks noGrp="1"/>
-          </p:cNvSpPr>
-          <p:nvPr>
-            <p:ph type="sldNum" sz="quarter" idx="10"/>
-          </p:nvPr>
-        </p:nvSpPr>
-        <p:spPr/>
-        <p:txBody>
-          <a:bodyPr/>
-          <a:lstStyle/>
-          <a:p>
-            <a:fld id="{8D026D37-C807-427F-9E21-AD12A4363543}" type="slidenum">
-              <a:rPr lang="en-GB" smtClean="0"/>
-              <a:t>12</a:t>
-            </a:fld>
-            <a:endParaRPr lang="en-GB"/>
-          </a:p>
-        </p:txBody>
-      </p:sp>
-    </p:spTree>
+    <p:extLst>
+      <p:ext uri="{BB962C8B-B14F-4D97-AF65-F5344CB8AC3E}">
+        <p14:creationId xmlns:p14="http://schemas.microsoft.com/office/powerpoint/2010/main" val="96924801"/>
+      </p:ext>
+    </p:extLst>
   </p:cSld>
   <p:clrMapOvr>
     <a:masterClrMapping/>
@@ -861,6 +660,7 @@
           <a:p>
             <a:fld id="{8D026D37-C807-427F-9E21-AD12A4363543}" type="slidenum">
               <a:rPr lang="en-GB" smtClean="0"/>
+              <a:pPr/>
               <a:t>2</a:t>
             </a:fld>
             <a:endParaRPr lang="en-GB"/>
@@ -868,6 +668,11 @@
         </p:txBody>
       </p:sp>
     </p:spTree>
+    <p:extLst>
+      <p:ext uri="{BB962C8B-B14F-4D97-AF65-F5344CB8AC3E}">
+        <p14:creationId xmlns:p14="http://schemas.microsoft.com/office/powerpoint/2010/main" val="2189812631"/>
+      </p:ext>
+    </p:extLst>
   </p:cSld>
   <p:clrMapOvr>
     <a:masterClrMapping/>
@@ -942,6 +747,7 @@
           <a:p>
             <a:fld id="{8D026D37-C807-427F-9E21-AD12A4363543}" type="slidenum">
               <a:rPr lang="en-GB" smtClean="0"/>
+              <a:pPr/>
               <a:t>3</a:t>
             </a:fld>
             <a:endParaRPr lang="en-GB"/>
@@ -949,6 +755,11 @@
         </p:txBody>
       </p:sp>
     </p:spTree>
+    <p:extLst>
+      <p:ext uri="{BB962C8B-B14F-4D97-AF65-F5344CB8AC3E}">
+        <p14:creationId xmlns:p14="http://schemas.microsoft.com/office/powerpoint/2010/main" val="472629083"/>
+      </p:ext>
+    </p:extLst>
   </p:cSld>
   <p:clrMapOvr>
     <a:masterClrMapping/>
@@ -1023,13 +834,19 @@
           <a:p>
             <a:fld id="{8D026D37-C807-427F-9E21-AD12A4363543}" type="slidenum">
               <a:rPr lang="en-GB" smtClean="0"/>
-              <a:t>4</a:t>
+              <a:pPr/>
+              <a:t>6</a:t>
             </a:fld>
             <a:endParaRPr lang="en-GB"/>
           </a:p>
         </p:txBody>
       </p:sp>
     </p:spTree>
+    <p:extLst>
+      <p:ext uri="{BB962C8B-B14F-4D97-AF65-F5344CB8AC3E}">
+        <p14:creationId xmlns:p14="http://schemas.microsoft.com/office/powerpoint/2010/main" val="3312054181"/>
+      </p:ext>
+    </p:extLst>
   </p:cSld>
   <p:clrMapOvr>
     <a:masterClrMapping/>
@@ -1104,13 +921,19 @@
           <a:p>
             <a:fld id="{8D026D37-C807-427F-9E21-AD12A4363543}" type="slidenum">
               <a:rPr lang="en-GB" smtClean="0"/>
-              <a:t>5</a:t>
+              <a:pPr/>
+              <a:t>7</a:t>
             </a:fld>
             <a:endParaRPr lang="en-GB"/>
           </a:p>
         </p:txBody>
       </p:sp>
     </p:spTree>
+    <p:extLst>
+      <p:ext uri="{BB962C8B-B14F-4D97-AF65-F5344CB8AC3E}">
+        <p14:creationId xmlns:p14="http://schemas.microsoft.com/office/powerpoint/2010/main" val="1102944297"/>
+      </p:ext>
+    </p:extLst>
   </p:cSld>
   <p:clrMapOvr>
     <a:masterClrMapping/>
@@ -1185,13 +1008,19 @@
           <a:p>
             <a:fld id="{8D026D37-C807-427F-9E21-AD12A4363543}" type="slidenum">
               <a:rPr lang="en-GB" smtClean="0"/>
-              <a:t>6</a:t>
+              <a:pPr/>
+              <a:t>8</a:t>
             </a:fld>
             <a:endParaRPr lang="en-GB"/>
           </a:p>
         </p:txBody>
       </p:sp>
     </p:spTree>
+    <p:extLst>
+      <p:ext uri="{BB962C8B-B14F-4D97-AF65-F5344CB8AC3E}">
+        <p14:creationId xmlns:p14="http://schemas.microsoft.com/office/powerpoint/2010/main" val="4060301409"/>
+      </p:ext>
+    </p:extLst>
   </p:cSld>
   <p:clrMapOvr>
     <a:masterClrMapping/>
@@ -1266,13 +1095,19 @@
           <a:p>
             <a:fld id="{8D026D37-C807-427F-9E21-AD12A4363543}" type="slidenum">
               <a:rPr lang="en-GB" smtClean="0"/>
-              <a:t>7</a:t>
+              <a:pPr/>
+              <a:t>9</a:t>
             </a:fld>
             <a:endParaRPr lang="en-GB"/>
           </a:p>
         </p:txBody>
       </p:sp>
     </p:spTree>
+    <p:extLst>
+      <p:ext uri="{BB962C8B-B14F-4D97-AF65-F5344CB8AC3E}">
+        <p14:creationId xmlns:p14="http://schemas.microsoft.com/office/powerpoint/2010/main" val="96334478"/>
+      </p:ext>
+    </p:extLst>
   </p:cSld>
   <p:clrMapOvr>
     <a:masterClrMapping/>
@@ -1347,13 +1182,19 @@
           <a:p>
             <a:fld id="{8D026D37-C807-427F-9E21-AD12A4363543}" type="slidenum">
               <a:rPr lang="en-GB" smtClean="0"/>
-              <a:t>8</a:t>
+              <a:pPr/>
+              <a:t>10</a:t>
             </a:fld>
             <a:endParaRPr lang="en-GB"/>
           </a:p>
         </p:txBody>
       </p:sp>
     </p:spTree>
+    <p:extLst>
+      <p:ext uri="{BB962C8B-B14F-4D97-AF65-F5344CB8AC3E}">
+        <p14:creationId xmlns:p14="http://schemas.microsoft.com/office/powerpoint/2010/main" val="2210987872"/>
+      </p:ext>
+    </p:extLst>
   </p:cSld>
   <p:clrMapOvr>
     <a:masterClrMapping/>
@@ -1428,13 +1269,19 @@
           <a:p>
             <a:fld id="{8D026D37-C807-427F-9E21-AD12A4363543}" type="slidenum">
               <a:rPr lang="en-GB" smtClean="0"/>
-              <a:t>9</a:t>
+              <a:pPr/>
+              <a:t>11</a:t>
             </a:fld>
             <a:endParaRPr lang="en-GB"/>
           </a:p>
         </p:txBody>
       </p:sp>
     </p:spTree>
+    <p:extLst>
+      <p:ext uri="{BB962C8B-B14F-4D97-AF65-F5344CB8AC3E}">
+        <p14:creationId xmlns:p14="http://schemas.microsoft.com/office/powerpoint/2010/main" val="259177255"/>
+      </p:ext>
+    </p:extLst>
   </p:cSld>
   <p:clrMapOvr>
     <a:masterClrMapping/>
@@ -8351,7 +8198,6 @@
               <a:rPr lang="en-US" dirty="0" smtClean="0"/>
               <a:t>Click to edit Master title style</a:t>
             </a:r>
-            <a:endParaRPr lang="en-US" dirty="0" smtClean="0"/>
           </a:p>
         </p:txBody>
       </p:sp>
@@ -10210,8 +10056,15 @@
           <a:lstStyle/>
           <a:p>
             <a:r>
-              <a:rPr lang="en-GB" dirty="0" err="1" smtClean="0"/>
+              <a:rPr lang="en-GB" dirty="0" smtClean="0"/>
               <a:t>jQuery</a:t>
+            </a:r>
+            <a:br>
+              <a:rPr lang="en-GB" dirty="0" smtClean="0"/>
+            </a:br>
+            <a:r>
+              <a:rPr lang="en-GB" dirty="0" smtClean="0"/>
+              <a:t>Andrew Cumming</a:t>
             </a:r>
             <a:endParaRPr lang="en-GB" dirty="0"/>
           </a:p>
@@ -10237,1047 +10090,6 @@
               <a:t>Write less, do more…</a:t>
             </a:r>
             <a:endParaRPr lang="en-GB" sz="3200" dirty="0"/>
-          </a:p>
-        </p:txBody>
-      </p:sp>
-    </p:spTree>
-  </p:cSld>
-  <p:clrMapOvr>
-    <a:masterClrMapping/>
-  </p:clrMapOvr>
-</p:sld>
-</file>
-
-<file path=ppt/slides/slide10.xml><?xml version="1.0" encoding="utf-8"?>
-<p:sld xmlns:a="http://schemas.openxmlformats.org/drawingml/2006/main" xmlns:r="http://schemas.openxmlformats.org/officeDocument/2006/relationships" xmlns:p="http://schemas.openxmlformats.org/presentationml/2006/main">
-  <p:cSld>
-    <p:spTree>
-      <p:nvGrpSpPr>
-        <p:cNvPr id="1" name=""/>
-        <p:cNvGrpSpPr/>
-        <p:nvPr/>
-      </p:nvGrpSpPr>
-      <p:grpSpPr>
-        <a:xfrm>
-          <a:off x="0" y="0"/>
-          <a:ext cx="0" cy="0"/>
-          <a:chOff x="0" y="0"/>
-          <a:chExt cx="0" cy="0"/>
-        </a:xfrm>
-      </p:grpSpPr>
-      <p:sp>
-        <p:nvSpPr>
-          <p:cNvPr id="2" name="Title 1"/>
-          <p:cNvSpPr>
-            <a:spLocks noGrp="1"/>
-          </p:cNvSpPr>
-          <p:nvPr>
-            <p:ph type="title"/>
-          </p:nvPr>
-        </p:nvSpPr>
-        <p:spPr/>
-        <p:txBody>
-          <a:bodyPr/>
-          <a:lstStyle/>
-          <a:p>
-            <a:r>
-              <a:rPr lang="en-GB" dirty="0" smtClean="0"/>
-              <a:t>Create a &lt;</a:t>
-            </a:r>
-            <a:r>
-              <a:rPr lang="en-GB" dirty="0" err="1" smtClean="0"/>
-              <a:t>ul</a:t>
-            </a:r>
-            <a:r>
-              <a:rPr lang="en-GB" dirty="0" smtClean="0"/>
-              <a:t>&gt; list</a:t>
-            </a:r>
-            <a:endParaRPr lang="en-GB" dirty="0"/>
-          </a:p>
-        </p:txBody>
-      </p:sp>
-      <p:sp>
-        <p:nvSpPr>
-          <p:cNvPr id="4" name="TextBox 3"/>
-          <p:cNvSpPr txBox="1"/>
-          <p:nvPr/>
-        </p:nvSpPr>
-        <p:spPr>
-          <a:xfrm>
-            <a:off x="323528" y="1700808"/>
-            <a:ext cx="6192688" cy="3976861"/>
-          </a:xfrm>
-          <a:prstGeom prst="rect">
-            <a:avLst/>
-          </a:prstGeom>
-          <a:ln/>
-        </p:spPr>
-        <p:style>
-          <a:lnRef idx="2">
-            <a:schemeClr val="accent4"/>
-          </a:lnRef>
-          <a:fillRef idx="1">
-            <a:schemeClr val="lt1"/>
-          </a:fillRef>
-          <a:effectRef idx="0">
-            <a:schemeClr val="accent4"/>
-          </a:effectRef>
-          <a:fontRef idx="minor">
-            <a:schemeClr val="dk1"/>
-          </a:fontRef>
-        </p:style>
-        <p:txBody>
-          <a:bodyPr wrap="square" lIns="216000" tIns="140400" bIns="140400" rtlCol="0">
-            <a:spAutoFit/>
-          </a:bodyPr>
-          <a:lstStyle/>
-          <a:p>
-            <a:r>
-              <a:rPr lang="en-GB" sz="2400" dirty="0" smtClean="0"/>
-              <a:t>$(document).ready(function(){</a:t>
-            </a:r>
-          </a:p>
-          <a:p>
-            <a:r>
-              <a:rPr lang="en-GB" sz="2400" dirty="0" smtClean="0"/>
-              <a:t>  </a:t>
-            </a:r>
-            <a:r>
-              <a:rPr lang="en-GB" sz="2400" dirty="0" err="1" smtClean="0"/>
-              <a:t>var</a:t>
-            </a:r>
-            <a:r>
-              <a:rPr lang="en-GB" sz="2400" dirty="0" smtClean="0"/>
-              <a:t> </a:t>
-            </a:r>
-            <a:r>
-              <a:rPr lang="en-GB" sz="2400" dirty="0" err="1" smtClean="0"/>
-              <a:t>lst</a:t>
-            </a:r>
-            <a:r>
-              <a:rPr lang="en-GB" sz="2400" dirty="0" smtClean="0"/>
-              <a:t> = ["Zero</a:t>
-            </a:r>
-            <a:r>
-              <a:rPr lang="en-GB" sz="2400" dirty="0" smtClean="0"/>
-              <a:t>", "</a:t>
-            </a:r>
-            <a:r>
-              <a:rPr lang="en-GB" sz="2400" dirty="0" smtClean="0"/>
-              <a:t>One</a:t>
-            </a:r>
-            <a:r>
-              <a:rPr lang="en-GB" sz="2400" dirty="0" smtClean="0"/>
-              <a:t>", "</a:t>
-            </a:r>
-            <a:r>
-              <a:rPr lang="en-GB" sz="2400" dirty="0" smtClean="0"/>
-              <a:t>Two</a:t>
-            </a:r>
-            <a:r>
-              <a:rPr lang="en-GB" sz="2400" dirty="0" smtClean="0"/>
-              <a:t>", "</a:t>
-            </a:r>
-            <a:r>
-              <a:rPr lang="en-GB" sz="2400" dirty="0" smtClean="0"/>
-              <a:t>Three"];</a:t>
-            </a:r>
-          </a:p>
-          <a:p>
-            <a:r>
-              <a:rPr lang="en-GB" sz="2400" dirty="0" smtClean="0"/>
-              <a:t>  </a:t>
-            </a:r>
-            <a:r>
-              <a:rPr lang="en-GB" sz="2400" dirty="0" err="1" smtClean="0"/>
-              <a:t>var</a:t>
-            </a:r>
-            <a:r>
-              <a:rPr lang="en-GB" sz="2400" dirty="0" smtClean="0"/>
-              <a:t> </a:t>
-            </a:r>
-            <a:r>
-              <a:rPr lang="en-GB" sz="2400" dirty="0" err="1" smtClean="0"/>
-              <a:t>ul</a:t>
-            </a:r>
-            <a:r>
-              <a:rPr lang="en-GB" sz="2400" dirty="0" smtClean="0"/>
-              <a:t> = $('&lt;</a:t>
-            </a:r>
-            <a:r>
-              <a:rPr lang="en-GB" sz="2400" dirty="0" err="1" smtClean="0"/>
-              <a:t>ul</a:t>
-            </a:r>
-            <a:r>
-              <a:rPr lang="en-GB" sz="2400" dirty="0" smtClean="0"/>
-              <a:t>/&gt;');</a:t>
-            </a:r>
-          </a:p>
-          <a:p>
-            <a:r>
-              <a:rPr lang="en-GB" sz="2400" dirty="0" smtClean="0"/>
-              <a:t>  for (</a:t>
-            </a:r>
-            <a:r>
-              <a:rPr lang="en-GB" sz="2400" dirty="0" err="1" smtClean="0"/>
-              <a:t>var</a:t>
-            </a:r>
-            <a:r>
-              <a:rPr lang="en-GB" sz="2400" dirty="0" smtClean="0"/>
-              <a:t> </a:t>
-            </a:r>
-            <a:r>
-              <a:rPr lang="en-GB" sz="2400" dirty="0" err="1" smtClean="0"/>
-              <a:t>i</a:t>
-            </a:r>
-            <a:r>
-              <a:rPr lang="en-GB" sz="2400" dirty="0" smtClean="0"/>
-              <a:t>=0;i&lt;</a:t>
-            </a:r>
-            <a:r>
-              <a:rPr lang="en-GB" sz="2400" dirty="0" err="1" smtClean="0"/>
-              <a:t>lst.length;i</a:t>
-            </a:r>
-            <a:r>
-              <a:rPr lang="en-GB" sz="2400" dirty="0" smtClean="0"/>
-              <a:t>++){</a:t>
-            </a:r>
-          </a:p>
-          <a:p>
-            <a:r>
-              <a:rPr lang="en-GB" sz="2400" dirty="0" smtClean="0"/>
-              <a:t>    </a:t>
-            </a:r>
-            <a:r>
-              <a:rPr lang="en-GB" sz="2400" dirty="0" err="1" smtClean="0"/>
-              <a:t>var</a:t>
-            </a:r>
-            <a:r>
-              <a:rPr lang="en-GB" sz="2400" dirty="0" smtClean="0"/>
-              <a:t> </a:t>
-            </a:r>
-            <a:r>
-              <a:rPr lang="en-GB" sz="2400" dirty="0" err="1" smtClean="0"/>
-              <a:t>li</a:t>
-            </a:r>
-            <a:r>
-              <a:rPr lang="en-GB" sz="2400" dirty="0" smtClean="0"/>
-              <a:t> = $('&lt;</a:t>
-            </a:r>
-            <a:r>
-              <a:rPr lang="en-GB" sz="2400" dirty="0" err="1" smtClean="0"/>
-              <a:t>li</a:t>
-            </a:r>
-            <a:r>
-              <a:rPr lang="en-GB" sz="2400" dirty="0" smtClean="0"/>
-              <a:t>/&gt;');</a:t>
-            </a:r>
-          </a:p>
-          <a:p>
-            <a:r>
-              <a:rPr lang="en-GB" sz="2400" dirty="0" smtClean="0"/>
-              <a:t>    li.html(</a:t>
-            </a:r>
-            <a:r>
-              <a:rPr lang="en-GB" sz="2400" dirty="0" err="1" smtClean="0"/>
-              <a:t>lst</a:t>
-            </a:r>
-            <a:r>
-              <a:rPr lang="en-GB" sz="2400" dirty="0" smtClean="0"/>
-              <a:t>[</a:t>
-            </a:r>
-            <a:r>
-              <a:rPr lang="en-GB" sz="2400" dirty="0" err="1" smtClean="0"/>
-              <a:t>i</a:t>
-            </a:r>
-            <a:r>
-              <a:rPr lang="en-GB" sz="2400" dirty="0" smtClean="0"/>
-              <a:t>]);</a:t>
-            </a:r>
-          </a:p>
-          <a:p>
-            <a:r>
-              <a:rPr lang="en-GB" sz="2400" dirty="0" smtClean="0"/>
-              <a:t>    </a:t>
-            </a:r>
-            <a:r>
-              <a:rPr lang="en-GB" sz="2400" dirty="0" err="1" smtClean="0"/>
-              <a:t>ul.append</a:t>
-            </a:r>
-            <a:r>
-              <a:rPr lang="en-GB" sz="2400" dirty="0" smtClean="0"/>
-              <a:t>(</a:t>
-            </a:r>
-            <a:r>
-              <a:rPr lang="en-GB" sz="2400" dirty="0" err="1" smtClean="0"/>
-              <a:t>li</a:t>
-            </a:r>
-            <a:r>
-              <a:rPr lang="en-GB" sz="2400" dirty="0" smtClean="0"/>
-              <a:t>);</a:t>
-            </a:r>
-          </a:p>
-          <a:p>
-            <a:r>
-              <a:rPr lang="en-GB" sz="2400" dirty="0" smtClean="0"/>
-              <a:t>  }</a:t>
-            </a:r>
-          </a:p>
-          <a:p>
-            <a:r>
-              <a:rPr lang="en-GB" sz="2400" dirty="0" smtClean="0"/>
-              <a:t>  $('body').append(</a:t>
-            </a:r>
-            <a:r>
-              <a:rPr lang="en-GB" sz="2400" dirty="0" err="1" smtClean="0"/>
-              <a:t>ul</a:t>
-            </a:r>
-            <a:r>
-              <a:rPr lang="en-GB" sz="2400" dirty="0" smtClean="0"/>
-              <a:t>);</a:t>
-            </a:r>
-          </a:p>
-          <a:p>
-            <a:r>
-              <a:rPr lang="en-GB" sz="2400" dirty="0" smtClean="0"/>
-              <a:t>});</a:t>
-            </a:r>
-            <a:endParaRPr lang="en-GB" sz="2400" dirty="0" smtClean="0"/>
-          </a:p>
-        </p:txBody>
-      </p:sp>
-      <p:pic>
-        <p:nvPicPr>
-          <p:cNvPr id="2050" name="Picture 2"/>
-          <p:cNvPicPr>
-            <a:picLocks noChangeAspect="1" noChangeArrowheads="1"/>
-          </p:cNvPicPr>
-          <p:nvPr/>
-        </p:nvPicPr>
-        <p:blipFill>
-          <a:blip r:embed="rId3" cstate="print"/>
-          <a:srcRect/>
-          <a:stretch>
-            <a:fillRect/>
-          </a:stretch>
-        </p:blipFill>
-        <p:spPr bwMode="auto">
-          <a:xfrm>
-            <a:off x="5652120" y="3789040"/>
-            <a:ext cx="2905125" cy="2124075"/>
-          </a:xfrm>
-          <a:prstGeom prst="rect">
-            <a:avLst/>
-          </a:prstGeom>
-          <a:noFill/>
-          <a:ln w="9525">
-            <a:noFill/>
-            <a:miter lim="800000"/>
-            <a:headEnd/>
-            <a:tailEnd/>
-          </a:ln>
-        </p:spPr>
-      </p:pic>
-    </p:spTree>
-  </p:cSld>
-  <p:clrMapOvr>
-    <a:masterClrMapping/>
-  </p:clrMapOvr>
-</p:sld>
-</file>
-
-<file path=ppt/slides/slide11.xml><?xml version="1.0" encoding="utf-8"?>
-<p:sld xmlns:a="http://schemas.openxmlformats.org/drawingml/2006/main" xmlns:r="http://schemas.openxmlformats.org/officeDocument/2006/relationships" xmlns:p="http://schemas.openxmlformats.org/presentationml/2006/main">
-  <p:cSld>
-    <p:spTree>
-      <p:nvGrpSpPr>
-        <p:cNvPr id="1" name=""/>
-        <p:cNvGrpSpPr/>
-        <p:nvPr/>
-      </p:nvGrpSpPr>
-      <p:grpSpPr>
-        <a:xfrm>
-          <a:off x="0" y="0"/>
-          <a:ext cx="0" cy="0"/>
-          <a:chOff x="0" y="0"/>
-          <a:chExt cx="0" cy="0"/>
-        </a:xfrm>
-      </p:grpSpPr>
-      <p:sp>
-        <p:nvSpPr>
-          <p:cNvPr id="2" name="Title 1"/>
-          <p:cNvSpPr>
-            <a:spLocks noGrp="1"/>
-          </p:cNvSpPr>
-          <p:nvPr>
-            <p:ph type="title"/>
-          </p:nvPr>
-        </p:nvSpPr>
-        <p:spPr/>
-        <p:txBody>
-          <a:bodyPr/>
-          <a:lstStyle/>
-          <a:p>
-            <a:r>
-              <a:rPr lang="en-GB" dirty="0" smtClean="0"/>
-              <a:t>Create a table with rows and cells</a:t>
-            </a:r>
-            <a:endParaRPr lang="en-GB" dirty="0"/>
-          </a:p>
-        </p:txBody>
-      </p:sp>
-      <p:sp>
-        <p:nvSpPr>
-          <p:cNvPr id="4" name="TextBox 3"/>
-          <p:cNvSpPr txBox="1"/>
-          <p:nvPr/>
-        </p:nvSpPr>
-        <p:spPr>
-          <a:xfrm>
-            <a:off x="179512" y="1556792"/>
-            <a:ext cx="6624736" cy="5084857"/>
-          </a:xfrm>
-          <a:prstGeom prst="rect">
-            <a:avLst/>
-          </a:prstGeom>
-          <a:ln/>
-        </p:spPr>
-        <p:style>
-          <a:lnRef idx="2">
-            <a:schemeClr val="accent4"/>
-          </a:lnRef>
-          <a:fillRef idx="1">
-            <a:schemeClr val="lt1"/>
-          </a:fillRef>
-          <a:effectRef idx="0">
-            <a:schemeClr val="accent4"/>
-          </a:effectRef>
-          <a:fontRef idx="minor">
-            <a:schemeClr val="dk1"/>
-          </a:fontRef>
-        </p:style>
-        <p:txBody>
-          <a:bodyPr wrap="square" lIns="216000" tIns="140400" bIns="140400" rtlCol="0">
-            <a:spAutoFit/>
-          </a:bodyPr>
-          <a:lstStyle/>
-          <a:p>
-            <a:r>
-              <a:rPr lang="en-GB" sz="2400" dirty="0" smtClean="0"/>
-              <a:t>$(document).ready(function(){</a:t>
-            </a:r>
-          </a:p>
-          <a:p>
-            <a:r>
-              <a:rPr lang="en-GB" sz="2400" dirty="0" smtClean="0"/>
-              <a:t>  </a:t>
-            </a:r>
-            <a:r>
-              <a:rPr lang="en-GB" sz="2400" dirty="0" err="1" smtClean="0"/>
-              <a:t>var</a:t>
-            </a:r>
-            <a:r>
-              <a:rPr lang="en-GB" sz="2400" dirty="0" smtClean="0"/>
-              <a:t> table=$('&lt;table/&gt;');</a:t>
-            </a:r>
-          </a:p>
-          <a:p>
-            <a:r>
-              <a:rPr lang="en-GB" sz="2400" dirty="0" smtClean="0"/>
-              <a:t>  for (</a:t>
-            </a:r>
-            <a:r>
-              <a:rPr lang="en-GB" sz="2400" dirty="0" err="1" smtClean="0"/>
-              <a:t>var</a:t>
-            </a:r>
-            <a:r>
-              <a:rPr lang="en-GB" sz="2400" dirty="0" smtClean="0"/>
-              <a:t> </a:t>
-            </a:r>
-            <a:r>
-              <a:rPr lang="en-GB" sz="2400" dirty="0" err="1" smtClean="0"/>
-              <a:t>i</a:t>
-            </a:r>
-            <a:r>
-              <a:rPr lang="en-GB" sz="2400" dirty="0" smtClean="0"/>
-              <a:t>=0;i&lt;8;i++){</a:t>
-            </a:r>
-          </a:p>
-          <a:p>
-            <a:r>
-              <a:rPr lang="en-GB" sz="2400" dirty="0" smtClean="0"/>
-              <a:t>    </a:t>
-            </a:r>
-            <a:r>
-              <a:rPr lang="en-GB" sz="2400" dirty="0" err="1" smtClean="0"/>
-              <a:t>var</a:t>
-            </a:r>
-            <a:r>
-              <a:rPr lang="en-GB" sz="2400" dirty="0" smtClean="0"/>
-              <a:t> </a:t>
-            </a:r>
-            <a:r>
-              <a:rPr lang="en-GB" sz="2400" dirty="0" err="1" smtClean="0"/>
-              <a:t>tr</a:t>
-            </a:r>
-            <a:r>
-              <a:rPr lang="en-GB" sz="2400" dirty="0" smtClean="0"/>
-              <a:t>= $('&lt;</a:t>
-            </a:r>
-            <a:r>
-              <a:rPr lang="en-GB" sz="2400" dirty="0" err="1" smtClean="0"/>
-              <a:t>tr</a:t>
-            </a:r>
-            <a:r>
-              <a:rPr lang="en-GB" sz="2400" dirty="0" smtClean="0"/>
-              <a:t>/&gt;');</a:t>
-            </a:r>
-          </a:p>
-          <a:p>
-            <a:r>
-              <a:rPr lang="en-GB" sz="2400" dirty="0" smtClean="0"/>
-              <a:t>    for (</a:t>
-            </a:r>
-            <a:r>
-              <a:rPr lang="en-GB" sz="2400" dirty="0" err="1" smtClean="0"/>
-              <a:t>var</a:t>
-            </a:r>
-            <a:r>
-              <a:rPr lang="en-GB" sz="2400" dirty="0" smtClean="0"/>
-              <a:t> j=0;j&lt;8;j++){</a:t>
-            </a:r>
-          </a:p>
-          <a:p>
-            <a:r>
-              <a:rPr lang="en-GB" sz="2400" dirty="0" smtClean="0"/>
-              <a:t>      </a:t>
-            </a:r>
-            <a:r>
-              <a:rPr lang="en-GB" sz="2400" dirty="0" err="1" smtClean="0"/>
-              <a:t>var</a:t>
-            </a:r>
-            <a:r>
-              <a:rPr lang="en-GB" sz="2400" dirty="0" smtClean="0"/>
-              <a:t> td=$('&lt;td/&gt;');</a:t>
-            </a:r>
-          </a:p>
-          <a:p>
-            <a:r>
-              <a:rPr lang="en-GB" sz="2400" dirty="0" smtClean="0"/>
-              <a:t>      td.html(</a:t>
-            </a:r>
-            <a:r>
-              <a:rPr lang="en-GB" sz="2400" dirty="0" err="1" smtClean="0"/>
-              <a:t>i</a:t>
-            </a:r>
-            <a:r>
-              <a:rPr lang="en-GB" sz="2400" dirty="0" smtClean="0"/>
-              <a:t>*j);</a:t>
-            </a:r>
-          </a:p>
-          <a:p>
-            <a:r>
-              <a:rPr lang="en-GB" sz="2400" dirty="0" smtClean="0"/>
-              <a:t>      </a:t>
-            </a:r>
-            <a:r>
-              <a:rPr lang="en-GB" sz="2400" dirty="0" err="1" smtClean="0"/>
-              <a:t>tr.append</a:t>
-            </a:r>
-            <a:r>
-              <a:rPr lang="en-GB" sz="2400" dirty="0" smtClean="0"/>
-              <a:t>(td);</a:t>
-            </a:r>
-          </a:p>
-          <a:p>
-            <a:r>
-              <a:rPr lang="en-GB" sz="2400" dirty="0" smtClean="0"/>
-              <a:t>    }</a:t>
-            </a:r>
-          </a:p>
-          <a:p>
-            <a:r>
-              <a:rPr lang="en-GB" sz="2400" dirty="0" smtClean="0"/>
-              <a:t>    </a:t>
-            </a:r>
-            <a:r>
-              <a:rPr lang="en-GB" sz="2400" dirty="0" err="1" smtClean="0"/>
-              <a:t>table.append</a:t>
-            </a:r>
-            <a:r>
-              <a:rPr lang="en-GB" sz="2400" dirty="0" smtClean="0"/>
-              <a:t>(</a:t>
-            </a:r>
-            <a:r>
-              <a:rPr lang="en-GB" sz="2400" dirty="0" err="1" smtClean="0"/>
-              <a:t>tr</a:t>
-            </a:r>
-            <a:r>
-              <a:rPr lang="en-GB" sz="2400" dirty="0" smtClean="0"/>
-              <a:t>);</a:t>
-            </a:r>
-          </a:p>
-          <a:p>
-            <a:r>
-              <a:rPr lang="en-GB" sz="2400" dirty="0" smtClean="0"/>
-              <a:t>  }</a:t>
-            </a:r>
-          </a:p>
-          <a:p>
-            <a:r>
-              <a:rPr lang="en-GB" sz="2400" dirty="0" smtClean="0"/>
-              <a:t>  $('body').append(table);</a:t>
-            </a:r>
-          </a:p>
-          <a:p>
-            <a:r>
-              <a:rPr lang="en-GB" sz="2400" dirty="0" smtClean="0"/>
-              <a:t>});</a:t>
-            </a:r>
-            <a:endParaRPr lang="en-GB" sz="2400" dirty="0" smtClean="0"/>
-          </a:p>
-        </p:txBody>
-      </p:sp>
-      <p:pic>
-        <p:nvPicPr>
-          <p:cNvPr id="3074" name="Picture 2"/>
-          <p:cNvPicPr>
-            <a:picLocks noChangeAspect="1" noChangeArrowheads="1"/>
-          </p:cNvPicPr>
-          <p:nvPr/>
-        </p:nvPicPr>
-        <p:blipFill>
-          <a:blip r:embed="rId3" cstate="print"/>
-          <a:srcRect/>
-          <a:stretch>
-            <a:fillRect/>
-          </a:stretch>
-        </p:blipFill>
-        <p:spPr bwMode="auto">
-          <a:xfrm>
-            <a:off x="6300192" y="3284984"/>
-            <a:ext cx="2447925" cy="2933700"/>
-          </a:xfrm>
-          <a:prstGeom prst="rect">
-            <a:avLst/>
-          </a:prstGeom>
-          <a:noFill/>
-          <a:ln w="9525">
-            <a:noFill/>
-            <a:miter lim="800000"/>
-            <a:headEnd/>
-            <a:tailEnd/>
-          </a:ln>
-        </p:spPr>
-      </p:pic>
-    </p:spTree>
-  </p:cSld>
-  <p:clrMapOvr>
-    <a:masterClrMapping/>
-  </p:clrMapOvr>
-</p:sld>
-</file>
-
-<file path=ppt/slides/slide12.xml><?xml version="1.0" encoding="utf-8"?>
-<p:sld xmlns:a="http://schemas.openxmlformats.org/drawingml/2006/main" xmlns:r="http://schemas.openxmlformats.org/officeDocument/2006/relationships" xmlns:p="http://schemas.openxmlformats.org/presentationml/2006/main">
-  <p:cSld>
-    <p:spTree>
-      <p:nvGrpSpPr>
-        <p:cNvPr id="1" name=""/>
-        <p:cNvGrpSpPr/>
-        <p:nvPr/>
-      </p:nvGrpSpPr>
-      <p:grpSpPr>
-        <a:xfrm>
-          <a:off x="0" y="0"/>
-          <a:ext cx="0" cy="0"/>
-          <a:chOff x="0" y="0"/>
-          <a:chExt cx="0" cy="0"/>
-        </a:xfrm>
-      </p:grpSpPr>
-      <p:sp>
-        <p:nvSpPr>
-          <p:cNvPr id="2" name="Title 1"/>
-          <p:cNvSpPr>
-            <a:spLocks noGrp="1"/>
-          </p:cNvSpPr>
-          <p:nvPr>
-            <p:ph type="title"/>
-          </p:nvPr>
-        </p:nvSpPr>
-        <p:spPr/>
-        <p:txBody>
-          <a:bodyPr/>
-          <a:lstStyle/>
-          <a:p>
-            <a:r>
-              <a:rPr lang="en-GB" dirty="0" smtClean="0"/>
-              <a:t>Some Useful </a:t>
-            </a:r>
-            <a:r>
-              <a:rPr lang="en-GB" dirty="0" err="1" smtClean="0"/>
-              <a:t>jQuery</a:t>
-            </a:r>
-            <a:r>
-              <a:rPr lang="en-GB" dirty="0" smtClean="0"/>
-              <a:t> functions</a:t>
-            </a:r>
-            <a:endParaRPr lang="en-GB" dirty="0"/>
-          </a:p>
-        </p:txBody>
-      </p:sp>
-      <p:sp>
-        <p:nvSpPr>
-          <p:cNvPr id="3" name="Content Placeholder 2"/>
-          <p:cNvSpPr>
-            <a:spLocks noGrp="1"/>
-          </p:cNvSpPr>
-          <p:nvPr>
-            <p:ph idx="1"/>
-          </p:nvPr>
-        </p:nvSpPr>
-        <p:spPr/>
-        <p:txBody>
-          <a:bodyPr/>
-          <a:lstStyle/>
-          <a:p>
-            <a:r>
-              <a:rPr lang="en-GB" b="1" dirty="0" smtClean="0"/>
-              <a:t>html</a:t>
-            </a:r>
-          </a:p>
-          <a:p>
-            <a:pPr lvl="1"/>
-            <a:r>
-              <a:rPr lang="en-GB" dirty="0" smtClean="0"/>
-              <a:t>You can use the </a:t>
-            </a:r>
-            <a:r>
-              <a:rPr lang="en-GB" b="1" dirty="0" smtClean="0"/>
-              <a:t>html</a:t>
-            </a:r>
-            <a:r>
-              <a:rPr lang="en-GB" dirty="0" smtClean="0"/>
-              <a:t> method to change the content of an element</a:t>
-            </a:r>
-          </a:p>
-          <a:p>
-            <a:r>
-              <a:rPr lang="en-GB" b="1" dirty="0" smtClean="0"/>
-              <a:t>append</a:t>
-            </a:r>
-            <a:endParaRPr lang="en-GB" dirty="0" smtClean="0"/>
-          </a:p>
-          <a:p>
-            <a:pPr lvl="1"/>
-            <a:r>
-              <a:rPr lang="en-GB" dirty="0" smtClean="0"/>
-              <a:t>The append function adds to the end of an element</a:t>
-            </a:r>
-          </a:p>
-          <a:p>
-            <a:r>
-              <a:rPr lang="en-GB" b="1" dirty="0" err="1" smtClean="0"/>
-              <a:t>prepend</a:t>
-            </a:r>
-            <a:endParaRPr lang="en-GB" dirty="0" smtClean="0"/>
-          </a:p>
-          <a:p>
-            <a:pPr lvl="1"/>
-            <a:r>
-              <a:rPr lang="en-GB" dirty="0" smtClean="0"/>
-              <a:t>The </a:t>
-            </a:r>
-            <a:r>
-              <a:rPr lang="en-GB" b="1" dirty="0" err="1" smtClean="0"/>
-              <a:t>prepend</a:t>
-            </a:r>
-            <a:r>
-              <a:rPr lang="en-GB" b="1" dirty="0" smtClean="0"/>
-              <a:t> </a:t>
-            </a:r>
-            <a:r>
-              <a:rPr lang="en-GB" dirty="0" smtClean="0"/>
-              <a:t>function adds to the beginning of an element</a:t>
-            </a:r>
-          </a:p>
-          <a:p>
-            <a:r>
-              <a:rPr lang="en-GB" b="1" dirty="0" err="1" smtClean="0"/>
-              <a:t>css</a:t>
-            </a:r>
-            <a:endParaRPr lang="en-GB" b="1" dirty="0" smtClean="0"/>
-          </a:p>
-          <a:p>
-            <a:pPr lvl="1"/>
-            <a:r>
-              <a:rPr lang="en-GB" dirty="0" smtClean="0"/>
-              <a:t>The function </a:t>
-            </a:r>
-            <a:r>
-              <a:rPr lang="en-GB" b="1" dirty="0" err="1" smtClean="0"/>
-              <a:t>css</a:t>
-            </a:r>
-            <a:r>
-              <a:rPr lang="en-GB" b="1" dirty="0" smtClean="0"/>
-              <a:t> </a:t>
-            </a:r>
-            <a:r>
-              <a:rPr lang="en-GB" dirty="0" smtClean="0"/>
-              <a:t>is used to set a </a:t>
-            </a:r>
-            <a:r>
-              <a:rPr lang="en-GB" dirty="0" err="1" smtClean="0"/>
-              <a:t>css</a:t>
-            </a:r>
-            <a:r>
-              <a:rPr lang="en-GB" dirty="0" smtClean="0"/>
-              <a:t> property of </a:t>
-            </a:r>
-            <a:r>
-              <a:rPr lang="en-GB" smtClean="0"/>
-              <a:t>an element</a:t>
-            </a:r>
-            <a:endParaRPr lang="en-GB" dirty="0" smtClean="0"/>
-          </a:p>
-          <a:p>
-            <a:endParaRPr lang="en-GB" dirty="0"/>
-          </a:p>
-        </p:txBody>
-      </p:sp>
-    </p:spTree>
-  </p:cSld>
-  <p:clrMapOvr>
-    <a:masterClrMapping/>
-  </p:clrMapOvr>
-</p:sld>
-</file>
-
-<file path=ppt/slides/slide2.xml><?xml version="1.0" encoding="utf-8"?>
-<p:sld xmlns:a="http://schemas.openxmlformats.org/drawingml/2006/main" xmlns:r="http://schemas.openxmlformats.org/officeDocument/2006/relationships" xmlns:p="http://schemas.openxmlformats.org/presentationml/2006/main">
-  <p:cSld>
-    <p:spTree>
-      <p:nvGrpSpPr>
-        <p:cNvPr id="1" name=""/>
-        <p:cNvGrpSpPr/>
-        <p:nvPr/>
-      </p:nvGrpSpPr>
-      <p:grpSpPr>
-        <a:xfrm>
-          <a:off x="0" y="0"/>
-          <a:ext cx="0" cy="0"/>
-          <a:chOff x="0" y="0"/>
-          <a:chExt cx="0" cy="0"/>
-        </a:xfrm>
-      </p:grpSpPr>
-      <p:sp>
-        <p:nvSpPr>
-          <p:cNvPr id="2" name="Title 1"/>
-          <p:cNvSpPr>
-            <a:spLocks noGrp="1"/>
-          </p:cNvSpPr>
-          <p:nvPr>
-            <p:ph type="title"/>
-          </p:nvPr>
-        </p:nvSpPr>
-        <p:spPr/>
-        <p:txBody>
-          <a:bodyPr/>
-          <a:lstStyle/>
-          <a:p>
-            <a:r>
-              <a:rPr lang="en-GB" dirty="0" smtClean="0"/>
-              <a:t>Lecture Plan</a:t>
-            </a:r>
-            <a:endParaRPr lang="en-GB" dirty="0"/>
-          </a:p>
-        </p:txBody>
-      </p:sp>
-      <p:sp>
-        <p:nvSpPr>
-          <p:cNvPr id="3" name="Content Placeholder 2"/>
-          <p:cNvSpPr>
-            <a:spLocks noGrp="1"/>
-          </p:cNvSpPr>
-          <p:nvPr>
-            <p:ph idx="1"/>
-          </p:nvPr>
-        </p:nvSpPr>
-        <p:spPr/>
-        <p:txBody>
-          <a:bodyPr>
-            <a:normAutofit/>
-          </a:bodyPr>
-          <a:lstStyle/>
-          <a:p>
-            <a:r>
-              <a:rPr lang="en-GB" dirty="0" err="1" smtClean="0"/>
-              <a:t>jQuery</a:t>
-            </a:r>
-            <a:r>
-              <a:rPr lang="en-GB" dirty="0" smtClean="0"/>
-              <a:t> – what and why</a:t>
-            </a:r>
-          </a:p>
-          <a:p>
-            <a:r>
-              <a:rPr lang="en-GB" dirty="0" smtClean="0"/>
-              <a:t>The ready function</a:t>
-            </a:r>
-          </a:p>
-          <a:p>
-            <a:r>
-              <a:rPr lang="en-GB" dirty="0" smtClean="0"/>
-              <a:t>Creating Content</a:t>
-            </a:r>
-          </a:p>
-          <a:p>
-            <a:r>
-              <a:rPr lang="en-GB" dirty="0" smtClean="0"/>
-              <a:t>Changing Elements</a:t>
-            </a:r>
-          </a:p>
-          <a:p>
-            <a:r>
-              <a:rPr lang="en-GB" dirty="0" smtClean="0"/>
-              <a:t>Applying CSS</a:t>
-            </a:r>
-          </a:p>
-          <a:p>
-            <a:r>
-              <a:rPr lang="en-GB" dirty="0" smtClean="0"/>
-              <a:t>Applying functions</a:t>
-            </a:r>
-          </a:p>
-          <a:p>
-            <a:r>
-              <a:rPr lang="en-GB" dirty="0" smtClean="0"/>
-              <a:t>Lists of useful JavaScript and </a:t>
-            </a:r>
-            <a:r>
-              <a:rPr lang="en-GB" dirty="0" err="1" smtClean="0"/>
-              <a:t>jQuery</a:t>
-            </a:r>
-            <a:r>
-              <a:rPr lang="en-GB" dirty="0" smtClean="0"/>
-              <a:t> functions</a:t>
-            </a:r>
-          </a:p>
-          <a:p>
-            <a:r>
-              <a:rPr lang="en-GB" dirty="0" smtClean="0"/>
-              <a:t>Arrays and Objects in JavaScript</a:t>
-            </a:r>
-            <a:endParaRPr lang="en-GB" dirty="0"/>
-          </a:p>
-        </p:txBody>
-      </p:sp>
-    </p:spTree>
-  </p:cSld>
-  <p:clrMapOvr>
-    <a:masterClrMapping/>
-  </p:clrMapOvr>
-</p:sld>
-</file>
-
-<file path=ppt/slides/slide3.xml><?xml version="1.0" encoding="utf-8"?>
-<p:sld xmlns:a="http://schemas.openxmlformats.org/drawingml/2006/main" xmlns:r="http://schemas.openxmlformats.org/officeDocument/2006/relationships" xmlns:p="http://schemas.openxmlformats.org/presentationml/2006/main">
-  <p:cSld>
-    <p:spTree>
-      <p:nvGrpSpPr>
-        <p:cNvPr id="1" name=""/>
-        <p:cNvGrpSpPr/>
-        <p:nvPr/>
-      </p:nvGrpSpPr>
-      <p:grpSpPr>
-        <a:xfrm>
-          <a:off x="0" y="0"/>
-          <a:ext cx="0" cy="0"/>
-          <a:chOff x="0" y="0"/>
-          <a:chExt cx="0" cy="0"/>
-        </a:xfrm>
-      </p:grpSpPr>
-      <p:sp>
-        <p:nvSpPr>
-          <p:cNvPr id="4" name="Title 3"/>
-          <p:cNvSpPr>
-            <a:spLocks noGrp="1"/>
-          </p:cNvSpPr>
-          <p:nvPr>
-            <p:ph type="title"/>
-          </p:nvPr>
-        </p:nvSpPr>
-        <p:spPr/>
-        <p:txBody>
-          <a:bodyPr/>
-          <a:lstStyle/>
-          <a:p>
-            <a:r>
-              <a:rPr lang="en-GB" dirty="0" err="1" smtClean="0"/>
-              <a:t>jQuery</a:t>
-            </a:r>
-            <a:r>
-              <a:rPr lang="en-GB" dirty="0" smtClean="0"/>
-              <a:t> – What and Why</a:t>
-            </a:r>
-            <a:endParaRPr lang="en-GB" dirty="0"/>
-          </a:p>
-        </p:txBody>
-      </p:sp>
-      <p:sp>
-        <p:nvSpPr>
-          <p:cNvPr id="4099" name="Rectangle 3"/>
-          <p:cNvSpPr>
-            <a:spLocks noGrp="1" noChangeArrowheads="1"/>
-          </p:cNvSpPr>
-          <p:nvPr>
-            <p:ph idx="1"/>
-          </p:nvPr>
-        </p:nvSpPr>
-        <p:spPr/>
-        <p:txBody>
-          <a:bodyPr>
-            <a:normAutofit fontScale="92500" lnSpcReduction="10000"/>
-          </a:bodyPr>
-          <a:lstStyle/>
-          <a:p>
-            <a:r>
-              <a:rPr lang="en-GB" sz="4000" dirty="0" smtClean="0"/>
-              <a:t>Write less, do more</a:t>
-            </a:r>
-          </a:p>
-          <a:p>
-            <a:r>
-              <a:rPr lang="en-GB" sz="4000" dirty="0" err="1" smtClean="0"/>
-              <a:t>jQuery</a:t>
-            </a:r>
-            <a:r>
-              <a:rPr lang="en-GB" sz="4000" dirty="0" smtClean="0"/>
-              <a:t> is a JavaScript library</a:t>
-            </a:r>
-          </a:p>
-          <a:p>
-            <a:r>
-              <a:rPr lang="en-GB" sz="4000" dirty="0" smtClean="0"/>
-              <a:t>It makes writing JavaScript easier</a:t>
-            </a:r>
-          </a:p>
-          <a:p>
-            <a:r>
-              <a:rPr lang="en-GB" sz="4000" dirty="0" smtClean="0"/>
-              <a:t>It smooth out some browser </a:t>
-            </a:r>
-            <a:r>
-              <a:rPr lang="en-GB" sz="4000" dirty="0" smtClean="0"/>
-              <a:t>incompatibilities</a:t>
-            </a:r>
-          </a:p>
-          <a:p>
-            <a:r>
-              <a:rPr lang="en-GB" sz="4000" dirty="0" smtClean="0"/>
-              <a:t>It is one of the most successful libraries</a:t>
-            </a:r>
-            <a:endParaRPr lang="en-GB" sz="4000" dirty="0" smtClean="0"/>
           </a:p>
         </p:txBody>
       </p:sp>
@@ -11296,865 +10108,7 @@
 </p:sld>
 </file>
 
-<file path=ppt/slides/slide4.xml><?xml version="1.0" encoding="utf-8"?>
-<p:sld xmlns:a="http://schemas.openxmlformats.org/drawingml/2006/main" xmlns:r="http://schemas.openxmlformats.org/officeDocument/2006/relationships" xmlns:p="http://schemas.openxmlformats.org/presentationml/2006/main">
-  <p:cSld>
-    <p:spTree>
-      <p:nvGrpSpPr>
-        <p:cNvPr id="1" name=""/>
-        <p:cNvGrpSpPr/>
-        <p:nvPr/>
-      </p:nvGrpSpPr>
-      <p:grpSpPr>
-        <a:xfrm>
-          <a:off x="0" y="0"/>
-          <a:ext cx="0" cy="0"/>
-          <a:chOff x="0" y="0"/>
-          <a:chExt cx="0" cy="0"/>
-        </a:xfrm>
-      </p:grpSpPr>
-      <p:sp>
-        <p:nvSpPr>
-          <p:cNvPr id="2" name="Title 1"/>
-          <p:cNvSpPr>
-            <a:spLocks noGrp="1"/>
-          </p:cNvSpPr>
-          <p:nvPr>
-            <p:ph type="title"/>
-          </p:nvPr>
-        </p:nvSpPr>
-        <p:spPr/>
-        <p:txBody>
-          <a:bodyPr/>
-          <a:lstStyle/>
-          <a:p>
-            <a:r>
-              <a:rPr lang="en-US" dirty="0" smtClean="0"/>
-              <a:t>Preliminaries</a:t>
-            </a:r>
-            <a:endParaRPr lang="en-US" dirty="0"/>
-          </a:p>
-        </p:txBody>
-      </p:sp>
-      <p:sp>
-        <p:nvSpPr>
-          <p:cNvPr id="3" name="Content Placeholder 2"/>
-          <p:cNvSpPr>
-            <a:spLocks noGrp="1"/>
-          </p:cNvSpPr>
-          <p:nvPr>
-            <p:ph idx="1"/>
-          </p:nvPr>
-        </p:nvSpPr>
-        <p:spPr/>
-        <p:txBody>
-          <a:bodyPr/>
-          <a:lstStyle/>
-          <a:p>
-            <a:pPr marL="0" indent="0">
-              <a:buNone/>
-            </a:pPr>
-            <a:r>
-              <a:rPr lang="en-US" sz="2000" dirty="0" smtClean="0"/>
-              <a:t>&lt;script </a:t>
-            </a:r>
-            <a:r>
-              <a:rPr lang="en-US" sz="2000" dirty="0" smtClean="0"/>
-              <a:t> </a:t>
-            </a:r>
-          </a:p>
-          <a:p>
-            <a:pPr marL="0" indent="0">
-              <a:buNone/>
-            </a:pPr>
-            <a:r>
-              <a:rPr lang="en-US" sz="2000" dirty="0" smtClean="0"/>
-              <a:t> </a:t>
-            </a:r>
-            <a:r>
-              <a:rPr lang="en-US" sz="2000" dirty="0" smtClean="0"/>
-              <a:t>     </a:t>
-            </a:r>
-            <a:r>
-              <a:rPr lang="en-US" sz="2000" dirty="0" err="1" smtClean="0"/>
-              <a:t>src</a:t>
-            </a:r>
-            <a:r>
-              <a:rPr lang="en-US" sz="2000" dirty="0" smtClean="0"/>
-              <a:t>='http://ajax.googleapis.com/ajax/libs/jquery/1.6.1/jquery.min.js</a:t>
-            </a:r>
-            <a:r>
-              <a:rPr lang="en-US" sz="2000" dirty="0" smtClean="0"/>
-              <a:t>'&gt; &lt;/</a:t>
-            </a:r>
-            <a:r>
-              <a:rPr lang="en-US" sz="2000" dirty="0" smtClean="0"/>
-              <a:t>script&gt;</a:t>
-            </a:r>
-          </a:p>
-          <a:p>
-            <a:r>
-              <a:rPr lang="en-US" sz="1800" dirty="0" smtClean="0"/>
-              <a:t>You can download the library from </a:t>
-            </a:r>
-            <a:r>
-              <a:rPr lang="en-US" sz="1800" dirty="0" err="1" smtClean="0"/>
-              <a:t>google</a:t>
-            </a:r>
-            <a:r>
-              <a:rPr lang="en-US" sz="1800" dirty="0" smtClean="0"/>
-              <a:t>.</a:t>
-            </a:r>
-          </a:p>
-          <a:p>
-            <a:r>
-              <a:rPr lang="en-US" sz="1800" dirty="0" smtClean="0"/>
-              <a:t>This means it may be your user’s cache.</a:t>
-            </a:r>
-          </a:p>
-          <a:p>
-            <a:pPr>
-              <a:buNone/>
-            </a:pPr>
-            <a:r>
-              <a:rPr lang="en-US" sz="3200" dirty="0" smtClean="0"/>
-              <a:t> $(</a:t>
-            </a:r>
-            <a:r>
-              <a:rPr lang="en-US" sz="3200" dirty="0" err="1" smtClean="0"/>
-              <a:t>document).ready</a:t>
-            </a:r>
-            <a:endParaRPr lang="en-US" sz="3200" dirty="0" smtClean="0"/>
-          </a:p>
-          <a:p>
-            <a:r>
-              <a:rPr lang="en-US" sz="1800" dirty="0" smtClean="0"/>
-              <a:t>The ready function takes a function as a parameter.</a:t>
-            </a:r>
-          </a:p>
-          <a:p>
-            <a:r>
-              <a:rPr lang="en-US" sz="1800" dirty="0" smtClean="0"/>
-              <a:t>The function is executed when the page has loaded.</a:t>
-            </a:r>
-          </a:p>
-          <a:p>
-            <a:r>
-              <a:rPr lang="en-US" sz="1800" dirty="0" smtClean="0"/>
-              <a:t>This is a useful time to set up the page</a:t>
-            </a:r>
-            <a:endParaRPr lang="en-US" sz="1800" dirty="0"/>
-          </a:p>
-        </p:txBody>
-      </p:sp>
-    </p:spTree>
-  </p:cSld>
-  <p:clrMapOvr>
-    <a:masterClrMapping/>
-  </p:clrMapOvr>
-</p:sld>
-</file>
-
-<file path=ppt/slides/slide5.xml><?xml version="1.0" encoding="utf-8"?>
-<p:sld xmlns:a="http://schemas.openxmlformats.org/drawingml/2006/main" xmlns:r="http://schemas.openxmlformats.org/officeDocument/2006/relationships" xmlns:p="http://schemas.openxmlformats.org/presentationml/2006/main">
-  <p:cSld>
-    <p:spTree>
-      <p:nvGrpSpPr>
-        <p:cNvPr id="1" name=""/>
-        <p:cNvGrpSpPr/>
-        <p:nvPr/>
-      </p:nvGrpSpPr>
-      <p:grpSpPr>
-        <a:xfrm>
-          <a:off x="0" y="0"/>
-          <a:ext cx="0" cy="0"/>
-          <a:chOff x="0" y="0"/>
-          <a:chExt cx="0" cy="0"/>
-        </a:xfrm>
-      </p:grpSpPr>
-      <p:sp>
-        <p:nvSpPr>
-          <p:cNvPr id="2" name="Title 1"/>
-          <p:cNvSpPr>
-            <a:spLocks noGrp="1"/>
-          </p:cNvSpPr>
-          <p:nvPr>
-            <p:ph type="title"/>
-          </p:nvPr>
-        </p:nvSpPr>
-        <p:spPr/>
-        <p:txBody>
-          <a:bodyPr/>
-          <a:lstStyle/>
-          <a:p>
-            <a:r>
-              <a:rPr lang="en-US" dirty="0" smtClean="0"/>
-              <a:t>Example</a:t>
-            </a:r>
-            <a:endParaRPr lang="en-US" dirty="0"/>
-          </a:p>
-        </p:txBody>
-      </p:sp>
-      <p:sp>
-        <p:nvSpPr>
-          <p:cNvPr id="4" name="TextBox 3"/>
-          <p:cNvSpPr txBox="1"/>
-          <p:nvPr/>
-        </p:nvSpPr>
-        <p:spPr>
-          <a:xfrm>
-            <a:off x="395536" y="1844824"/>
-            <a:ext cx="7924800" cy="2862323"/>
-          </a:xfrm>
-          <a:prstGeom prst="rect">
-            <a:avLst/>
-          </a:prstGeom>
-          <a:ln w="12700" cap="flat" cmpd="sng" algn="ctr">
-            <a:solidFill>
-              <a:schemeClr val="tx1"/>
-            </a:solidFill>
-            <a:prstDash val="solid"/>
-            <a:round/>
-            <a:headEnd type="none" w="med" len="med"/>
-            <a:tailEnd type="none" w="med" len="med"/>
-          </a:ln>
-        </p:spPr>
-        <p:style>
-          <a:lnRef idx="1">
-            <a:schemeClr val="accent3"/>
-          </a:lnRef>
-          <a:fillRef idx="2">
-            <a:schemeClr val="accent3"/>
-          </a:fillRef>
-          <a:effectRef idx="1">
-            <a:schemeClr val="accent3"/>
-          </a:effectRef>
-          <a:fontRef idx="minor">
-            <a:schemeClr val="dk1"/>
-          </a:fontRef>
-        </p:style>
-        <p:txBody>
-          <a:bodyPr wrap="square" rtlCol="0">
-            <a:spAutoFit/>
-          </a:bodyPr>
-          <a:lstStyle/>
-          <a:p>
-            <a:r>
-              <a:rPr lang="en-US" dirty="0" smtClean="0"/>
-              <a:t>&lt;!</a:t>
-            </a:r>
-            <a:r>
-              <a:rPr lang="en-US" dirty="0" err="1" smtClean="0"/>
-              <a:t>doctype</a:t>
-            </a:r>
-            <a:r>
-              <a:rPr lang="en-US" dirty="0" smtClean="0"/>
-              <a:t> html&gt;</a:t>
-            </a:r>
-          </a:p>
-          <a:p>
-            <a:r>
-              <a:rPr lang="en-US" dirty="0" smtClean="0"/>
-              <a:t>&lt;html&gt;</a:t>
-            </a:r>
-          </a:p>
-          <a:p>
-            <a:r>
-              <a:rPr lang="en-US" dirty="0" smtClean="0"/>
-              <a:t>&lt;head&gt;&lt;title&gt;Timetables&lt;/title&gt;</a:t>
-            </a:r>
-          </a:p>
-          <a:p>
-            <a:r>
-              <a:rPr lang="en-US" dirty="0" smtClean="0"/>
-              <a:t>&lt;script </a:t>
-            </a:r>
-            <a:r>
-              <a:rPr lang="en-US" dirty="0" err="1" smtClean="0"/>
-              <a:t>src</a:t>
-            </a:r>
-            <a:r>
-              <a:rPr lang="en-US" dirty="0" smtClean="0"/>
-              <a:t>='http://ajax.googleapis.com/ajax/libs/jquery/1.6.1/jquery.min.js'&gt; &lt;/script&gt;</a:t>
-            </a:r>
-          </a:p>
-          <a:p>
-            <a:r>
-              <a:rPr lang="en-US" dirty="0" smtClean="0"/>
-              <a:t>&lt;script </a:t>
-            </a:r>
-            <a:r>
-              <a:rPr lang="en-US" dirty="0" err="1" smtClean="0"/>
-              <a:t>src</a:t>
-            </a:r>
-            <a:r>
-              <a:rPr lang="en-US" dirty="0" smtClean="0"/>
-              <a:t>='</a:t>
-            </a:r>
-            <a:r>
-              <a:rPr lang="en-US" dirty="0" err="1" smtClean="0"/>
-              <a:t>hello.js</a:t>
-            </a:r>
-            <a:r>
-              <a:rPr lang="en-US" dirty="0" smtClean="0"/>
-              <a:t>'&gt;&lt;/script&gt;</a:t>
-            </a:r>
-          </a:p>
-          <a:p>
-            <a:r>
-              <a:rPr lang="en-US" dirty="0" smtClean="0"/>
-              <a:t>&lt;/head&gt;</a:t>
-            </a:r>
-          </a:p>
-          <a:p>
-            <a:r>
-              <a:rPr lang="en-US" dirty="0" smtClean="0"/>
-              <a:t>&lt;body&gt;</a:t>
-            </a:r>
-          </a:p>
-          <a:p>
-            <a:r>
-              <a:rPr lang="en-US" dirty="0" smtClean="0"/>
-              <a:t>&lt;div id='container'&gt;</a:t>
-            </a:r>
-          </a:p>
-          <a:p>
-            <a:r>
-              <a:rPr lang="en-US" dirty="0" smtClean="0"/>
-              <a:t>…</a:t>
-            </a:r>
-          </a:p>
-        </p:txBody>
-      </p:sp>
-      <p:sp>
-        <p:nvSpPr>
-          <p:cNvPr id="5" name="TextBox 4"/>
-          <p:cNvSpPr txBox="1"/>
-          <p:nvPr/>
-        </p:nvSpPr>
-        <p:spPr>
-          <a:xfrm>
-            <a:off x="3581400" y="4419600"/>
-            <a:ext cx="4419600" cy="1938992"/>
-          </a:xfrm>
-          <a:prstGeom prst="rect">
-            <a:avLst/>
-          </a:prstGeom>
-          <a:ln w="12700" cap="flat" cmpd="sng" algn="ctr">
-            <a:solidFill>
-              <a:schemeClr val="tx1"/>
-            </a:solidFill>
-            <a:prstDash val="solid"/>
-            <a:round/>
-            <a:headEnd type="none" w="med" len="med"/>
-            <a:tailEnd type="none" w="med" len="med"/>
-          </a:ln>
-        </p:spPr>
-        <p:style>
-          <a:lnRef idx="1">
-            <a:schemeClr val="accent3"/>
-          </a:lnRef>
-          <a:fillRef idx="2">
-            <a:schemeClr val="accent3"/>
-          </a:fillRef>
-          <a:effectRef idx="1">
-            <a:schemeClr val="accent3"/>
-          </a:effectRef>
-          <a:fontRef idx="minor">
-            <a:schemeClr val="dk1"/>
-          </a:fontRef>
-        </p:style>
-        <p:txBody>
-          <a:bodyPr wrap="square" rtlCol="0">
-            <a:spAutoFit/>
-          </a:bodyPr>
-          <a:lstStyle/>
-          <a:p>
-            <a:r>
-              <a:rPr lang="en-US" sz="2400" dirty="0" smtClean="0"/>
-              <a:t>// </a:t>
-            </a:r>
-            <a:r>
-              <a:rPr lang="en-US" sz="2400" dirty="0" err="1" smtClean="0"/>
-              <a:t>hello.js</a:t>
-            </a:r>
-            <a:endParaRPr lang="en-US" sz="2400" dirty="0" smtClean="0"/>
-          </a:p>
-          <a:p>
-            <a:r>
-              <a:rPr lang="en-US" sz="2400" dirty="0" smtClean="0"/>
-              <a:t>$(</a:t>
-            </a:r>
-            <a:r>
-              <a:rPr lang="en-US" sz="2400" dirty="0" err="1" smtClean="0"/>
-              <a:t>document).ready(function</a:t>
-            </a:r>
-            <a:r>
-              <a:rPr lang="en-US" sz="2400" dirty="0" smtClean="0"/>
-              <a:t>(){</a:t>
-            </a:r>
-          </a:p>
-          <a:p>
-            <a:r>
-              <a:rPr lang="en-US" sz="2400" dirty="0" smtClean="0"/>
-              <a:t>  </a:t>
-            </a:r>
-            <a:r>
-              <a:rPr lang="en-US" sz="2400" dirty="0" err="1" smtClean="0"/>
-              <a:t>alert("Hello</a:t>
-            </a:r>
-            <a:r>
-              <a:rPr lang="en-US" sz="2400" dirty="0" smtClean="0"/>
-              <a:t> world");</a:t>
-            </a:r>
-          </a:p>
-          <a:p>
-            <a:r>
-              <a:rPr lang="en-US" sz="2400" dirty="0" smtClean="0"/>
-              <a:t>});</a:t>
-            </a:r>
-          </a:p>
-          <a:p>
-            <a:endParaRPr lang="en-US" sz="2400" dirty="0"/>
-          </a:p>
-        </p:txBody>
-      </p:sp>
-      <p:sp>
-        <p:nvSpPr>
-          <p:cNvPr id="6" name="TextBox 5"/>
-          <p:cNvSpPr txBox="1"/>
-          <p:nvPr/>
-        </p:nvSpPr>
-        <p:spPr>
-          <a:xfrm>
-            <a:off x="2051720" y="1556792"/>
-            <a:ext cx="3600400" cy="369332"/>
-          </a:xfrm>
-          <a:prstGeom prst="rect">
-            <a:avLst/>
-          </a:prstGeom>
-          <a:solidFill>
-            <a:schemeClr val="bg1"/>
-          </a:solidFill>
-          <a:ln>
-            <a:solidFill>
-              <a:schemeClr val="tx1"/>
-            </a:solidFill>
-          </a:ln>
-        </p:spPr>
-        <p:txBody>
-          <a:bodyPr wrap="square" rtlCol="0">
-            <a:spAutoFit/>
-          </a:bodyPr>
-          <a:lstStyle/>
-          <a:p>
-            <a:r>
-              <a:rPr lang="en-GB" dirty="0" smtClean="0"/>
-              <a:t>The HTML page – home.html</a:t>
-            </a:r>
-            <a:endParaRPr lang="en-GB" dirty="0"/>
-          </a:p>
-        </p:txBody>
-      </p:sp>
-      <p:sp>
-        <p:nvSpPr>
-          <p:cNvPr id="7" name="TextBox 6"/>
-          <p:cNvSpPr txBox="1"/>
-          <p:nvPr/>
-        </p:nvSpPr>
-        <p:spPr>
-          <a:xfrm>
-            <a:off x="4211960" y="4077072"/>
-            <a:ext cx="3528392" cy="369332"/>
-          </a:xfrm>
-          <a:prstGeom prst="rect">
-            <a:avLst/>
-          </a:prstGeom>
-          <a:solidFill>
-            <a:schemeClr val="bg1"/>
-          </a:solidFill>
-          <a:ln>
-            <a:solidFill>
-              <a:schemeClr val="tx1"/>
-            </a:solidFill>
-          </a:ln>
-        </p:spPr>
-        <p:txBody>
-          <a:bodyPr wrap="square" rtlCol="0">
-            <a:spAutoFit/>
-          </a:bodyPr>
-          <a:lstStyle/>
-          <a:p>
-            <a:r>
-              <a:rPr lang="en-GB" dirty="0" smtClean="0"/>
-              <a:t>The JavaScript page – hello.js</a:t>
-            </a:r>
-            <a:endParaRPr lang="en-GB" dirty="0"/>
-          </a:p>
-        </p:txBody>
-      </p:sp>
-    </p:spTree>
-  </p:cSld>
-  <p:clrMapOvr>
-    <a:masterClrMapping/>
-  </p:clrMapOvr>
-</p:sld>
-</file>
-
-<file path=ppt/slides/slide6.xml><?xml version="1.0" encoding="utf-8"?>
-<p:sld xmlns:a="http://schemas.openxmlformats.org/drawingml/2006/main" xmlns:r="http://schemas.openxmlformats.org/officeDocument/2006/relationships" xmlns:p="http://schemas.openxmlformats.org/presentationml/2006/main">
-  <p:cSld>
-    <p:spTree>
-      <p:nvGrpSpPr>
-        <p:cNvPr id="1" name=""/>
-        <p:cNvGrpSpPr/>
-        <p:nvPr/>
-      </p:nvGrpSpPr>
-      <p:grpSpPr>
-        <a:xfrm>
-          <a:off x="0" y="0"/>
-          <a:ext cx="0" cy="0"/>
-          <a:chOff x="0" y="0"/>
-          <a:chExt cx="0" cy="0"/>
-        </a:xfrm>
-      </p:grpSpPr>
-      <p:sp>
-        <p:nvSpPr>
-          <p:cNvPr id="2" name="Title 1"/>
-          <p:cNvSpPr>
-            <a:spLocks noGrp="1"/>
-          </p:cNvSpPr>
-          <p:nvPr>
-            <p:ph type="title"/>
-          </p:nvPr>
-        </p:nvSpPr>
-        <p:spPr/>
-        <p:txBody>
-          <a:bodyPr/>
-          <a:lstStyle/>
-          <a:p>
-            <a:r>
-              <a:rPr lang="en-GB" dirty="0" smtClean="0"/>
-              <a:t>The Anonymous Function</a:t>
-            </a:r>
-            <a:endParaRPr lang="en-GB" dirty="0"/>
-          </a:p>
-        </p:txBody>
-      </p:sp>
-      <p:sp>
-        <p:nvSpPr>
-          <p:cNvPr id="3" name="Content Placeholder 2"/>
-          <p:cNvSpPr>
-            <a:spLocks noGrp="1"/>
-          </p:cNvSpPr>
-          <p:nvPr>
-            <p:ph idx="1"/>
-          </p:nvPr>
-        </p:nvSpPr>
-        <p:spPr/>
-        <p:txBody>
-          <a:bodyPr/>
-          <a:lstStyle/>
-          <a:p>
-            <a:r>
-              <a:rPr lang="en-GB" sz="2400" dirty="0" smtClean="0"/>
-              <a:t>This statement:</a:t>
-            </a:r>
-          </a:p>
-          <a:p>
-            <a:pPr lvl="1"/>
-            <a:r>
-              <a:rPr lang="en-GB" sz="1800" dirty="0" smtClean="0"/>
-              <a:t>Creates a function.</a:t>
-            </a:r>
-          </a:p>
-          <a:p>
-            <a:pPr lvl="1"/>
-            <a:r>
-              <a:rPr lang="en-GB" sz="1800" dirty="0" smtClean="0"/>
-              <a:t>Sends that function to the ready function.</a:t>
-            </a:r>
-          </a:p>
-          <a:p>
-            <a:r>
-              <a:rPr lang="en-GB" sz="2400" dirty="0" smtClean="0"/>
-              <a:t>The Anonymous Function will execute when the page is ready.</a:t>
-            </a:r>
-            <a:endParaRPr lang="en-GB" sz="2400" dirty="0"/>
-          </a:p>
-        </p:txBody>
-      </p:sp>
-      <p:sp>
-        <p:nvSpPr>
-          <p:cNvPr id="4" name="TextBox 3"/>
-          <p:cNvSpPr txBox="1"/>
-          <p:nvPr/>
-        </p:nvSpPr>
-        <p:spPr>
-          <a:xfrm>
-            <a:off x="3995936" y="3933056"/>
-            <a:ext cx="4752528" cy="2246769"/>
-          </a:xfrm>
-          <a:prstGeom prst="rect">
-            <a:avLst/>
-          </a:prstGeom>
-          <a:noFill/>
-          <a:ln>
-            <a:solidFill>
-              <a:schemeClr val="tx1"/>
-            </a:solidFill>
-          </a:ln>
-        </p:spPr>
-        <p:txBody>
-          <a:bodyPr wrap="square" rtlCol="0">
-            <a:spAutoFit/>
-          </a:bodyPr>
-          <a:lstStyle/>
-          <a:p>
-            <a:r>
-              <a:rPr lang="en-US" sz="2800" dirty="0" smtClean="0"/>
-              <a:t>$(document).ready</a:t>
-            </a:r>
-            <a:r>
-              <a:rPr lang="en-US" sz="2800" dirty="0" smtClean="0"/>
-              <a:t>(</a:t>
-            </a:r>
-          </a:p>
-          <a:p>
-            <a:r>
-              <a:rPr lang="en-US" sz="2800" b="1" dirty="0" smtClean="0"/>
-              <a:t> </a:t>
-            </a:r>
-            <a:r>
-              <a:rPr lang="en-US" sz="2800" b="1" dirty="0" smtClean="0"/>
-              <a:t> function</a:t>
-            </a:r>
-            <a:r>
-              <a:rPr lang="en-US" sz="2800" b="1" dirty="0" smtClean="0"/>
-              <a:t>(){</a:t>
-            </a:r>
-          </a:p>
-          <a:p>
-            <a:r>
-              <a:rPr lang="en-US" sz="2800" b="1" dirty="0" smtClean="0"/>
-              <a:t>  </a:t>
-            </a:r>
-            <a:r>
-              <a:rPr lang="en-US" sz="2800" b="1" dirty="0" smtClean="0"/>
-              <a:t>  alert</a:t>
-            </a:r>
-            <a:r>
-              <a:rPr lang="en-US" sz="2800" b="1" dirty="0" smtClean="0"/>
-              <a:t>("Hello world");</a:t>
-            </a:r>
-          </a:p>
-          <a:p>
-            <a:r>
-              <a:rPr lang="en-US" sz="2800" b="1" dirty="0" smtClean="0"/>
-              <a:t>  }</a:t>
-            </a:r>
-          </a:p>
-          <a:p>
-            <a:r>
-              <a:rPr lang="en-US" sz="2800" dirty="0" smtClean="0"/>
-              <a:t>);</a:t>
-            </a:r>
-            <a:endParaRPr lang="en-US" sz="2800" dirty="0" smtClean="0"/>
-          </a:p>
-        </p:txBody>
-      </p:sp>
-    </p:spTree>
-  </p:cSld>
-  <p:clrMapOvr>
-    <a:masterClrMapping/>
-  </p:clrMapOvr>
-</p:sld>
-</file>
-
-<file path=ppt/slides/slide7.xml><?xml version="1.0" encoding="utf-8"?>
-<p:sld xmlns:a="http://schemas.openxmlformats.org/drawingml/2006/main" xmlns:r="http://schemas.openxmlformats.org/officeDocument/2006/relationships" xmlns:p="http://schemas.openxmlformats.org/presentationml/2006/main">
-  <p:cSld>
-    <p:spTree>
-      <p:nvGrpSpPr>
-        <p:cNvPr id="1" name=""/>
-        <p:cNvGrpSpPr/>
-        <p:nvPr/>
-      </p:nvGrpSpPr>
-      <p:grpSpPr>
-        <a:xfrm>
-          <a:off x="0" y="0"/>
-          <a:ext cx="0" cy="0"/>
-          <a:chOff x="0" y="0"/>
-          <a:chExt cx="0" cy="0"/>
-        </a:xfrm>
-      </p:grpSpPr>
-      <p:sp>
-        <p:nvSpPr>
-          <p:cNvPr id="4" name="Title 3"/>
-          <p:cNvSpPr>
-            <a:spLocks noGrp="1"/>
-          </p:cNvSpPr>
-          <p:nvPr>
-            <p:ph type="title"/>
-          </p:nvPr>
-        </p:nvSpPr>
-        <p:spPr/>
-        <p:txBody>
-          <a:bodyPr/>
-          <a:lstStyle/>
-          <a:p>
-            <a:r>
-              <a:rPr lang="en-GB" dirty="0" smtClean="0"/>
-              <a:t>Creating Content</a:t>
-            </a:r>
-            <a:endParaRPr lang="en-GB" dirty="0"/>
-          </a:p>
-        </p:txBody>
-      </p:sp>
-      <p:sp>
-        <p:nvSpPr>
-          <p:cNvPr id="5" name="Content Placeholder 4"/>
-          <p:cNvSpPr>
-            <a:spLocks noGrp="1"/>
-          </p:cNvSpPr>
-          <p:nvPr>
-            <p:ph idx="1"/>
-          </p:nvPr>
-        </p:nvSpPr>
-        <p:spPr>
-          <a:xfrm>
-            <a:off x="346075" y="2087758"/>
-            <a:ext cx="8448674" cy="909194"/>
-          </a:xfrm>
-        </p:spPr>
-        <p:txBody>
-          <a:bodyPr/>
-          <a:lstStyle/>
-          <a:p>
-            <a:r>
-              <a:rPr lang="en-GB" sz="2400" dirty="0" smtClean="0"/>
-              <a:t>You can create content using the </a:t>
-            </a:r>
-            <a:r>
-              <a:rPr lang="en-GB" sz="2400" b="1" dirty="0" smtClean="0"/>
-              <a:t>$</a:t>
-            </a:r>
-            <a:r>
-              <a:rPr lang="en-GB" sz="2400" dirty="0" smtClean="0"/>
-              <a:t> function.</a:t>
-            </a:r>
-          </a:p>
-          <a:p>
-            <a:r>
-              <a:rPr lang="en-GB" sz="2400" dirty="0" smtClean="0"/>
-              <a:t>You can add the content to your page using the </a:t>
-            </a:r>
-            <a:r>
-              <a:rPr lang="en-GB" sz="2400" b="1" dirty="0" smtClean="0"/>
-              <a:t>append</a:t>
-            </a:r>
-            <a:r>
-              <a:rPr lang="en-GB" sz="2400" dirty="0" smtClean="0"/>
-              <a:t> method.</a:t>
-            </a:r>
-            <a:endParaRPr lang="en-GB" sz="2400" dirty="0"/>
-          </a:p>
-        </p:txBody>
-      </p:sp>
-      <p:sp>
-        <p:nvSpPr>
-          <p:cNvPr id="6" name="TextBox 5"/>
-          <p:cNvSpPr txBox="1"/>
-          <p:nvPr/>
-        </p:nvSpPr>
-        <p:spPr>
-          <a:xfrm>
-            <a:off x="755576" y="3717032"/>
-            <a:ext cx="5976664" cy="1760870"/>
-          </a:xfrm>
-          <a:prstGeom prst="rect">
-            <a:avLst/>
-          </a:prstGeom>
-          <a:ln/>
-        </p:spPr>
-        <p:style>
-          <a:lnRef idx="2">
-            <a:schemeClr val="accent4"/>
-          </a:lnRef>
-          <a:fillRef idx="1">
-            <a:schemeClr val="lt1"/>
-          </a:fillRef>
-          <a:effectRef idx="0">
-            <a:schemeClr val="accent4"/>
-          </a:effectRef>
-          <a:fontRef idx="minor">
-            <a:schemeClr val="dk1"/>
-          </a:fontRef>
-        </p:style>
-        <p:txBody>
-          <a:bodyPr wrap="square" lIns="216000" tIns="140400" bIns="140400" rtlCol="0">
-            <a:spAutoFit/>
-          </a:bodyPr>
-          <a:lstStyle/>
-          <a:p>
-            <a:r>
-              <a:rPr lang="en-GB" sz="2400" dirty="0" smtClean="0"/>
-              <a:t>$(document).ready(function(){</a:t>
-            </a:r>
-          </a:p>
-          <a:p>
-            <a:r>
-              <a:rPr lang="en-GB" sz="2400" dirty="0" smtClean="0"/>
-              <a:t>  </a:t>
-            </a:r>
-            <a:r>
-              <a:rPr lang="en-GB" sz="2400" dirty="0" err="1" smtClean="0"/>
-              <a:t>var</a:t>
-            </a:r>
-            <a:r>
-              <a:rPr lang="en-GB" sz="2400" dirty="0" smtClean="0"/>
-              <a:t> </a:t>
-            </a:r>
-            <a:r>
-              <a:rPr lang="en-GB" sz="2400" dirty="0" err="1" smtClean="0"/>
-              <a:t>msg</a:t>
-            </a:r>
-            <a:r>
-              <a:rPr lang="en-GB" sz="2400" dirty="0" smtClean="0"/>
-              <a:t> = $('&lt;div&gt;Hello World&lt;/div&gt;');</a:t>
-            </a:r>
-          </a:p>
-          <a:p>
-            <a:r>
-              <a:rPr lang="en-GB" sz="2400" dirty="0" smtClean="0"/>
-              <a:t>  $('body').append(</a:t>
-            </a:r>
-            <a:r>
-              <a:rPr lang="en-GB" sz="2400" dirty="0" err="1" smtClean="0"/>
-              <a:t>msg</a:t>
-            </a:r>
-            <a:r>
-              <a:rPr lang="en-GB" sz="2400" dirty="0" smtClean="0"/>
-              <a:t>);</a:t>
-            </a:r>
-          </a:p>
-          <a:p>
-            <a:r>
-              <a:rPr lang="en-GB" sz="2400" dirty="0" smtClean="0"/>
-              <a:t>});</a:t>
-            </a:r>
-          </a:p>
-        </p:txBody>
-      </p:sp>
-    </p:spTree>
-  </p:cSld>
-  <p:clrMapOvr>
-    <a:masterClrMapping/>
-  </p:clrMapOvr>
-</p:sld>
-</file>
-
-<file path=ppt/slides/slide8.xml><?xml version="1.0" encoding="utf-8"?>
+<file path=ppt/slides/slide10.xml><?xml version="1.0" encoding="utf-8"?>
 <p:sld xmlns:a="http://schemas.openxmlformats.org/drawingml/2006/main" xmlns:r="http://schemas.openxmlformats.org/officeDocument/2006/relationships" xmlns:p="http://schemas.openxmlformats.org/presentationml/2006/main">
   <p:cSld>
     <p:spTree>
@@ -12260,7 +10214,7 @@
           <a:p>
             <a:r>
               <a:rPr lang="en-GB" sz="2400" dirty="0" smtClean="0"/>
-              <a:t>$(document).ready(function(){</a:t>
+              <a:t>$(function(){</a:t>
             </a:r>
           </a:p>
           <a:p>
@@ -12346,7 +10300,6 @@
               <a:rPr lang="en-GB" sz="2400" dirty="0" smtClean="0"/>
               <a:t>});</a:t>
             </a:r>
-            <a:endParaRPr lang="en-GB" sz="2400" dirty="0" smtClean="0"/>
           </a:p>
         </p:txBody>
       </p:sp>
@@ -12387,6 +10340,4276 @@
   <p:clrMapOvr>
     <a:masterClrMapping/>
   </p:clrMapOvr>
+  <p:timing>
+    <p:tnLst>
+      <p:par>
+        <p:cTn id="1" dur="indefinite" restart="never" nodeType="tmRoot"/>
+      </p:par>
+    </p:tnLst>
+  </p:timing>
+</p:sld>
+</file>
+
+<file path=ppt/slides/slide11.xml><?xml version="1.0" encoding="utf-8"?>
+<p:sld xmlns:a="http://schemas.openxmlformats.org/drawingml/2006/main" xmlns:r="http://schemas.openxmlformats.org/officeDocument/2006/relationships" xmlns:p="http://schemas.openxmlformats.org/presentationml/2006/main">
+  <p:cSld>
+    <p:spTree>
+      <p:nvGrpSpPr>
+        <p:cNvPr id="1" name=""/>
+        <p:cNvGrpSpPr/>
+        <p:nvPr/>
+      </p:nvGrpSpPr>
+      <p:grpSpPr>
+        <a:xfrm>
+          <a:off x="0" y="0"/>
+          <a:ext cx="0" cy="0"/>
+          <a:chOff x="0" y="0"/>
+          <a:chExt cx="0" cy="0"/>
+        </a:xfrm>
+      </p:grpSpPr>
+      <p:sp>
+        <p:nvSpPr>
+          <p:cNvPr id="2" name="Title 1"/>
+          <p:cNvSpPr>
+            <a:spLocks noGrp="1"/>
+          </p:cNvSpPr>
+          <p:nvPr>
+            <p:ph type="title"/>
+          </p:nvPr>
+        </p:nvSpPr>
+        <p:spPr/>
+        <p:txBody>
+          <a:bodyPr/>
+          <a:lstStyle/>
+          <a:p>
+            <a:r>
+              <a:rPr lang="en-GB" dirty="0" smtClean="0"/>
+              <a:t>Some Useful </a:t>
+            </a:r>
+            <a:r>
+              <a:rPr lang="en-GB" dirty="0" err="1" smtClean="0"/>
+              <a:t>jQuery</a:t>
+            </a:r>
+            <a:r>
+              <a:rPr lang="en-GB" dirty="0" smtClean="0"/>
+              <a:t> functions</a:t>
+            </a:r>
+            <a:endParaRPr lang="en-GB" dirty="0"/>
+          </a:p>
+        </p:txBody>
+      </p:sp>
+      <p:sp>
+        <p:nvSpPr>
+          <p:cNvPr id="3" name="Content Placeholder 2"/>
+          <p:cNvSpPr>
+            <a:spLocks noGrp="1"/>
+          </p:cNvSpPr>
+          <p:nvPr>
+            <p:ph idx="1"/>
+          </p:nvPr>
+        </p:nvSpPr>
+        <p:spPr>
+          <a:xfrm>
+            <a:off x="346075" y="1988840"/>
+            <a:ext cx="8330381" cy="4327090"/>
+          </a:xfrm>
+        </p:spPr>
+        <p:txBody>
+          <a:bodyPr/>
+          <a:lstStyle/>
+          <a:p>
+            <a:r>
+              <a:rPr lang="en-GB" b="1" dirty="0"/>
+              <a:t>$</a:t>
+            </a:r>
+          </a:p>
+          <a:p>
+            <a:pPr lvl="1"/>
+            <a:r>
+              <a:rPr lang="en-GB" dirty="0"/>
+              <a:t>Ready function, create elements, find elements</a:t>
+            </a:r>
+          </a:p>
+          <a:p>
+            <a:r>
+              <a:rPr lang="en-GB" b="1" dirty="0" smtClean="0"/>
+              <a:t>append</a:t>
+            </a:r>
+            <a:endParaRPr lang="en-GB" dirty="0" smtClean="0"/>
+          </a:p>
+          <a:p>
+            <a:pPr lvl="1"/>
+            <a:r>
+              <a:rPr lang="en-GB" dirty="0" smtClean="0"/>
+              <a:t>The append function adds to the end of an element</a:t>
+            </a:r>
+          </a:p>
+          <a:p>
+            <a:r>
+              <a:rPr lang="en-GB" b="1" dirty="0" err="1" smtClean="0"/>
+              <a:t>prepend</a:t>
+            </a:r>
+            <a:endParaRPr lang="en-GB" dirty="0" smtClean="0"/>
+          </a:p>
+          <a:p>
+            <a:pPr lvl="1"/>
+            <a:r>
+              <a:rPr lang="en-GB" dirty="0" smtClean="0"/>
+              <a:t>The </a:t>
+            </a:r>
+            <a:r>
+              <a:rPr lang="en-GB" b="1" dirty="0" err="1" smtClean="0"/>
+              <a:t>prepend</a:t>
+            </a:r>
+            <a:r>
+              <a:rPr lang="en-GB" b="1" dirty="0" smtClean="0"/>
+              <a:t> </a:t>
+            </a:r>
+            <a:r>
+              <a:rPr lang="en-GB" dirty="0" smtClean="0"/>
+              <a:t>function adds to the beginning of an element</a:t>
+            </a:r>
+          </a:p>
+          <a:p>
+            <a:r>
+              <a:rPr lang="en-GB" b="1" dirty="0" err="1" smtClean="0"/>
+              <a:t>css</a:t>
+            </a:r>
+            <a:endParaRPr lang="en-GB" b="1" dirty="0" smtClean="0"/>
+          </a:p>
+          <a:p>
+            <a:pPr lvl="1"/>
+            <a:r>
+              <a:rPr lang="en-GB" dirty="0" smtClean="0"/>
+              <a:t>The function </a:t>
+            </a:r>
+            <a:r>
+              <a:rPr lang="en-GB" b="1" dirty="0" err="1" smtClean="0"/>
+              <a:t>css</a:t>
+            </a:r>
+            <a:r>
+              <a:rPr lang="en-GB" b="1" dirty="0" smtClean="0"/>
+              <a:t> </a:t>
+            </a:r>
+            <a:r>
+              <a:rPr lang="en-GB" dirty="0" smtClean="0"/>
+              <a:t>is used to set a </a:t>
+            </a:r>
+            <a:r>
+              <a:rPr lang="en-GB" dirty="0" err="1" smtClean="0"/>
+              <a:t>css</a:t>
+            </a:r>
+            <a:r>
+              <a:rPr lang="en-GB" dirty="0" smtClean="0"/>
+              <a:t> property of an element</a:t>
+            </a:r>
+          </a:p>
+          <a:p>
+            <a:r>
+              <a:rPr lang="en-GB" b="1" dirty="0" smtClean="0"/>
+              <a:t>html</a:t>
+            </a:r>
+            <a:endParaRPr lang="en-GB" dirty="0" smtClean="0"/>
+          </a:p>
+          <a:p>
+            <a:pPr lvl="1"/>
+            <a:r>
+              <a:rPr lang="en-GB" dirty="0" smtClean="0"/>
+              <a:t>Change the contents</a:t>
+            </a:r>
+          </a:p>
+          <a:p>
+            <a:pPr lvl="1"/>
+            <a:endParaRPr lang="en-GB" dirty="0" smtClean="0"/>
+          </a:p>
+          <a:p>
+            <a:endParaRPr lang="en-GB" dirty="0"/>
+          </a:p>
+        </p:txBody>
+      </p:sp>
+    </p:spTree>
+  </p:cSld>
+  <p:clrMapOvr>
+    <a:masterClrMapping/>
+  </p:clrMapOvr>
+  <p:timing>
+    <p:tnLst>
+      <p:par>
+        <p:cTn id="1" dur="indefinite" restart="never" nodeType="tmRoot"/>
+      </p:par>
+    </p:tnLst>
+  </p:timing>
+</p:sld>
+</file>
+
+<file path=ppt/slides/slide12.xml><?xml version="1.0" encoding="utf-8"?>
+<p:sld xmlns:a="http://schemas.openxmlformats.org/drawingml/2006/main" xmlns:r="http://schemas.openxmlformats.org/officeDocument/2006/relationships" xmlns:p="http://schemas.openxmlformats.org/presentationml/2006/main">
+  <p:cSld>
+    <p:spTree>
+      <p:nvGrpSpPr>
+        <p:cNvPr id="1" name=""/>
+        <p:cNvGrpSpPr/>
+        <p:nvPr/>
+      </p:nvGrpSpPr>
+      <p:grpSpPr>
+        <a:xfrm>
+          <a:off x="0" y="0"/>
+          <a:ext cx="0" cy="0"/>
+          <a:chOff x="0" y="0"/>
+          <a:chExt cx="0" cy="0"/>
+        </a:xfrm>
+      </p:grpSpPr>
+      <p:sp>
+        <p:nvSpPr>
+          <p:cNvPr id="2" name="Title 1"/>
+          <p:cNvSpPr>
+            <a:spLocks noGrp="1"/>
+          </p:cNvSpPr>
+          <p:nvPr>
+            <p:ph type="title"/>
+          </p:nvPr>
+        </p:nvSpPr>
+        <p:spPr/>
+        <p:txBody>
+          <a:bodyPr/>
+          <a:lstStyle/>
+          <a:p>
+            <a:r>
+              <a:rPr lang="en-GB" dirty="0" smtClean="0"/>
+              <a:t>Creating structures</a:t>
+            </a:r>
+            <a:endParaRPr lang="en-GB" dirty="0"/>
+          </a:p>
+        </p:txBody>
+      </p:sp>
+      <p:sp>
+        <p:nvSpPr>
+          <p:cNvPr id="3" name="Content Placeholder 2"/>
+          <p:cNvSpPr>
+            <a:spLocks noGrp="1"/>
+          </p:cNvSpPr>
+          <p:nvPr>
+            <p:ph idx="1"/>
+          </p:nvPr>
+        </p:nvSpPr>
+        <p:spPr>
+          <a:xfrm>
+            <a:off x="346075" y="1844824"/>
+            <a:ext cx="8448674" cy="1053210"/>
+          </a:xfrm>
+        </p:spPr>
+        <p:txBody>
+          <a:bodyPr/>
+          <a:lstStyle/>
+          <a:p>
+            <a:r>
+              <a:rPr lang="en-GB" dirty="0" smtClean="0"/>
+              <a:t>You often need to create elements that contain other elements.</a:t>
+            </a:r>
+            <a:endParaRPr lang="en-GB" dirty="0"/>
+          </a:p>
+        </p:txBody>
+      </p:sp>
+      <p:sp>
+        <p:nvSpPr>
+          <p:cNvPr id="4" name="TextBox 3"/>
+          <p:cNvSpPr txBox="1"/>
+          <p:nvPr/>
+        </p:nvSpPr>
+        <p:spPr>
+          <a:xfrm>
+            <a:off x="4642170" y="2480084"/>
+            <a:ext cx="4284928" cy="4346193"/>
+          </a:xfrm>
+          <a:prstGeom prst="rect">
+            <a:avLst/>
+          </a:prstGeom>
+          <a:ln/>
+        </p:spPr>
+        <p:style>
+          <a:lnRef idx="2">
+            <a:schemeClr val="accent4"/>
+          </a:lnRef>
+          <a:fillRef idx="1">
+            <a:schemeClr val="lt1"/>
+          </a:fillRef>
+          <a:effectRef idx="0">
+            <a:schemeClr val="accent4"/>
+          </a:effectRef>
+          <a:fontRef idx="minor">
+            <a:schemeClr val="dk1"/>
+          </a:fontRef>
+        </p:style>
+        <p:txBody>
+          <a:bodyPr wrap="none" lIns="216000" tIns="140400" bIns="140400" rtlCol="0">
+            <a:spAutoFit/>
+          </a:bodyPr>
+          <a:lstStyle/>
+          <a:p>
+            <a:r>
+              <a:rPr lang="en-GB" sz="2400" dirty="0"/>
+              <a:t>&lt;div id='countries'&gt;</a:t>
+            </a:r>
+          </a:p>
+          <a:p>
+            <a:r>
+              <a:rPr lang="en-GB" sz="2400" dirty="0"/>
+              <a:t>  &lt;div id='</a:t>
+            </a:r>
+            <a:r>
+              <a:rPr lang="en-GB" sz="2400" dirty="0" err="1"/>
+              <a:t>fr</a:t>
+            </a:r>
+            <a:r>
+              <a:rPr lang="en-GB" sz="2400" dirty="0"/>
+              <a:t>'&gt;</a:t>
+            </a:r>
+          </a:p>
+          <a:p>
+            <a:r>
+              <a:rPr lang="en-GB" sz="2400" dirty="0"/>
+              <a:t>	&lt;div&gt;France&lt;/div&gt;</a:t>
+            </a:r>
+          </a:p>
+          <a:p>
+            <a:r>
+              <a:rPr lang="en-GB" sz="2400" dirty="0"/>
+              <a:t>	&lt;</a:t>
+            </a:r>
+            <a:r>
+              <a:rPr lang="en-GB" sz="2400" dirty="0" err="1"/>
+              <a:t>img</a:t>
+            </a:r>
+            <a:r>
+              <a:rPr lang="en-GB" sz="2400" dirty="0"/>
+              <a:t> </a:t>
+            </a:r>
+            <a:r>
+              <a:rPr lang="en-GB" sz="2400" dirty="0" err="1"/>
+              <a:t>src</a:t>
+            </a:r>
+            <a:r>
+              <a:rPr lang="en-GB" sz="2400" dirty="0"/>
+              <a:t>='flags/fr.gif'/&gt;</a:t>
+            </a:r>
+          </a:p>
+          <a:p>
+            <a:r>
+              <a:rPr lang="en-GB" sz="2400" dirty="0"/>
+              <a:t>  &lt;/div&gt;</a:t>
+            </a:r>
+          </a:p>
+          <a:p>
+            <a:r>
+              <a:rPr lang="en-GB" sz="2400" dirty="0"/>
+              <a:t>  &lt;div id='fi'&gt;</a:t>
+            </a:r>
+          </a:p>
+          <a:p>
+            <a:r>
+              <a:rPr lang="en-GB" sz="2400" dirty="0"/>
+              <a:t>	&lt;div&gt;Finland&lt;/div&gt;</a:t>
+            </a:r>
+          </a:p>
+          <a:p>
+            <a:r>
+              <a:rPr lang="en-GB" sz="2400" dirty="0"/>
+              <a:t>	&lt;</a:t>
+            </a:r>
+            <a:r>
+              <a:rPr lang="en-GB" sz="2400" dirty="0" err="1"/>
+              <a:t>img</a:t>
+            </a:r>
+            <a:r>
+              <a:rPr lang="en-GB" sz="2400" dirty="0"/>
+              <a:t> </a:t>
+            </a:r>
+            <a:r>
+              <a:rPr lang="en-GB" sz="2400" dirty="0" err="1"/>
+              <a:t>src</a:t>
+            </a:r>
+            <a:r>
+              <a:rPr lang="en-GB" sz="2400" dirty="0"/>
+              <a:t>='flags/fi.gif'/&gt;</a:t>
+            </a:r>
+          </a:p>
+          <a:p>
+            <a:r>
+              <a:rPr lang="en-GB" sz="2400" dirty="0"/>
+              <a:t>  &lt;/div&gt;</a:t>
+            </a:r>
+          </a:p>
+          <a:p>
+            <a:r>
+              <a:rPr lang="en-GB" sz="2400" dirty="0"/>
+              <a:t>&lt;/div&gt;</a:t>
+            </a:r>
+          </a:p>
+          <a:p>
+            <a:endParaRPr lang="en-GB" sz="2400" dirty="0" smtClean="0"/>
+          </a:p>
+        </p:txBody>
+      </p:sp>
+      <p:pic>
+        <p:nvPicPr>
+          <p:cNvPr id="1026" name="Picture 2"/>
+          <p:cNvPicPr>
+            <a:picLocks noChangeAspect="1" noChangeArrowheads="1"/>
+          </p:cNvPicPr>
+          <p:nvPr/>
+        </p:nvPicPr>
+        <p:blipFill>
+          <a:blip r:embed="rId2">
+            <a:extLst>
+              <a:ext uri="{28A0092B-C50C-407E-A947-70E740481C1C}">
+                <a14:useLocalDpi xmlns:a14="http://schemas.microsoft.com/office/drawing/2010/main" val="0"/>
+              </a:ext>
+            </a:extLst>
+          </a:blip>
+          <a:srcRect/>
+          <a:stretch>
+            <a:fillRect/>
+          </a:stretch>
+        </p:blipFill>
+        <p:spPr bwMode="auto">
+          <a:xfrm>
+            <a:off x="1331640" y="2905701"/>
+            <a:ext cx="2913509" cy="3930060"/>
+          </a:xfrm>
+          <a:prstGeom prst="rect">
+            <a:avLst/>
+          </a:prstGeom>
+          <a:noFill/>
+          <a:ln>
+            <a:noFill/>
+          </a:ln>
+          <a:extLst>
+            <a:ext uri="{909E8E84-426E-40dd-AFC4-6F175D3DCCD1}">
+              <a14:hiddenFill xmlns:a14="http://schemas.microsoft.com/office/drawing/2010/main" xmlns="">
+                <a:solidFill>
+                  <a:schemeClr val="accent1"/>
+                </a:solidFill>
+              </a14:hiddenFill>
+            </a:ext>
+            <a:ext uri="{91240B29-F687-4f45-9708-019B960494DF}">
+              <a14:hiddenLine xmlns:a14="http://schemas.microsoft.com/office/drawing/2010/main" xmlns="" w="9525">
+                <a:solidFill>
+                  <a:schemeClr val="tx1"/>
+                </a:solidFill>
+                <a:miter lim="800000"/>
+                <a:headEnd/>
+                <a:tailEnd/>
+              </a14:hiddenLine>
+            </a:ext>
+          </a:extLst>
+        </p:spPr>
+      </p:pic>
+    </p:spTree>
+    <p:extLst>
+      <p:ext uri="{BB962C8B-B14F-4D97-AF65-F5344CB8AC3E}">
+        <p14:creationId xmlns:p14="http://schemas.microsoft.com/office/powerpoint/2010/main" val="122875605"/>
+      </p:ext>
+    </p:extLst>
+  </p:cSld>
+  <p:clrMapOvr>
+    <a:masterClrMapping/>
+  </p:clrMapOvr>
+  <p:timing>
+    <p:tnLst>
+      <p:par>
+        <p:cTn id="1" dur="indefinite" restart="never" nodeType="tmRoot"/>
+      </p:par>
+    </p:tnLst>
+  </p:timing>
+</p:sld>
+</file>
+
+<file path=ppt/slides/slide13.xml><?xml version="1.0" encoding="utf-8"?>
+<p:sld xmlns:a="http://schemas.openxmlformats.org/drawingml/2006/main" xmlns:r="http://schemas.openxmlformats.org/officeDocument/2006/relationships" xmlns:p="http://schemas.openxmlformats.org/presentationml/2006/main">
+  <p:cSld>
+    <p:spTree>
+      <p:nvGrpSpPr>
+        <p:cNvPr id="1" name=""/>
+        <p:cNvGrpSpPr/>
+        <p:nvPr/>
+      </p:nvGrpSpPr>
+      <p:grpSpPr>
+        <a:xfrm>
+          <a:off x="0" y="0"/>
+          <a:ext cx="0" cy="0"/>
+          <a:chOff x="0" y="0"/>
+          <a:chExt cx="0" cy="0"/>
+        </a:xfrm>
+      </p:grpSpPr>
+      <p:sp>
+        <p:nvSpPr>
+          <p:cNvPr id="2" name="Title 1"/>
+          <p:cNvSpPr>
+            <a:spLocks noGrp="1"/>
+          </p:cNvSpPr>
+          <p:nvPr>
+            <p:ph type="title"/>
+          </p:nvPr>
+        </p:nvSpPr>
+        <p:spPr/>
+        <p:txBody>
+          <a:bodyPr/>
+          <a:lstStyle/>
+          <a:p>
+            <a:r>
+              <a:rPr lang="en-GB" dirty="0" smtClean="0"/>
+              <a:t>Adding another country</a:t>
+            </a:r>
+            <a:endParaRPr lang="en-GB" dirty="0"/>
+          </a:p>
+        </p:txBody>
+      </p:sp>
+      <p:pic>
+        <p:nvPicPr>
+          <p:cNvPr id="2050" name="Picture 2"/>
+          <p:cNvPicPr>
+            <a:picLocks noChangeAspect="1" noChangeArrowheads="1"/>
+          </p:cNvPicPr>
+          <p:nvPr/>
+        </p:nvPicPr>
+        <p:blipFill>
+          <a:blip r:embed="rId2">
+            <a:extLst>
+              <a:ext uri="{28A0092B-C50C-407E-A947-70E740481C1C}">
+                <a14:useLocalDpi xmlns:a14="http://schemas.microsoft.com/office/drawing/2010/main" val="0"/>
+              </a:ext>
+            </a:extLst>
+          </a:blip>
+          <a:srcRect/>
+          <a:stretch>
+            <a:fillRect/>
+          </a:stretch>
+        </p:blipFill>
+        <p:spPr bwMode="auto">
+          <a:xfrm>
+            <a:off x="6372200" y="1268760"/>
+            <a:ext cx="2571750" cy="5429250"/>
+          </a:xfrm>
+          <a:prstGeom prst="rect">
+            <a:avLst/>
+          </a:prstGeom>
+          <a:noFill/>
+          <a:ln>
+            <a:noFill/>
+          </a:ln>
+          <a:extLst>
+            <a:ext uri="{909E8E84-426E-40dd-AFC4-6F175D3DCCD1}">
+              <a14:hiddenFill xmlns:a14="http://schemas.microsoft.com/office/drawing/2010/main" xmlns="">
+                <a:solidFill>
+                  <a:schemeClr val="accent1"/>
+                </a:solidFill>
+              </a14:hiddenFill>
+            </a:ext>
+            <a:ext uri="{91240B29-F687-4f45-9708-019B960494DF}">
+              <a14:hiddenLine xmlns:a14="http://schemas.microsoft.com/office/drawing/2010/main" xmlns="" w="9525">
+                <a:solidFill>
+                  <a:schemeClr val="tx1"/>
+                </a:solidFill>
+                <a:miter lim="800000"/>
+                <a:headEnd/>
+                <a:tailEnd/>
+              </a14:hiddenLine>
+            </a:ext>
+          </a:extLst>
+        </p:spPr>
+      </p:pic>
+      <p:sp>
+        <p:nvSpPr>
+          <p:cNvPr id="4" name="TextBox 3"/>
+          <p:cNvSpPr txBox="1"/>
+          <p:nvPr/>
+        </p:nvSpPr>
+        <p:spPr>
+          <a:xfrm>
+            <a:off x="395321" y="2708920"/>
+            <a:ext cx="7283505" cy="2007091"/>
+          </a:xfrm>
+          <a:prstGeom prst="rect">
+            <a:avLst/>
+          </a:prstGeom>
+          <a:ln/>
+        </p:spPr>
+        <p:style>
+          <a:lnRef idx="2">
+            <a:schemeClr val="accent4"/>
+          </a:lnRef>
+          <a:fillRef idx="1">
+            <a:schemeClr val="lt1"/>
+          </a:fillRef>
+          <a:effectRef idx="0">
+            <a:schemeClr val="accent4"/>
+          </a:effectRef>
+          <a:fontRef idx="minor">
+            <a:schemeClr val="dk1"/>
+          </a:fontRef>
+        </p:style>
+        <p:txBody>
+          <a:bodyPr wrap="none" lIns="216000" tIns="140400" bIns="140400" rtlCol="0">
+            <a:spAutoFit/>
+          </a:bodyPr>
+          <a:lstStyle/>
+          <a:p>
+            <a:r>
+              <a:rPr lang="en-GB" sz="2800" dirty="0"/>
+              <a:t> </a:t>
+            </a:r>
+            <a:r>
+              <a:rPr lang="en-GB" sz="2800" dirty="0" smtClean="0"/>
+              <a:t> </a:t>
+            </a:r>
+            <a:r>
+              <a:rPr lang="en-GB" sz="2800" dirty="0" err="1" smtClean="0"/>
+              <a:t>var</a:t>
+            </a:r>
+            <a:r>
+              <a:rPr lang="en-GB" sz="2800" dirty="0" smtClean="0"/>
+              <a:t> </a:t>
+            </a:r>
+            <a:r>
+              <a:rPr lang="en-GB" sz="2800" dirty="0" err="1"/>
+              <a:t>gb</a:t>
+            </a:r>
+            <a:r>
+              <a:rPr lang="en-GB" sz="2800" dirty="0"/>
+              <a:t> = $('&lt;div/&gt;');</a:t>
+            </a:r>
+          </a:p>
+          <a:p>
+            <a:r>
+              <a:rPr lang="en-GB" sz="2800" dirty="0"/>
+              <a:t>  </a:t>
+            </a:r>
+            <a:r>
+              <a:rPr lang="en-GB" sz="2800" dirty="0" err="1"/>
+              <a:t>gb.append</a:t>
+            </a:r>
+            <a:r>
+              <a:rPr lang="en-GB" sz="2800" dirty="0"/>
+              <a:t>($('&lt;div/&gt;',{</a:t>
+            </a:r>
+            <a:r>
+              <a:rPr lang="en-GB" sz="2800" dirty="0" err="1"/>
+              <a:t>text:'Great</a:t>
+            </a:r>
+            <a:r>
+              <a:rPr lang="en-GB" sz="2800" dirty="0"/>
+              <a:t> Britain'}));</a:t>
+            </a:r>
+          </a:p>
+          <a:p>
+            <a:r>
+              <a:rPr lang="en-GB" sz="2800" dirty="0"/>
+              <a:t>  </a:t>
+            </a:r>
+            <a:r>
+              <a:rPr lang="en-GB" sz="2800" dirty="0" err="1"/>
+              <a:t>gb.append</a:t>
+            </a:r>
+            <a:r>
+              <a:rPr lang="en-GB" sz="2800" dirty="0"/>
+              <a:t>($('&lt;</a:t>
+            </a:r>
+            <a:r>
+              <a:rPr lang="en-GB" sz="2800" dirty="0" err="1"/>
+              <a:t>img</a:t>
+            </a:r>
+            <a:r>
+              <a:rPr lang="en-GB" sz="2800" dirty="0"/>
+              <a:t>/&gt;',{</a:t>
+            </a:r>
+            <a:r>
+              <a:rPr lang="en-GB" sz="2800" dirty="0" err="1"/>
+              <a:t>src</a:t>
+            </a:r>
+            <a:r>
+              <a:rPr lang="en-GB" sz="2800" dirty="0"/>
+              <a:t>:'flags/gb.gif'}));</a:t>
+            </a:r>
+          </a:p>
+          <a:p>
+            <a:r>
+              <a:rPr lang="en-GB" sz="2800" dirty="0"/>
+              <a:t>  $('#countries').append(</a:t>
+            </a:r>
+            <a:r>
+              <a:rPr lang="en-GB" sz="2800" dirty="0" err="1"/>
+              <a:t>gb</a:t>
+            </a:r>
+            <a:r>
+              <a:rPr lang="en-GB" sz="2800" dirty="0"/>
+              <a:t>);</a:t>
+            </a:r>
+            <a:endParaRPr lang="en-GB" sz="2800" dirty="0" smtClean="0"/>
+          </a:p>
+        </p:txBody>
+      </p:sp>
+    </p:spTree>
+    <p:extLst>
+      <p:ext uri="{BB962C8B-B14F-4D97-AF65-F5344CB8AC3E}">
+        <p14:creationId xmlns:p14="http://schemas.microsoft.com/office/powerpoint/2010/main" val="3064111293"/>
+      </p:ext>
+    </p:extLst>
+  </p:cSld>
+  <p:clrMapOvr>
+    <a:masterClrMapping/>
+  </p:clrMapOvr>
+  <p:timing>
+    <p:tnLst>
+      <p:par>
+        <p:cTn id="1" dur="indefinite" restart="never" nodeType="tmRoot"/>
+      </p:par>
+    </p:tnLst>
+  </p:timing>
+</p:sld>
+</file>
+
+<file path=ppt/slides/slide14.xml><?xml version="1.0" encoding="utf-8"?>
+<p:sld xmlns:a="http://schemas.openxmlformats.org/drawingml/2006/main" xmlns:r="http://schemas.openxmlformats.org/officeDocument/2006/relationships" xmlns:p="http://schemas.openxmlformats.org/presentationml/2006/main">
+  <p:cSld>
+    <p:spTree>
+      <p:nvGrpSpPr>
+        <p:cNvPr id="1" name=""/>
+        <p:cNvGrpSpPr/>
+        <p:nvPr/>
+      </p:nvGrpSpPr>
+      <p:grpSpPr>
+        <a:xfrm>
+          <a:off x="0" y="0"/>
+          <a:ext cx="0" cy="0"/>
+          <a:chOff x="0" y="0"/>
+          <a:chExt cx="0" cy="0"/>
+        </a:xfrm>
+      </p:grpSpPr>
+      <p:sp>
+        <p:nvSpPr>
+          <p:cNvPr id="2" name="Title 1"/>
+          <p:cNvSpPr>
+            <a:spLocks noGrp="1"/>
+          </p:cNvSpPr>
+          <p:nvPr>
+            <p:ph type="title"/>
+          </p:nvPr>
+        </p:nvSpPr>
+        <p:spPr/>
+        <p:txBody>
+          <a:bodyPr/>
+          <a:lstStyle/>
+          <a:p>
+            <a:r>
+              <a:rPr lang="en-GB" dirty="0" smtClean="0"/>
+              <a:t>Examples of use</a:t>
+            </a:r>
+            <a:endParaRPr lang="en-GB" dirty="0"/>
+          </a:p>
+        </p:txBody>
+      </p:sp>
+      <p:sp>
+        <p:nvSpPr>
+          <p:cNvPr id="4" name="TextBox 3"/>
+          <p:cNvSpPr txBox="1"/>
+          <p:nvPr/>
+        </p:nvSpPr>
+        <p:spPr>
+          <a:xfrm>
+            <a:off x="323528" y="1700808"/>
+            <a:ext cx="5786300" cy="2499533"/>
+          </a:xfrm>
+          <a:prstGeom prst="rect">
+            <a:avLst/>
+          </a:prstGeom>
+          <a:ln/>
+        </p:spPr>
+        <p:style>
+          <a:lnRef idx="2">
+            <a:schemeClr val="accent4"/>
+          </a:lnRef>
+          <a:fillRef idx="1">
+            <a:schemeClr val="lt1"/>
+          </a:fillRef>
+          <a:effectRef idx="0">
+            <a:schemeClr val="accent4"/>
+          </a:effectRef>
+          <a:fontRef idx="minor">
+            <a:schemeClr val="dk1"/>
+          </a:fontRef>
+        </p:style>
+        <p:txBody>
+          <a:bodyPr wrap="none" lIns="216000" tIns="140400" bIns="140400" rtlCol="0">
+            <a:spAutoFit/>
+          </a:bodyPr>
+          <a:lstStyle/>
+          <a:p>
+            <a:r>
+              <a:rPr lang="en-GB" sz="2400" dirty="0" smtClean="0"/>
+              <a:t>$(function(){</a:t>
+            </a:r>
+          </a:p>
+          <a:p>
+            <a:r>
+              <a:rPr lang="en-GB" sz="2400" dirty="0" smtClean="0"/>
+              <a:t>	</a:t>
+            </a:r>
+            <a:r>
+              <a:rPr lang="en-GB" sz="2400" dirty="0" err="1" smtClean="0"/>
+              <a:t>var</a:t>
+            </a:r>
+            <a:r>
+              <a:rPr lang="en-GB" sz="2400" dirty="0" smtClean="0"/>
+              <a:t> </a:t>
+            </a:r>
+            <a:r>
+              <a:rPr lang="en-GB" sz="2400" dirty="0" err="1" smtClean="0"/>
+              <a:t>elem</a:t>
+            </a:r>
+            <a:r>
+              <a:rPr lang="en-GB" sz="2400" dirty="0" smtClean="0"/>
+              <a:t> = $('&lt;div/&gt;');</a:t>
+            </a:r>
+          </a:p>
+          <a:p>
+            <a:r>
+              <a:rPr lang="en-GB" sz="2400" dirty="0" smtClean="0"/>
+              <a:t>	elem.html('An example element');</a:t>
+            </a:r>
+          </a:p>
+          <a:p>
+            <a:r>
+              <a:rPr lang="en-GB" sz="2400" dirty="0" smtClean="0"/>
+              <a:t>	elem.css('</a:t>
+            </a:r>
+            <a:r>
+              <a:rPr lang="en-GB" sz="2400" dirty="0" err="1" smtClean="0"/>
+              <a:t>border','solid</a:t>
+            </a:r>
+            <a:r>
+              <a:rPr lang="en-GB" sz="2400" dirty="0" smtClean="0"/>
+              <a:t> blue');</a:t>
+            </a:r>
+          </a:p>
+          <a:p>
+            <a:r>
+              <a:rPr lang="en-GB" sz="2400" dirty="0" smtClean="0"/>
+              <a:t>	$('body').append(</a:t>
+            </a:r>
+            <a:r>
+              <a:rPr lang="en-GB" sz="2400" dirty="0" err="1" smtClean="0"/>
+              <a:t>elem</a:t>
+            </a:r>
+            <a:r>
+              <a:rPr lang="en-GB" sz="2400" dirty="0" smtClean="0"/>
+              <a:t>);</a:t>
+            </a:r>
+          </a:p>
+          <a:p>
+            <a:r>
+              <a:rPr lang="en-GB" sz="2400" dirty="0" smtClean="0"/>
+              <a:t>})</a:t>
+            </a:r>
+          </a:p>
+        </p:txBody>
+      </p:sp>
+      <p:pic>
+        <p:nvPicPr>
+          <p:cNvPr id="1026" name="Picture 2"/>
+          <p:cNvPicPr>
+            <a:picLocks noChangeAspect="1" noChangeArrowheads="1"/>
+          </p:cNvPicPr>
+          <p:nvPr/>
+        </p:nvPicPr>
+        <p:blipFill>
+          <a:blip r:embed="rId2">
+            <a:extLst>
+              <a:ext uri="{28A0092B-C50C-407E-A947-70E740481C1C}">
+                <a14:useLocalDpi xmlns:a14="http://schemas.microsoft.com/office/drawing/2010/main" val="0"/>
+              </a:ext>
+            </a:extLst>
+          </a:blip>
+          <a:srcRect/>
+          <a:stretch>
+            <a:fillRect/>
+          </a:stretch>
+        </p:blipFill>
+        <p:spPr bwMode="auto">
+          <a:xfrm>
+            <a:off x="5076056" y="3789040"/>
+            <a:ext cx="3542247" cy="2696938"/>
+          </a:xfrm>
+          <a:prstGeom prst="rect">
+            <a:avLst/>
+          </a:prstGeom>
+          <a:noFill/>
+          <a:ln>
+            <a:noFill/>
+          </a:ln>
+          <a:extLst>
+            <a:ext uri="{909E8E84-426E-40dd-AFC4-6F175D3DCCD1}">
+              <a14:hiddenFill xmlns:a14="http://schemas.microsoft.com/office/drawing/2010/main" xmlns="">
+                <a:solidFill>
+                  <a:schemeClr val="accent1"/>
+                </a:solidFill>
+              </a14:hiddenFill>
+            </a:ext>
+            <a:ext uri="{91240B29-F687-4f45-9708-019B960494DF}">
+              <a14:hiddenLine xmlns:a14="http://schemas.microsoft.com/office/drawing/2010/main" xmlns="" w="9525">
+                <a:solidFill>
+                  <a:schemeClr val="tx1"/>
+                </a:solidFill>
+                <a:miter lim="800000"/>
+                <a:headEnd/>
+                <a:tailEnd/>
+              </a14:hiddenLine>
+            </a:ext>
+          </a:extLst>
+        </p:spPr>
+      </p:pic>
+    </p:spTree>
+    <p:extLst>
+      <p:ext uri="{BB962C8B-B14F-4D97-AF65-F5344CB8AC3E}">
+        <p14:creationId xmlns:p14="http://schemas.microsoft.com/office/powerpoint/2010/main" val="1628780842"/>
+      </p:ext>
+    </p:extLst>
+  </p:cSld>
+  <p:clrMapOvr>
+    <a:masterClrMapping/>
+  </p:clrMapOvr>
+  <p:timing>
+    <p:tnLst>
+      <p:par>
+        <p:cTn id="1" dur="indefinite" restart="never" nodeType="tmRoot"/>
+      </p:par>
+    </p:tnLst>
+  </p:timing>
+</p:sld>
+</file>
+
+<file path=ppt/slides/slide15.xml><?xml version="1.0" encoding="utf-8"?>
+<p:sld xmlns:a="http://schemas.openxmlformats.org/drawingml/2006/main" xmlns:r="http://schemas.openxmlformats.org/officeDocument/2006/relationships" xmlns:p="http://schemas.openxmlformats.org/presentationml/2006/main">
+  <p:cSld>
+    <p:spTree>
+      <p:nvGrpSpPr>
+        <p:cNvPr id="1" name=""/>
+        <p:cNvGrpSpPr/>
+        <p:nvPr/>
+      </p:nvGrpSpPr>
+      <p:grpSpPr>
+        <a:xfrm>
+          <a:off x="0" y="0"/>
+          <a:ext cx="0" cy="0"/>
+          <a:chOff x="0" y="0"/>
+          <a:chExt cx="0" cy="0"/>
+        </a:xfrm>
+      </p:grpSpPr>
+      <p:sp>
+        <p:nvSpPr>
+          <p:cNvPr id="2" name="Title 1"/>
+          <p:cNvSpPr>
+            <a:spLocks noGrp="1"/>
+          </p:cNvSpPr>
+          <p:nvPr>
+            <p:ph type="title"/>
+          </p:nvPr>
+        </p:nvSpPr>
+        <p:spPr/>
+        <p:txBody>
+          <a:bodyPr/>
+          <a:lstStyle/>
+          <a:p>
+            <a:r>
+              <a:rPr lang="en-GB" dirty="0" smtClean="0"/>
+              <a:t>Self Test</a:t>
+            </a:r>
+            <a:endParaRPr lang="en-GB" dirty="0"/>
+          </a:p>
+        </p:txBody>
+      </p:sp>
+      <p:sp>
+        <p:nvSpPr>
+          <p:cNvPr id="3" name="Content Placeholder 2"/>
+          <p:cNvSpPr>
+            <a:spLocks noGrp="1"/>
+          </p:cNvSpPr>
+          <p:nvPr>
+            <p:ph idx="1"/>
+          </p:nvPr>
+        </p:nvSpPr>
+        <p:spPr>
+          <a:xfrm>
+            <a:off x="323528" y="2060848"/>
+            <a:ext cx="8448674" cy="4228172"/>
+          </a:xfrm>
+        </p:spPr>
+        <p:txBody>
+          <a:bodyPr/>
+          <a:lstStyle/>
+          <a:p>
+            <a:r>
+              <a:rPr lang="en-GB" dirty="0" smtClean="0"/>
+              <a:t>Select the correct ready function syntax</a:t>
+            </a:r>
+          </a:p>
+          <a:p>
+            <a:pPr marL="971550" lvl="1" indent="-514350">
+              <a:buFont typeface="+mj-lt"/>
+              <a:buAutoNum type="alphaLcParenR"/>
+            </a:pPr>
+            <a:r>
+              <a:rPr lang="en-GB" sz="2800" dirty="0" smtClean="0"/>
+              <a:t>$()(</a:t>
+            </a:r>
+            <a:r>
+              <a:rPr lang="en-GB" sz="2800" dirty="0"/>
+              <a:t>function{alert(42</a:t>
+            </a:r>
+            <a:r>
+              <a:rPr lang="en-GB" sz="2800" dirty="0" smtClean="0"/>
+              <a:t>);}</a:t>
+            </a:r>
+            <a:r>
+              <a:rPr lang="en-GB" sz="2800" dirty="0"/>
+              <a:t>);</a:t>
+            </a:r>
+          </a:p>
+          <a:p>
+            <a:pPr marL="971550" lvl="1" indent="-514350">
+              <a:buFont typeface="+mj-lt"/>
+              <a:buAutoNum type="alphaLcParenR"/>
+            </a:pPr>
+            <a:r>
+              <a:rPr lang="en-GB" sz="2800" dirty="0"/>
+              <a:t>$(function()(alert(42</a:t>
+            </a:r>
+            <a:r>
+              <a:rPr lang="en-GB" sz="2800" dirty="0" smtClean="0"/>
+              <a:t>);)</a:t>
+            </a:r>
+            <a:r>
+              <a:rPr lang="en-GB" sz="2800" dirty="0"/>
+              <a:t>);</a:t>
+            </a:r>
+          </a:p>
+          <a:p>
+            <a:pPr marL="971550" lvl="1" indent="-514350">
+              <a:buFont typeface="+mj-lt"/>
+              <a:buAutoNum type="alphaLcParenR"/>
+            </a:pPr>
+            <a:r>
+              <a:rPr lang="en-GB" sz="2800" dirty="0" smtClean="0"/>
+              <a:t>$(function(){alert(42);});</a:t>
+            </a:r>
+          </a:p>
+          <a:p>
+            <a:pPr marL="971550" lvl="1" indent="-514350">
+              <a:buFont typeface="+mj-lt"/>
+              <a:buAutoNum type="alphaLcParenR"/>
+            </a:pPr>
+            <a:r>
+              <a:rPr lang="en-GB" sz="2800" dirty="0" smtClean="0"/>
+              <a:t>function $({</a:t>
+            </a:r>
+            <a:r>
+              <a:rPr lang="en-GB" sz="2800" dirty="0"/>
+              <a:t>alert(42</a:t>
+            </a:r>
+            <a:r>
+              <a:rPr lang="en-GB" sz="2800" dirty="0" smtClean="0"/>
+              <a:t>);});</a:t>
+            </a:r>
+          </a:p>
+          <a:p>
+            <a:pPr marL="971550" lvl="1" indent="-514350">
+              <a:buFont typeface="+mj-lt"/>
+              <a:buAutoNum type="alphaLcParenR"/>
+            </a:pPr>
+            <a:r>
+              <a:rPr lang="en-GB" sz="2800" dirty="0" smtClean="0"/>
+              <a:t>function $()({</a:t>
+            </a:r>
+            <a:r>
+              <a:rPr lang="en-GB" sz="2800" dirty="0"/>
+              <a:t>alert(42</a:t>
+            </a:r>
+            <a:r>
+              <a:rPr lang="en-GB" sz="2800" dirty="0" smtClean="0"/>
+              <a:t>);});</a:t>
+            </a:r>
+          </a:p>
+        </p:txBody>
+      </p:sp>
+    </p:spTree>
+  </p:cSld>
+  <p:clrMapOvr>
+    <a:masterClrMapping/>
+  </p:clrMapOvr>
+  <p:timing>
+    <p:tnLst>
+      <p:par>
+        <p:cTn id="1" dur="indefinite" restart="never" nodeType="tmRoot"/>
+      </p:par>
+    </p:tnLst>
+  </p:timing>
+</p:sld>
+</file>
+
+<file path=ppt/slides/slide16.xml><?xml version="1.0" encoding="utf-8"?>
+<p:sld xmlns:a="http://schemas.openxmlformats.org/drawingml/2006/main" xmlns:r="http://schemas.openxmlformats.org/officeDocument/2006/relationships" xmlns:p="http://schemas.openxmlformats.org/presentationml/2006/main">
+  <p:cSld>
+    <p:spTree>
+      <p:nvGrpSpPr>
+        <p:cNvPr id="1" name=""/>
+        <p:cNvGrpSpPr/>
+        <p:nvPr/>
+      </p:nvGrpSpPr>
+      <p:grpSpPr>
+        <a:xfrm>
+          <a:off x="0" y="0"/>
+          <a:ext cx="0" cy="0"/>
+          <a:chOff x="0" y="0"/>
+          <a:chExt cx="0" cy="0"/>
+        </a:xfrm>
+      </p:grpSpPr>
+      <p:sp>
+        <p:nvSpPr>
+          <p:cNvPr id="2" name="Title 1"/>
+          <p:cNvSpPr>
+            <a:spLocks noGrp="1"/>
+          </p:cNvSpPr>
+          <p:nvPr>
+            <p:ph type="title"/>
+          </p:nvPr>
+        </p:nvSpPr>
+        <p:spPr/>
+        <p:txBody>
+          <a:bodyPr/>
+          <a:lstStyle/>
+          <a:p>
+            <a:r>
+              <a:rPr lang="en-GB" dirty="0" smtClean="0"/>
+              <a:t>Self Test</a:t>
+            </a:r>
+            <a:endParaRPr lang="en-GB" dirty="0"/>
+          </a:p>
+        </p:txBody>
+      </p:sp>
+      <p:sp>
+        <p:nvSpPr>
+          <p:cNvPr id="3" name="Content Placeholder 2"/>
+          <p:cNvSpPr>
+            <a:spLocks noGrp="1"/>
+          </p:cNvSpPr>
+          <p:nvPr>
+            <p:ph idx="1"/>
+          </p:nvPr>
+        </p:nvSpPr>
+        <p:spPr/>
+        <p:txBody>
+          <a:bodyPr/>
+          <a:lstStyle/>
+          <a:p>
+            <a:r>
+              <a:rPr lang="en-GB" dirty="0" smtClean="0"/>
+              <a:t>What is the missing word ____ in this code?</a:t>
+            </a:r>
+          </a:p>
+          <a:p>
+            <a:pPr marL="914400" lvl="1" indent="-457200">
+              <a:buAutoNum type="alphaLcParenR"/>
+            </a:pPr>
+            <a:r>
+              <a:rPr lang="en-GB" sz="3200" dirty="0" err="1" smtClean="0"/>
+              <a:t>css</a:t>
+            </a:r>
+            <a:endParaRPr lang="en-GB" sz="3200" dirty="0" smtClean="0"/>
+          </a:p>
+          <a:p>
+            <a:pPr marL="914400" lvl="1" indent="-457200">
+              <a:buAutoNum type="alphaLcParenR"/>
+            </a:pPr>
+            <a:r>
+              <a:rPr lang="en-GB" sz="3200" dirty="0" smtClean="0"/>
+              <a:t>append</a:t>
+            </a:r>
+          </a:p>
+          <a:p>
+            <a:pPr marL="914400" lvl="1" indent="-457200">
+              <a:buAutoNum type="alphaLcParenR"/>
+            </a:pPr>
+            <a:r>
+              <a:rPr lang="en-GB" sz="3200" dirty="0" smtClean="0"/>
+              <a:t>html</a:t>
+            </a:r>
+          </a:p>
+          <a:p>
+            <a:pPr marL="914400" lvl="1" indent="-457200">
+              <a:buAutoNum type="alphaLcParenR"/>
+            </a:pPr>
+            <a:r>
+              <a:rPr lang="en-GB" sz="3200" dirty="0" err="1" smtClean="0"/>
+              <a:t>forfend</a:t>
+            </a:r>
+            <a:endParaRPr lang="en-GB" sz="3200" dirty="0" smtClean="0"/>
+          </a:p>
+          <a:p>
+            <a:pPr marL="914400" lvl="1" indent="-457200">
+              <a:buAutoNum type="alphaLcParenR"/>
+            </a:pPr>
+            <a:r>
+              <a:rPr lang="en-GB" sz="3200" dirty="0" smtClean="0"/>
+              <a:t>$</a:t>
+            </a:r>
+          </a:p>
+          <a:p>
+            <a:pPr marL="514350" indent="-457200">
+              <a:buNone/>
+            </a:pPr>
+            <a:r>
+              <a:rPr lang="en-GB" dirty="0" smtClean="0"/>
+              <a:t>.</a:t>
+            </a:r>
+          </a:p>
+        </p:txBody>
+      </p:sp>
+      <p:sp>
+        <p:nvSpPr>
+          <p:cNvPr id="4" name="TextBox 3"/>
+          <p:cNvSpPr txBox="1"/>
+          <p:nvPr/>
+        </p:nvSpPr>
+        <p:spPr>
+          <a:xfrm>
+            <a:off x="3707904" y="3068960"/>
+            <a:ext cx="5112568" cy="2130202"/>
+          </a:xfrm>
+          <a:prstGeom prst="rect">
+            <a:avLst/>
+          </a:prstGeom>
+          <a:ln/>
+        </p:spPr>
+        <p:style>
+          <a:lnRef idx="2">
+            <a:schemeClr val="accent4"/>
+          </a:lnRef>
+          <a:fillRef idx="1">
+            <a:schemeClr val="lt1"/>
+          </a:fillRef>
+          <a:effectRef idx="0">
+            <a:schemeClr val="accent4"/>
+          </a:effectRef>
+          <a:fontRef idx="minor">
+            <a:schemeClr val="dk1"/>
+          </a:fontRef>
+        </p:style>
+        <p:txBody>
+          <a:bodyPr wrap="square" lIns="216000" tIns="140400" bIns="140400" rtlCol="0">
+            <a:spAutoFit/>
+          </a:bodyPr>
+          <a:lstStyle/>
+          <a:p>
+            <a:r>
+              <a:rPr lang="en-GB" sz="2400" dirty="0" smtClean="0"/>
+              <a:t>$(document).ready(function(){</a:t>
+            </a:r>
+          </a:p>
+          <a:p>
+            <a:r>
+              <a:rPr lang="en-GB" sz="2400" dirty="0" smtClean="0"/>
+              <a:t>  </a:t>
+            </a:r>
+            <a:r>
+              <a:rPr lang="en-GB" sz="2400" dirty="0" err="1" smtClean="0"/>
+              <a:t>var</a:t>
+            </a:r>
+            <a:r>
+              <a:rPr lang="en-GB" sz="2400" dirty="0" smtClean="0"/>
+              <a:t> d = $('&lt;div&gt;42&lt;/div&gt;')</a:t>
+            </a:r>
+          </a:p>
+          <a:p>
+            <a:r>
+              <a:rPr lang="en-GB" sz="2400" dirty="0" smtClean="0"/>
+              <a:t>  d.css('</a:t>
+            </a:r>
+            <a:r>
+              <a:rPr lang="en-GB" sz="2400" dirty="0" err="1" smtClean="0"/>
+              <a:t>color','red</a:t>
+            </a:r>
+            <a:r>
+              <a:rPr lang="en-GB" sz="2400" dirty="0" smtClean="0"/>
+              <a:t>');</a:t>
+            </a:r>
+          </a:p>
+          <a:p>
+            <a:r>
+              <a:rPr lang="en-GB" sz="2400" dirty="0" smtClean="0"/>
+              <a:t>  $('body').____(d);</a:t>
+            </a:r>
+          </a:p>
+          <a:p>
+            <a:r>
+              <a:rPr lang="en-GB" sz="2400" dirty="0" smtClean="0"/>
+              <a:t>});</a:t>
+            </a:r>
+          </a:p>
+        </p:txBody>
+      </p:sp>
+    </p:spTree>
+  </p:cSld>
+  <p:clrMapOvr>
+    <a:masterClrMapping/>
+  </p:clrMapOvr>
+  <p:timing>
+    <p:tnLst>
+      <p:par>
+        <p:cTn id="1" dur="indefinite" restart="never" nodeType="tmRoot"/>
+      </p:par>
+    </p:tnLst>
+  </p:timing>
+</p:sld>
+</file>
+
+<file path=ppt/slides/slide17.xml><?xml version="1.0" encoding="utf-8"?>
+<p:sld xmlns:a="http://schemas.openxmlformats.org/drawingml/2006/main" xmlns:r="http://schemas.openxmlformats.org/officeDocument/2006/relationships" xmlns:p="http://schemas.openxmlformats.org/presentationml/2006/main">
+  <p:cSld>
+    <p:spTree>
+      <p:nvGrpSpPr>
+        <p:cNvPr id="1" name=""/>
+        <p:cNvGrpSpPr/>
+        <p:nvPr/>
+      </p:nvGrpSpPr>
+      <p:grpSpPr>
+        <a:xfrm>
+          <a:off x="0" y="0"/>
+          <a:ext cx="0" cy="0"/>
+          <a:chOff x="0" y="0"/>
+          <a:chExt cx="0" cy="0"/>
+        </a:xfrm>
+      </p:grpSpPr>
+      <p:sp>
+        <p:nvSpPr>
+          <p:cNvPr id="2" name="Title 1"/>
+          <p:cNvSpPr>
+            <a:spLocks noGrp="1"/>
+          </p:cNvSpPr>
+          <p:nvPr>
+            <p:ph type="title"/>
+          </p:nvPr>
+        </p:nvSpPr>
+        <p:spPr/>
+        <p:txBody>
+          <a:bodyPr/>
+          <a:lstStyle/>
+          <a:p>
+            <a:r>
+              <a:rPr lang="en-GB" dirty="0" smtClean="0"/>
+              <a:t>Self Test</a:t>
+            </a:r>
+            <a:endParaRPr lang="en-GB" dirty="0"/>
+          </a:p>
+        </p:txBody>
+      </p:sp>
+      <p:sp>
+        <p:nvSpPr>
+          <p:cNvPr id="3" name="Content Placeholder 2"/>
+          <p:cNvSpPr>
+            <a:spLocks noGrp="1"/>
+          </p:cNvSpPr>
+          <p:nvPr>
+            <p:ph idx="1"/>
+          </p:nvPr>
+        </p:nvSpPr>
+        <p:spPr/>
+        <p:txBody>
+          <a:bodyPr/>
+          <a:lstStyle/>
+          <a:p>
+            <a:r>
+              <a:rPr lang="en-GB" dirty="0" smtClean="0"/>
+              <a:t>In the flags example each image has a grey border. Select the best way to achieve this in </a:t>
+            </a:r>
+            <a:r>
+              <a:rPr lang="en-GB" dirty="0" err="1" smtClean="0"/>
+              <a:t>jQuery</a:t>
+            </a:r>
+            <a:endParaRPr lang="en-GB" dirty="0" smtClean="0"/>
+          </a:p>
+          <a:p>
+            <a:pPr marL="914400" lvl="1" indent="-457200">
+              <a:buAutoNum type="alphaLcParenR"/>
+            </a:pPr>
+            <a:r>
+              <a:rPr lang="en-GB" b="1" dirty="0"/>
+              <a:t> $('#countries </a:t>
+            </a:r>
+            <a:r>
+              <a:rPr lang="en-GB" b="1" dirty="0" err="1"/>
+              <a:t>img</a:t>
+            </a:r>
+            <a:r>
+              <a:rPr lang="en-GB" b="1" dirty="0"/>
+              <a:t>',{</a:t>
+            </a:r>
+            <a:r>
+              <a:rPr lang="en-GB" b="1" dirty="0" err="1"/>
+              <a:t>css</a:t>
+            </a:r>
+            <a:r>
+              <a:rPr lang="en-GB" b="1" dirty="0"/>
+              <a:t>:{ </a:t>
+            </a:r>
+            <a:r>
+              <a:rPr lang="en-GB" b="1" dirty="0" err="1"/>
+              <a:t>border:'solid</a:t>
+            </a:r>
+            <a:r>
+              <a:rPr lang="en-GB" b="1" dirty="0"/>
+              <a:t> </a:t>
+            </a:r>
+            <a:r>
+              <a:rPr lang="en-GB" b="1" dirty="0" err="1"/>
+              <a:t>gray</a:t>
+            </a:r>
+            <a:r>
+              <a:rPr lang="en-GB" b="1" dirty="0"/>
+              <a:t>' }})</a:t>
+            </a:r>
+            <a:r>
+              <a:rPr lang="en-GB" b="1" dirty="0" smtClean="0"/>
+              <a:t>;</a:t>
+            </a:r>
+          </a:p>
+          <a:p>
+            <a:pPr marL="914400" lvl="1" indent="-457200">
+              <a:buFontTx/>
+              <a:buAutoNum type="alphaLcParenR"/>
+            </a:pPr>
+            <a:r>
+              <a:rPr lang="en-GB" b="1" dirty="0"/>
+              <a:t> $('#countries </a:t>
+            </a:r>
+            <a:r>
+              <a:rPr lang="en-GB" b="1" dirty="0" err="1"/>
+              <a:t>img</a:t>
+            </a:r>
+            <a:r>
+              <a:rPr lang="en-GB" b="1" dirty="0"/>
+              <a:t>').{</a:t>
+            </a:r>
+            <a:r>
+              <a:rPr lang="en-GB" b="1" dirty="0" err="1"/>
+              <a:t>css</a:t>
+            </a:r>
+            <a:r>
+              <a:rPr lang="en-GB" b="1" dirty="0"/>
+              <a:t>:{ </a:t>
+            </a:r>
+            <a:r>
+              <a:rPr lang="en-GB" b="1" dirty="0" err="1"/>
+              <a:t>border:'solid</a:t>
+            </a:r>
+            <a:r>
+              <a:rPr lang="en-GB" b="1" dirty="0"/>
+              <a:t> </a:t>
+            </a:r>
+            <a:r>
+              <a:rPr lang="en-GB" b="1" dirty="0" err="1"/>
+              <a:t>gray</a:t>
+            </a:r>
+            <a:r>
+              <a:rPr lang="en-GB" b="1" dirty="0"/>
+              <a:t>' }};</a:t>
+            </a:r>
+          </a:p>
+          <a:p>
+            <a:pPr marL="914400" lvl="1" indent="-457200">
+              <a:buFontTx/>
+              <a:buAutoNum type="alphaLcParenR"/>
+            </a:pPr>
+            <a:r>
+              <a:rPr lang="en-GB" b="1" dirty="0"/>
+              <a:t> $</a:t>
+            </a:r>
+            <a:r>
+              <a:rPr lang="en-GB" b="1" dirty="0" err="1"/>
+              <a:t>css</a:t>
+            </a:r>
+            <a:r>
+              <a:rPr lang="en-GB" b="1" dirty="0"/>
+              <a:t>('#countries </a:t>
+            </a:r>
+            <a:r>
+              <a:rPr lang="en-GB" b="1" dirty="0" err="1"/>
+              <a:t>img</a:t>
+            </a:r>
+            <a:r>
+              <a:rPr lang="en-GB" b="1" dirty="0"/>
+              <a:t>','</a:t>
+            </a:r>
+            <a:r>
+              <a:rPr lang="en-GB" b="1" dirty="0" err="1"/>
+              <a:t>border:solid</a:t>
+            </a:r>
+            <a:r>
+              <a:rPr lang="en-GB" b="1" dirty="0"/>
+              <a:t> grey');</a:t>
+            </a:r>
+          </a:p>
+          <a:p>
+            <a:pPr marL="914400" lvl="1" indent="-457200">
+              <a:buFontTx/>
+              <a:buAutoNum type="alphaLcParenR"/>
+            </a:pPr>
+            <a:r>
+              <a:rPr lang="en-GB" b="1" dirty="0" smtClean="0"/>
+              <a:t> $('#countries </a:t>
+            </a:r>
+            <a:r>
+              <a:rPr lang="en-GB" b="1" dirty="0" err="1" smtClean="0"/>
+              <a:t>img</a:t>
+            </a:r>
+            <a:r>
+              <a:rPr lang="en-GB" b="1" dirty="0" smtClean="0"/>
+              <a:t>').</a:t>
+            </a:r>
+            <a:r>
+              <a:rPr lang="en-GB" b="1" dirty="0"/>
+              <a:t>css('</a:t>
+            </a:r>
+            <a:r>
+              <a:rPr lang="en-GB" b="1" dirty="0" err="1"/>
+              <a:t>border','solid</a:t>
+            </a:r>
+            <a:r>
+              <a:rPr lang="en-GB" b="1" dirty="0"/>
+              <a:t> grey</a:t>
+            </a:r>
+            <a:r>
+              <a:rPr lang="en-GB" b="1" dirty="0" smtClean="0"/>
+              <a:t>')</a:t>
+            </a:r>
+            <a:endParaRPr lang="en-GB" b="1" dirty="0"/>
+          </a:p>
+        </p:txBody>
+      </p:sp>
+    </p:spTree>
+  </p:cSld>
+  <p:clrMapOvr>
+    <a:masterClrMapping/>
+  </p:clrMapOvr>
+  <p:timing>
+    <p:tnLst>
+      <p:par>
+        <p:cTn id="1" dur="indefinite" restart="never" nodeType="tmRoot"/>
+      </p:par>
+    </p:tnLst>
+  </p:timing>
+</p:sld>
+</file>
+
+<file path=ppt/slides/slide18.xml><?xml version="1.0" encoding="utf-8"?>
+<p:sld xmlns:a="http://schemas.openxmlformats.org/drawingml/2006/main" xmlns:r="http://schemas.openxmlformats.org/officeDocument/2006/relationships" xmlns:p="http://schemas.openxmlformats.org/presentationml/2006/main">
+  <p:cSld>
+    <p:spTree>
+      <p:nvGrpSpPr>
+        <p:cNvPr id="1" name=""/>
+        <p:cNvGrpSpPr/>
+        <p:nvPr/>
+      </p:nvGrpSpPr>
+      <p:grpSpPr>
+        <a:xfrm>
+          <a:off x="0" y="0"/>
+          <a:ext cx="0" cy="0"/>
+          <a:chOff x="0" y="0"/>
+          <a:chExt cx="0" cy="0"/>
+        </a:xfrm>
+      </p:grpSpPr>
+      <p:sp>
+        <p:nvSpPr>
+          <p:cNvPr id="2" name="Title 1"/>
+          <p:cNvSpPr>
+            <a:spLocks noGrp="1"/>
+          </p:cNvSpPr>
+          <p:nvPr>
+            <p:ph type="title"/>
+          </p:nvPr>
+        </p:nvSpPr>
+        <p:spPr/>
+        <p:txBody>
+          <a:bodyPr/>
+          <a:lstStyle/>
+          <a:p>
+            <a:r>
+              <a:rPr lang="en-GB" dirty="0" smtClean="0"/>
+              <a:t>Selecting existing items</a:t>
+            </a:r>
+            <a:endParaRPr lang="en-GB" dirty="0"/>
+          </a:p>
+        </p:txBody>
+      </p:sp>
+      <p:sp>
+        <p:nvSpPr>
+          <p:cNvPr id="3" name="Content Placeholder 2"/>
+          <p:cNvSpPr>
+            <a:spLocks noGrp="1"/>
+          </p:cNvSpPr>
+          <p:nvPr>
+            <p:ph idx="1"/>
+          </p:nvPr>
+        </p:nvSpPr>
+        <p:spPr>
+          <a:xfrm>
+            <a:off x="346075" y="2087758"/>
+            <a:ext cx="8448674" cy="4077546"/>
+          </a:xfrm>
+        </p:spPr>
+        <p:txBody>
+          <a:bodyPr/>
+          <a:lstStyle/>
+          <a:p>
+            <a:r>
+              <a:rPr lang="en-GB" dirty="0" smtClean="0"/>
+              <a:t>You can select items with the $ function</a:t>
+            </a:r>
+          </a:p>
+          <a:p>
+            <a:r>
+              <a:rPr lang="en-GB" dirty="0" smtClean="0"/>
+              <a:t>The result is a list of items</a:t>
+            </a:r>
+          </a:p>
+          <a:p>
+            <a:r>
+              <a:rPr lang="en-GB" dirty="0" smtClean="0"/>
+              <a:t>$('</a:t>
+            </a:r>
+            <a:r>
+              <a:rPr lang="en-GB" dirty="0" err="1" smtClean="0"/>
+              <a:t>li</a:t>
+            </a:r>
+            <a:r>
+              <a:rPr lang="en-GB" dirty="0" smtClean="0"/>
+              <a:t>').</a:t>
+            </a:r>
+            <a:r>
+              <a:rPr lang="en-GB" dirty="0" err="1" smtClean="0"/>
+              <a:t>css</a:t>
+            </a:r>
+            <a:r>
+              <a:rPr lang="en-GB" dirty="0" smtClean="0"/>
+              <a:t>('</a:t>
+            </a:r>
+            <a:r>
+              <a:rPr lang="en-GB" dirty="0" err="1" smtClean="0"/>
+              <a:t>color','red</a:t>
+            </a:r>
+            <a:r>
+              <a:rPr lang="en-GB" dirty="0" smtClean="0"/>
+              <a:t>');</a:t>
+            </a:r>
+          </a:p>
+          <a:p>
+            <a:pPr lvl="1"/>
+            <a:r>
+              <a:rPr lang="en-GB" dirty="0" smtClean="0"/>
+              <a:t>Locate all &lt;</a:t>
+            </a:r>
+            <a:r>
+              <a:rPr lang="en-GB" dirty="0" err="1" smtClean="0"/>
+              <a:t>li</a:t>
+            </a:r>
+            <a:r>
+              <a:rPr lang="en-GB" dirty="0" smtClean="0"/>
+              <a:t>&gt; elements and make them red.</a:t>
+            </a:r>
+          </a:p>
+          <a:p>
+            <a:r>
+              <a:rPr lang="en-GB" dirty="0" smtClean="0"/>
+              <a:t>$('.reference').</a:t>
+            </a:r>
+            <a:r>
+              <a:rPr lang="en-GB" dirty="0" err="1" smtClean="0"/>
+              <a:t>css</a:t>
+            </a:r>
+            <a:r>
+              <a:rPr lang="en-GB" dirty="0" smtClean="0"/>
+              <a:t>('background-</a:t>
+            </a:r>
+            <a:r>
+              <a:rPr lang="en-GB" dirty="0" err="1" smtClean="0"/>
+              <a:t>color','red</a:t>
+            </a:r>
+            <a:r>
+              <a:rPr lang="en-GB" dirty="0" smtClean="0"/>
+              <a:t>');</a:t>
+            </a:r>
+          </a:p>
+          <a:p>
+            <a:pPr lvl="1"/>
+            <a:r>
+              <a:rPr lang="en-GB" dirty="0" smtClean="0"/>
+              <a:t>Locate all elements with </a:t>
+            </a:r>
+            <a:r>
+              <a:rPr lang="en-GB" dirty="0" err="1" smtClean="0"/>
+              <a:t>css</a:t>
+            </a:r>
+            <a:r>
+              <a:rPr lang="en-GB" dirty="0" smtClean="0"/>
+              <a:t> class=‘reference’</a:t>
+            </a:r>
+          </a:p>
+          <a:p>
+            <a:r>
+              <a:rPr lang="en-GB" dirty="0" smtClean="0"/>
+              <a:t>$('#menu1').</a:t>
+            </a:r>
+            <a:r>
+              <a:rPr lang="en-GB" dirty="0" err="1" smtClean="0"/>
+              <a:t>css</a:t>
+            </a:r>
+            <a:r>
+              <a:rPr lang="en-GB" dirty="0" smtClean="0"/>
+              <a:t>('</a:t>
+            </a:r>
+            <a:r>
+              <a:rPr lang="en-GB" dirty="0" err="1" smtClean="0"/>
+              <a:t>border','solid</a:t>
+            </a:r>
+            <a:r>
+              <a:rPr lang="en-GB" dirty="0" smtClean="0"/>
+              <a:t> thick red');</a:t>
+            </a:r>
+          </a:p>
+          <a:p>
+            <a:pPr lvl="1"/>
+            <a:r>
+              <a:rPr lang="en-GB" dirty="0" smtClean="0"/>
+              <a:t>Locate the element with id “menu1”</a:t>
+            </a:r>
+            <a:endParaRPr lang="en-GB" dirty="0"/>
+          </a:p>
+        </p:txBody>
+      </p:sp>
+    </p:spTree>
+  </p:cSld>
+  <p:clrMapOvr>
+    <a:masterClrMapping/>
+  </p:clrMapOvr>
+  <p:timing>
+    <p:tnLst>
+      <p:par>
+        <p:cTn id="1" dur="indefinite" restart="never" nodeType="tmRoot"/>
+      </p:par>
+    </p:tnLst>
+  </p:timing>
+</p:sld>
+</file>
+
+<file path=ppt/slides/slide19.xml><?xml version="1.0" encoding="utf-8"?>
+<p:sld xmlns:a="http://schemas.openxmlformats.org/drawingml/2006/main" xmlns:r="http://schemas.openxmlformats.org/officeDocument/2006/relationships" xmlns:p="http://schemas.openxmlformats.org/presentationml/2006/main">
+  <p:cSld>
+    <p:spTree>
+      <p:nvGrpSpPr>
+        <p:cNvPr id="1" name=""/>
+        <p:cNvGrpSpPr/>
+        <p:nvPr/>
+      </p:nvGrpSpPr>
+      <p:grpSpPr>
+        <a:xfrm>
+          <a:off x="0" y="0"/>
+          <a:ext cx="0" cy="0"/>
+          <a:chOff x="0" y="0"/>
+          <a:chExt cx="0" cy="0"/>
+        </a:xfrm>
+      </p:grpSpPr>
+      <p:sp>
+        <p:nvSpPr>
+          <p:cNvPr id="2" name="Title 1"/>
+          <p:cNvSpPr>
+            <a:spLocks noGrp="1"/>
+          </p:cNvSpPr>
+          <p:nvPr>
+            <p:ph type="title"/>
+          </p:nvPr>
+        </p:nvSpPr>
+        <p:spPr/>
+        <p:txBody>
+          <a:bodyPr/>
+          <a:lstStyle/>
+          <a:p>
+            <a:r>
+              <a:rPr lang="en-GB" dirty="0" smtClean="0"/>
+              <a:t>Select items with items</a:t>
+            </a:r>
+            <a:endParaRPr lang="en-GB" dirty="0"/>
+          </a:p>
+        </p:txBody>
+      </p:sp>
+      <p:sp>
+        <p:nvSpPr>
+          <p:cNvPr id="3" name="Content Placeholder 2"/>
+          <p:cNvSpPr>
+            <a:spLocks noGrp="1"/>
+          </p:cNvSpPr>
+          <p:nvPr>
+            <p:ph idx="1"/>
+          </p:nvPr>
+        </p:nvSpPr>
+        <p:spPr/>
+        <p:txBody>
+          <a:bodyPr/>
+          <a:lstStyle/>
+          <a:p>
+            <a:r>
+              <a:rPr lang="en-GB" dirty="0" smtClean="0"/>
+              <a:t>A common pattern is to select elements within a named element:</a:t>
+            </a:r>
+          </a:p>
+          <a:p>
+            <a:r>
+              <a:rPr lang="en-GB" dirty="0" err="1" smtClean="0"/>
+              <a:t>table#main</a:t>
+            </a:r>
+            <a:r>
+              <a:rPr lang="en-GB" dirty="0" smtClean="0"/>
+              <a:t> td</a:t>
+            </a:r>
+          </a:p>
+          <a:p>
+            <a:pPr lvl="1"/>
+            <a:r>
+              <a:rPr lang="en-GB" dirty="0" smtClean="0"/>
+              <a:t>Select all td elements within the table with id </a:t>
+            </a:r>
+            <a:r>
+              <a:rPr lang="en-GB" b="1" dirty="0" smtClean="0"/>
+              <a:t>main</a:t>
+            </a:r>
+            <a:endParaRPr lang="en-GB" dirty="0" smtClean="0"/>
+          </a:p>
+          <a:p>
+            <a:r>
+              <a:rPr lang="en-GB" dirty="0" err="1" smtClean="0"/>
+              <a:t>ul#nav</a:t>
+            </a:r>
+            <a:r>
+              <a:rPr lang="en-GB" dirty="0" smtClean="0"/>
+              <a:t> li</a:t>
+            </a:r>
+          </a:p>
+          <a:p>
+            <a:pPr lvl="1"/>
+            <a:r>
+              <a:rPr lang="en-GB" dirty="0" smtClean="0"/>
+              <a:t>Select all li elements inside the </a:t>
+            </a:r>
+            <a:r>
+              <a:rPr lang="en-GB" dirty="0" err="1" smtClean="0"/>
+              <a:t>ul</a:t>
+            </a:r>
+            <a:r>
+              <a:rPr lang="en-GB" dirty="0" smtClean="0"/>
+              <a:t> named </a:t>
+            </a:r>
+            <a:r>
+              <a:rPr lang="en-GB" b="1" dirty="0" err="1" smtClean="0"/>
+              <a:t>nav</a:t>
+            </a:r>
+            <a:endParaRPr lang="en-GB" dirty="0"/>
+          </a:p>
+        </p:txBody>
+      </p:sp>
+    </p:spTree>
+    <p:extLst>
+      <p:ext uri="{BB962C8B-B14F-4D97-AF65-F5344CB8AC3E}">
+        <p14:creationId xmlns:p14="http://schemas.microsoft.com/office/powerpoint/2010/main" val="87336322"/>
+      </p:ext>
+    </p:extLst>
+  </p:cSld>
+  <p:clrMapOvr>
+    <a:masterClrMapping/>
+  </p:clrMapOvr>
+  <p:timing>
+    <p:tnLst>
+      <p:par>
+        <p:cTn id="1" dur="indefinite" restart="never" nodeType="tmRoot"/>
+      </p:par>
+    </p:tnLst>
+  </p:timing>
+</p:sld>
+</file>
+
+<file path=ppt/slides/slide2.xml><?xml version="1.0" encoding="utf-8"?>
+<p:sld xmlns:a="http://schemas.openxmlformats.org/drawingml/2006/main" xmlns:r="http://schemas.openxmlformats.org/officeDocument/2006/relationships" xmlns:p="http://schemas.openxmlformats.org/presentationml/2006/main">
+  <p:cSld>
+    <p:spTree>
+      <p:nvGrpSpPr>
+        <p:cNvPr id="1" name=""/>
+        <p:cNvGrpSpPr/>
+        <p:nvPr/>
+      </p:nvGrpSpPr>
+      <p:grpSpPr>
+        <a:xfrm>
+          <a:off x="0" y="0"/>
+          <a:ext cx="0" cy="0"/>
+          <a:chOff x="0" y="0"/>
+          <a:chExt cx="0" cy="0"/>
+        </a:xfrm>
+      </p:grpSpPr>
+      <p:sp>
+        <p:nvSpPr>
+          <p:cNvPr id="2" name="Title 1"/>
+          <p:cNvSpPr>
+            <a:spLocks noGrp="1"/>
+          </p:cNvSpPr>
+          <p:nvPr>
+            <p:ph type="title"/>
+          </p:nvPr>
+        </p:nvSpPr>
+        <p:spPr/>
+        <p:txBody>
+          <a:bodyPr/>
+          <a:lstStyle/>
+          <a:p>
+            <a:r>
+              <a:rPr lang="en-GB" dirty="0" smtClean="0"/>
+              <a:t>Lecture Plan</a:t>
+            </a:r>
+            <a:endParaRPr lang="en-GB" dirty="0"/>
+          </a:p>
+        </p:txBody>
+      </p:sp>
+      <p:sp>
+        <p:nvSpPr>
+          <p:cNvPr id="3" name="Content Placeholder 2"/>
+          <p:cNvSpPr>
+            <a:spLocks noGrp="1"/>
+          </p:cNvSpPr>
+          <p:nvPr>
+            <p:ph idx="1"/>
+          </p:nvPr>
+        </p:nvSpPr>
+        <p:spPr/>
+        <p:txBody>
+          <a:bodyPr>
+            <a:normAutofit/>
+          </a:bodyPr>
+          <a:lstStyle/>
+          <a:p>
+            <a:r>
+              <a:rPr lang="en-GB" dirty="0" err="1" smtClean="0"/>
+              <a:t>jQuery</a:t>
+            </a:r>
+            <a:r>
+              <a:rPr lang="en-GB" dirty="0" smtClean="0"/>
+              <a:t> – what and why</a:t>
+            </a:r>
+          </a:p>
+          <a:p>
+            <a:r>
+              <a:rPr lang="en-GB" dirty="0" smtClean="0"/>
+              <a:t>The ready function</a:t>
+            </a:r>
+          </a:p>
+          <a:p>
+            <a:r>
+              <a:rPr lang="en-GB" dirty="0" smtClean="0"/>
+              <a:t>Creating Content</a:t>
+            </a:r>
+          </a:p>
+          <a:p>
+            <a:r>
+              <a:rPr lang="en-GB" dirty="0" smtClean="0"/>
+              <a:t>Changing Elements</a:t>
+            </a:r>
+          </a:p>
+          <a:p>
+            <a:r>
+              <a:rPr lang="en-GB" dirty="0" smtClean="0"/>
+              <a:t>Applying CSS</a:t>
+            </a:r>
+          </a:p>
+          <a:p>
+            <a:r>
+              <a:rPr lang="en-GB" dirty="0" smtClean="0"/>
+              <a:t>Applying functions</a:t>
+            </a:r>
+          </a:p>
+          <a:p>
+            <a:r>
+              <a:rPr lang="en-GB" dirty="0" smtClean="0"/>
+              <a:t>Lists of useful JavaScript and </a:t>
+            </a:r>
+            <a:r>
+              <a:rPr lang="en-GB" dirty="0" err="1" smtClean="0"/>
+              <a:t>jQuery</a:t>
+            </a:r>
+            <a:r>
+              <a:rPr lang="en-GB" dirty="0" smtClean="0"/>
+              <a:t> functions</a:t>
+            </a:r>
+          </a:p>
+          <a:p>
+            <a:r>
+              <a:rPr lang="en-GB" dirty="0" smtClean="0"/>
+              <a:t>Arrays and Objects in JavaScript</a:t>
+            </a:r>
+            <a:endParaRPr lang="en-GB" dirty="0"/>
+          </a:p>
+        </p:txBody>
+      </p:sp>
+    </p:spTree>
+  </p:cSld>
+  <p:clrMapOvr>
+    <a:masterClrMapping/>
+  </p:clrMapOvr>
+  <p:timing>
+    <p:tnLst>
+      <p:par>
+        <p:cTn id="1" dur="indefinite" restart="never" nodeType="tmRoot"/>
+      </p:par>
+    </p:tnLst>
+  </p:timing>
+</p:sld>
+</file>
+
+<file path=ppt/slides/slide20.xml><?xml version="1.0" encoding="utf-8"?>
+<p:sld xmlns:a="http://schemas.openxmlformats.org/drawingml/2006/main" xmlns:r="http://schemas.openxmlformats.org/officeDocument/2006/relationships" xmlns:p="http://schemas.openxmlformats.org/presentationml/2006/main">
+  <p:cSld>
+    <p:spTree>
+      <p:nvGrpSpPr>
+        <p:cNvPr id="1" name=""/>
+        <p:cNvGrpSpPr/>
+        <p:nvPr/>
+      </p:nvGrpSpPr>
+      <p:grpSpPr>
+        <a:xfrm>
+          <a:off x="0" y="0"/>
+          <a:ext cx="0" cy="0"/>
+          <a:chOff x="0" y="0"/>
+          <a:chExt cx="0" cy="0"/>
+        </a:xfrm>
+      </p:grpSpPr>
+      <p:sp>
+        <p:nvSpPr>
+          <p:cNvPr id="2" name="Title 1"/>
+          <p:cNvSpPr>
+            <a:spLocks noGrp="1"/>
+          </p:cNvSpPr>
+          <p:nvPr>
+            <p:ph type="title"/>
+          </p:nvPr>
+        </p:nvSpPr>
+        <p:spPr/>
+        <p:txBody>
+          <a:bodyPr/>
+          <a:lstStyle/>
+          <a:p>
+            <a:r>
+              <a:rPr lang="en-GB" dirty="0" smtClean="0"/>
+              <a:t>Selecting Existing Items</a:t>
+            </a:r>
+            <a:endParaRPr lang="en-GB" dirty="0"/>
+          </a:p>
+        </p:txBody>
+      </p:sp>
+      <p:sp>
+        <p:nvSpPr>
+          <p:cNvPr id="3" name="Content Placeholder 2"/>
+          <p:cNvSpPr>
+            <a:spLocks noGrp="1"/>
+          </p:cNvSpPr>
+          <p:nvPr>
+            <p:ph idx="1"/>
+          </p:nvPr>
+        </p:nvSpPr>
+        <p:spPr/>
+        <p:txBody>
+          <a:bodyPr/>
+          <a:lstStyle/>
+          <a:p>
+            <a:r>
+              <a:rPr lang="en-GB" dirty="0" smtClean="0"/>
+              <a:t>You can modify the selectors</a:t>
+            </a:r>
+          </a:p>
+          <a:p>
+            <a:r>
+              <a:rPr lang="en-GB" dirty="0" smtClean="0"/>
+              <a:t>$('p:first-child').</a:t>
+            </a:r>
+            <a:r>
+              <a:rPr lang="en-GB" dirty="0" err="1" smtClean="0"/>
+              <a:t>css</a:t>
+            </a:r>
+            <a:r>
+              <a:rPr lang="en-GB" dirty="0" smtClean="0"/>
+              <a:t>('</a:t>
+            </a:r>
+            <a:r>
+              <a:rPr lang="en-GB" dirty="0" err="1" smtClean="0"/>
+              <a:t>border','solid</a:t>
+            </a:r>
+            <a:r>
+              <a:rPr lang="en-GB" dirty="0" smtClean="0"/>
+              <a:t>');</a:t>
+            </a:r>
+          </a:p>
+          <a:p>
+            <a:pPr lvl="1"/>
+            <a:r>
+              <a:rPr lang="en-GB" dirty="0" smtClean="0"/>
+              <a:t>Identifies the first p in each block</a:t>
+            </a:r>
+          </a:p>
+          <a:p>
+            <a:r>
+              <a:rPr lang="en-GB" dirty="0" smtClean="0"/>
+              <a:t>$('p:nth-child(1)').</a:t>
+            </a:r>
+            <a:r>
+              <a:rPr lang="en-GB" dirty="0" err="1" smtClean="0"/>
+              <a:t>css</a:t>
+            </a:r>
+            <a:r>
+              <a:rPr lang="en-GB" dirty="0" smtClean="0"/>
+              <a:t>('</a:t>
+            </a:r>
+            <a:r>
+              <a:rPr lang="en-GB" dirty="0" err="1" smtClean="0"/>
+              <a:t>border','solid</a:t>
+            </a:r>
+            <a:r>
+              <a:rPr lang="en-GB" dirty="0" smtClean="0"/>
+              <a:t>');</a:t>
+            </a:r>
+          </a:p>
+          <a:p>
+            <a:pPr lvl="1"/>
+            <a:r>
+              <a:rPr lang="en-GB" dirty="0" smtClean="0"/>
+              <a:t>Selects the first child in each block</a:t>
+            </a:r>
+          </a:p>
+          <a:p>
+            <a:r>
+              <a:rPr lang="en-GB" dirty="0" smtClean="0"/>
+              <a:t>$('p:eq(1)').</a:t>
+            </a:r>
+            <a:r>
+              <a:rPr lang="en-GB" dirty="0" err="1" smtClean="0"/>
+              <a:t>css</a:t>
+            </a:r>
+            <a:r>
+              <a:rPr lang="en-GB" dirty="0" smtClean="0"/>
+              <a:t>('</a:t>
+            </a:r>
+            <a:r>
+              <a:rPr lang="en-GB" dirty="0" err="1" smtClean="0"/>
+              <a:t>border','solid</a:t>
+            </a:r>
+            <a:r>
+              <a:rPr lang="en-GB" dirty="0" smtClean="0"/>
+              <a:t>');</a:t>
+            </a:r>
+          </a:p>
+          <a:p>
+            <a:pPr lvl="1"/>
+            <a:r>
+              <a:rPr lang="en-GB" dirty="0" smtClean="0"/>
+              <a:t>This gets item 1 – the second one</a:t>
+            </a:r>
+          </a:p>
+          <a:p>
+            <a:r>
+              <a:rPr lang="en-GB" dirty="0" smtClean="0"/>
+              <a:t>$('p:last').</a:t>
+            </a:r>
+            <a:r>
+              <a:rPr lang="en-GB" dirty="0" err="1" smtClean="0"/>
+              <a:t>css</a:t>
+            </a:r>
+            <a:r>
+              <a:rPr lang="en-GB" dirty="0" smtClean="0"/>
+              <a:t>('</a:t>
+            </a:r>
+            <a:r>
+              <a:rPr lang="en-GB" dirty="0" err="1" smtClean="0"/>
+              <a:t>border','solid</a:t>
+            </a:r>
+            <a:r>
+              <a:rPr lang="en-GB" dirty="0" smtClean="0"/>
+              <a:t>');</a:t>
+            </a:r>
+          </a:p>
+          <a:p>
+            <a:pPr lvl="1"/>
+            <a:r>
+              <a:rPr lang="en-GB" dirty="0" smtClean="0"/>
+              <a:t>The last one of all</a:t>
+            </a:r>
+            <a:endParaRPr lang="en-GB" dirty="0"/>
+          </a:p>
+        </p:txBody>
+      </p:sp>
+    </p:spTree>
+  </p:cSld>
+  <p:clrMapOvr>
+    <a:masterClrMapping/>
+  </p:clrMapOvr>
+  <p:timing>
+    <p:tnLst>
+      <p:par>
+        <p:cTn id="1" dur="indefinite" restart="never" nodeType="tmRoot"/>
+      </p:par>
+    </p:tnLst>
+  </p:timing>
+</p:sld>
+</file>
+
+<file path=ppt/slides/slide21.xml><?xml version="1.0" encoding="utf-8"?>
+<p:sld xmlns:a="http://schemas.openxmlformats.org/drawingml/2006/main" xmlns:r="http://schemas.openxmlformats.org/officeDocument/2006/relationships" xmlns:p="http://schemas.openxmlformats.org/presentationml/2006/main">
+  <p:cSld>
+    <p:spTree>
+      <p:nvGrpSpPr>
+        <p:cNvPr id="1" name=""/>
+        <p:cNvGrpSpPr/>
+        <p:nvPr/>
+      </p:nvGrpSpPr>
+      <p:grpSpPr>
+        <a:xfrm>
+          <a:off x="0" y="0"/>
+          <a:ext cx="0" cy="0"/>
+          <a:chOff x="0" y="0"/>
+          <a:chExt cx="0" cy="0"/>
+        </a:xfrm>
+      </p:grpSpPr>
+      <p:sp>
+        <p:nvSpPr>
+          <p:cNvPr id="2" name="Title 1"/>
+          <p:cNvSpPr>
+            <a:spLocks noGrp="1"/>
+          </p:cNvSpPr>
+          <p:nvPr>
+            <p:ph type="title"/>
+          </p:nvPr>
+        </p:nvSpPr>
+        <p:spPr/>
+        <p:txBody>
+          <a:bodyPr/>
+          <a:lstStyle/>
+          <a:p>
+            <a:r>
+              <a:rPr lang="en-GB" dirty="0" smtClean="0"/>
+              <a:t>Combining terms</a:t>
+            </a:r>
+            <a:endParaRPr lang="en-GB" dirty="0"/>
+          </a:p>
+        </p:txBody>
+      </p:sp>
+      <p:sp>
+        <p:nvSpPr>
+          <p:cNvPr id="3" name="Content Placeholder 2"/>
+          <p:cNvSpPr>
+            <a:spLocks noGrp="1"/>
+          </p:cNvSpPr>
+          <p:nvPr>
+            <p:ph idx="1"/>
+          </p:nvPr>
+        </p:nvSpPr>
+        <p:spPr/>
+        <p:txBody>
+          <a:bodyPr/>
+          <a:lstStyle/>
+          <a:p>
+            <a:r>
+              <a:rPr lang="en-GB" dirty="0" smtClean="0"/>
+              <a:t>As with </a:t>
+            </a:r>
+            <a:r>
+              <a:rPr lang="en-GB" dirty="0" err="1" smtClean="0"/>
+              <a:t>css</a:t>
+            </a:r>
+            <a:r>
+              <a:rPr lang="en-GB" dirty="0" smtClean="0"/>
+              <a:t> you can combine terms.</a:t>
+            </a:r>
+          </a:p>
+          <a:p>
+            <a:r>
+              <a:rPr lang="en-GB" dirty="0" smtClean="0"/>
+              <a:t>When one term follows another separated by a space then the second is a descendant of the first</a:t>
+            </a:r>
+          </a:p>
+          <a:p>
+            <a:pPr lvl="1"/>
+            <a:r>
+              <a:rPr lang="en-GB" dirty="0" smtClean="0"/>
+              <a:t>table </a:t>
+            </a:r>
+            <a:r>
+              <a:rPr lang="en-GB" dirty="0" err="1" smtClean="0"/>
+              <a:t>tr</a:t>
+            </a:r>
+            <a:r>
+              <a:rPr lang="en-GB" dirty="0" smtClean="0"/>
+              <a:t> td</a:t>
+            </a:r>
+          </a:p>
+          <a:p>
+            <a:pPr lvl="1"/>
+            <a:r>
+              <a:rPr lang="en-GB" dirty="0" err="1" smtClean="0"/>
+              <a:t>div#content</a:t>
+            </a:r>
+            <a:r>
+              <a:rPr lang="en-GB" dirty="0" smtClean="0"/>
+              <a:t> p</a:t>
+            </a:r>
+          </a:p>
+          <a:p>
+            <a:r>
+              <a:rPr lang="en-GB" dirty="0" smtClean="0"/>
+              <a:t>A &gt; indicates a direct descendant, a child</a:t>
+            </a:r>
+          </a:p>
+          <a:p>
+            <a:pPr lvl="1"/>
+            <a:r>
+              <a:rPr lang="en-GB" dirty="0" err="1" smtClean="0"/>
+              <a:t>ul.menu</a:t>
+            </a:r>
+            <a:r>
+              <a:rPr lang="en-GB" dirty="0" smtClean="0"/>
+              <a:t>&gt;</a:t>
+            </a:r>
+            <a:r>
+              <a:rPr lang="en-GB" dirty="0" err="1" smtClean="0"/>
+              <a:t>li</a:t>
+            </a:r>
+            <a:r>
+              <a:rPr lang="en-GB" dirty="0" smtClean="0"/>
+              <a:t>	prevents nested </a:t>
+            </a:r>
+            <a:r>
+              <a:rPr lang="en-GB" dirty="0" err="1" smtClean="0"/>
+              <a:t>li</a:t>
+            </a:r>
+            <a:r>
+              <a:rPr lang="en-GB" dirty="0" smtClean="0"/>
+              <a:t> elements matching</a:t>
+            </a:r>
+          </a:p>
+          <a:p>
+            <a:r>
+              <a:rPr lang="en-GB" dirty="0" smtClean="0"/>
+              <a:t>A comma allows an independent rule - OR</a:t>
+            </a:r>
+            <a:endParaRPr lang="en-GB" dirty="0"/>
+          </a:p>
+        </p:txBody>
+      </p:sp>
+    </p:spTree>
+  </p:cSld>
+  <p:clrMapOvr>
+    <a:masterClrMapping/>
+  </p:clrMapOvr>
+  <p:timing>
+    <p:tnLst>
+      <p:par>
+        <p:cTn id="1" dur="indefinite" restart="never" nodeType="tmRoot"/>
+      </p:par>
+    </p:tnLst>
+  </p:timing>
+</p:sld>
+</file>
+
+<file path=ppt/slides/slide22.xml><?xml version="1.0" encoding="utf-8"?>
+<p:sld xmlns:a="http://schemas.openxmlformats.org/drawingml/2006/main" xmlns:r="http://schemas.openxmlformats.org/officeDocument/2006/relationships" xmlns:p="http://schemas.openxmlformats.org/presentationml/2006/main">
+  <p:cSld>
+    <p:spTree>
+      <p:nvGrpSpPr>
+        <p:cNvPr id="1" name=""/>
+        <p:cNvGrpSpPr/>
+        <p:nvPr/>
+      </p:nvGrpSpPr>
+      <p:grpSpPr>
+        <a:xfrm>
+          <a:off x="0" y="0"/>
+          <a:ext cx="0" cy="0"/>
+          <a:chOff x="0" y="0"/>
+          <a:chExt cx="0" cy="0"/>
+        </a:xfrm>
+      </p:grpSpPr>
+      <p:sp>
+        <p:nvSpPr>
+          <p:cNvPr id="2" name="Title 1"/>
+          <p:cNvSpPr>
+            <a:spLocks noGrp="1"/>
+          </p:cNvSpPr>
+          <p:nvPr>
+            <p:ph type="title"/>
+          </p:nvPr>
+        </p:nvSpPr>
+        <p:spPr/>
+        <p:txBody>
+          <a:bodyPr/>
+          <a:lstStyle/>
+          <a:p>
+            <a:r>
+              <a:rPr lang="en-GB" dirty="0" smtClean="0"/>
+              <a:t>Data Structures</a:t>
+            </a:r>
+            <a:endParaRPr lang="en-GB" dirty="0"/>
+          </a:p>
+        </p:txBody>
+      </p:sp>
+      <p:sp>
+        <p:nvSpPr>
+          <p:cNvPr id="4" name="TextBox 3"/>
+          <p:cNvSpPr txBox="1"/>
+          <p:nvPr/>
+        </p:nvSpPr>
+        <p:spPr>
+          <a:xfrm>
+            <a:off x="323528" y="1700808"/>
+            <a:ext cx="6262906" cy="4438526"/>
+          </a:xfrm>
+          <a:prstGeom prst="rect">
+            <a:avLst/>
+          </a:prstGeom>
+          <a:ln/>
+        </p:spPr>
+        <p:style>
+          <a:lnRef idx="2">
+            <a:schemeClr val="accent4"/>
+          </a:lnRef>
+          <a:fillRef idx="1">
+            <a:schemeClr val="lt1"/>
+          </a:fillRef>
+          <a:effectRef idx="0">
+            <a:schemeClr val="accent4"/>
+          </a:effectRef>
+          <a:fontRef idx="minor">
+            <a:schemeClr val="dk1"/>
+          </a:fontRef>
+        </p:style>
+        <p:txBody>
+          <a:bodyPr wrap="none" lIns="216000" tIns="140400" bIns="140400" rtlCol="0">
+            <a:spAutoFit/>
+          </a:bodyPr>
+          <a:lstStyle/>
+          <a:p>
+            <a:r>
+              <a:rPr lang="en-GB" dirty="0"/>
+              <a:t>$(function(){</a:t>
+            </a:r>
+          </a:p>
+          <a:p>
+            <a:r>
+              <a:rPr lang="en-GB" dirty="0"/>
+              <a:t>   </a:t>
+            </a:r>
+            <a:r>
+              <a:rPr lang="en-GB" dirty="0" err="1"/>
+              <a:t>var</a:t>
+            </a:r>
+            <a:r>
+              <a:rPr lang="en-GB" dirty="0"/>
+              <a:t> ca = {</a:t>
+            </a:r>
+          </a:p>
+          <a:p>
+            <a:r>
+              <a:rPr lang="en-GB" dirty="0"/>
+              <a:t>      </a:t>
+            </a:r>
+            <a:r>
+              <a:rPr lang="en-GB" dirty="0" err="1"/>
+              <a:t>cname</a:t>
+            </a:r>
+            <a:r>
+              <a:rPr lang="en-GB" dirty="0"/>
+              <a:t>:"A J CUMMING",</a:t>
+            </a:r>
+          </a:p>
+          <a:p>
+            <a:r>
+              <a:rPr lang="en-GB" dirty="0"/>
+              <a:t>      </a:t>
+            </a:r>
+            <a:r>
+              <a:rPr lang="en-GB" dirty="0" err="1"/>
+              <a:t>caddress</a:t>
+            </a:r>
+            <a:r>
+              <a:rPr lang="en-GB" dirty="0"/>
+              <a:t>:{</a:t>
+            </a:r>
+          </a:p>
+          <a:p>
+            <a:r>
+              <a:rPr lang="en-GB" dirty="0"/>
+              <a:t>         street:"10 </a:t>
+            </a:r>
+            <a:r>
+              <a:rPr lang="en-GB" dirty="0" err="1"/>
+              <a:t>Colinton</a:t>
+            </a:r>
+            <a:r>
+              <a:rPr lang="en-GB" dirty="0"/>
+              <a:t> Rd",</a:t>
+            </a:r>
+          </a:p>
+          <a:p>
+            <a:r>
+              <a:rPr lang="en-GB" dirty="0"/>
+              <a:t>         </a:t>
+            </a:r>
+            <a:r>
+              <a:rPr lang="en-GB" dirty="0" err="1"/>
+              <a:t>town:"Edinburgh</a:t>
+            </a:r>
+            <a:r>
+              <a:rPr lang="en-GB" dirty="0"/>
+              <a:t>",</a:t>
+            </a:r>
+          </a:p>
+          <a:p>
+            <a:r>
+              <a:rPr lang="en-GB" dirty="0"/>
+              <a:t>         post_code:"EH14 5DT"</a:t>
+            </a:r>
+          </a:p>
+          <a:p>
+            <a:r>
+              <a:rPr lang="en-GB" dirty="0"/>
+              <a:t>      },</a:t>
+            </a:r>
+          </a:p>
+          <a:p>
+            <a:r>
+              <a:rPr lang="en-GB" dirty="0"/>
+              <a:t>      transaction:[</a:t>
+            </a:r>
+          </a:p>
+          <a:p>
+            <a:r>
+              <a:rPr lang="en-GB" dirty="0"/>
+              <a:t>         {whn:"2014-01-11",nar:"Cash Withdrawal",</a:t>
+            </a:r>
+            <a:r>
+              <a:rPr lang="en-GB" dirty="0" err="1"/>
+              <a:t>amt</a:t>
+            </a:r>
+            <a:r>
+              <a:rPr lang="en-GB" dirty="0"/>
+              <a:t>:-100},</a:t>
+            </a:r>
+          </a:p>
+          <a:p>
+            <a:r>
+              <a:rPr lang="en-GB" dirty="0"/>
+              <a:t>         {whn:"2014-01-11",nar:"BUS FARE",</a:t>
+            </a:r>
+            <a:r>
+              <a:rPr lang="en-GB" dirty="0" err="1"/>
+              <a:t>amt</a:t>
+            </a:r>
+            <a:r>
+              <a:rPr lang="en-GB" dirty="0"/>
+              <a:t>:-35}</a:t>
+            </a:r>
+          </a:p>
+          <a:p>
+            <a:r>
+              <a:rPr lang="en-GB" dirty="0"/>
+              <a:t>      ]</a:t>
+            </a:r>
+          </a:p>
+          <a:p>
+            <a:r>
+              <a:rPr lang="en-GB" dirty="0"/>
+              <a:t>   };</a:t>
+            </a:r>
+          </a:p>
+          <a:p>
+            <a:r>
+              <a:rPr lang="en-GB" dirty="0"/>
+              <a:t>   alert(</a:t>
+            </a:r>
+            <a:r>
+              <a:rPr lang="en-GB" dirty="0" err="1"/>
+              <a:t>ca.transaction</a:t>
+            </a:r>
+            <a:r>
+              <a:rPr lang="en-GB" dirty="0"/>
+              <a:t>[1].</a:t>
+            </a:r>
+            <a:r>
+              <a:rPr lang="en-GB" dirty="0" err="1"/>
+              <a:t>nar</a:t>
+            </a:r>
+            <a:r>
+              <a:rPr lang="en-GB" dirty="0"/>
+              <a:t>);</a:t>
+            </a:r>
+          </a:p>
+          <a:p>
+            <a:r>
+              <a:rPr lang="en-GB" dirty="0"/>
+              <a:t>})</a:t>
+            </a:r>
+            <a:endParaRPr lang="en-GB" dirty="0" smtClean="0"/>
+          </a:p>
+        </p:txBody>
+      </p:sp>
+      <p:sp>
+        <p:nvSpPr>
+          <p:cNvPr id="5" name="TextBox 4"/>
+          <p:cNvSpPr txBox="1"/>
+          <p:nvPr/>
+        </p:nvSpPr>
+        <p:spPr>
+          <a:xfrm>
+            <a:off x="4860032" y="1484784"/>
+            <a:ext cx="4032448" cy="2499533"/>
+          </a:xfrm>
+          <a:prstGeom prst="rect">
+            <a:avLst/>
+          </a:prstGeom>
+          <a:ln/>
+        </p:spPr>
+        <p:style>
+          <a:lnRef idx="2">
+            <a:schemeClr val="accent4"/>
+          </a:lnRef>
+          <a:fillRef idx="1">
+            <a:schemeClr val="lt1"/>
+          </a:fillRef>
+          <a:effectRef idx="0">
+            <a:schemeClr val="accent4"/>
+          </a:effectRef>
+          <a:fontRef idx="minor">
+            <a:schemeClr val="dk1"/>
+          </a:fontRef>
+        </p:style>
+        <p:txBody>
+          <a:bodyPr wrap="square" lIns="216000" tIns="140400" bIns="140400" rtlCol="0">
+            <a:spAutoFit/>
+          </a:bodyPr>
+          <a:lstStyle/>
+          <a:p>
+            <a:r>
+              <a:rPr lang="en-GB" sz="2400" dirty="0" smtClean="0"/>
+              <a:t>What expression would give each of the following:</a:t>
+            </a:r>
+          </a:p>
+          <a:p>
+            <a:endParaRPr lang="en-GB" sz="2400" dirty="0"/>
+          </a:p>
+          <a:p>
+            <a:r>
+              <a:rPr lang="en-GB" sz="2400" dirty="0" smtClean="0"/>
+              <a:t>“Edinburgh”</a:t>
+            </a:r>
+          </a:p>
+          <a:p>
+            <a:r>
+              <a:rPr lang="en-GB" sz="2400" dirty="0" smtClean="0"/>
+              <a:t>-100</a:t>
+            </a:r>
+          </a:p>
+          <a:p>
+            <a:r>
+              <a:rPr lang="en-GB" sz="2400" dirty="0" smtClean="0"/>
+              <a:t>“EH14 5DT”</a:t>
+            </a:r>
+          </a:p>
+        </p:txBody>
+      </p:sp>
+      <p:sp>
+        <p:nvSpPr>
+          <p:cNvPr id="6" name="TextBox 5"/>
+          <p:cNvSpPr txBox="1"/>
+          <p:nvPr/>
+        </p:nvSpPr>
+        <p:spPr>
+          <a:xfrm>
+            <a:off x="4455191" y="5517232"/>
+            <a:ext cx="4262486" cy="1022206"/>
+          </a:xfrm>
+          <a:prstGeom prst="rect">
+            <a:avLst/>
+          </a:prstGeom>
+          <a:ln/>
+        </p:spPr>
+        <p:style>
+          <a:lnRef idx="2">
+            <a:schemeClr val="accent4"/>
+          </a:lnRef>
+          <a:fillRef idx="1">
+            <a:schemeClr val="lt1"/>
+          </a:fillRef>
+          <a:effectRef idx="0">
+            <a:schemeClr val="accent4"/>
+          </a:effectRef>
+          <a:fontRef idx="minor">
+            <a:schemeClr val="dk1"/>
+          </a:fontRef>
+        </p:style>
+        <p:txBody>
+          <a:bodyPr wrap="none" lIns="216000" tIns="140400" bIns="140400" rtlCol="0">
+            <a:spAutoFit/>
+          </a:bodyPr>
+          <a:lstStyle/>
+          <a:p>
+            <a:r>
+              <a:rPr lang="en-GB" sz="2400" b="1" dirty="0" err="1" smtClean="0"/>
+              <a:t>ca.transaction</a:t>
+            </a:r>
+            <a:r>
+              <a:rPr lang="en-GB" sz="2400" b="1" dirty="0" smtClean="0"/>
+              <a:t>[1].</a:t>
+            </a:r>
+            <a:r>
+              <a:rPr lang="en-GB" sz="2400" b="1" dirty="0" err="1" smtClean="0"/>
+              <a:t>nar</a:t>
+            </a:r>
+            <a:endParaRPr lang="en-GB" sz="2400" b="1" dirty="0" smtClean="0"/>
+          </a:p>
+          <a:p>
+            <a:r>
+              <a:rPr lang="en-GB" sz="2400" dirty="0" smtClean="0"/>
+              <a:t>This code gives “BUS FARE”</a:t>
+            </a:r>
+          </a:p>
+        </p:txBody>
+      </p:sp>
+    </p:spTree>
+    <p:extLst>
+      <p:ext uri="{BB962C8B-B14F-4D97-AF65-F5344CB8AC3E}">
+        <p14:creationId xmlns:p14="http://schemas.microsoft.com/office/powerpoint/2010/main" val="993664736"/>
+      </p:ext>
+    </p:extLst>
+  </p:cSld>
+  <p:clrMapOvr>
+    <a:masterClrMapping/>
+  </p:clrMapOvr>
+  <p:timing>
+    <p:tnLst>
+      <p:par>
+        <p:cTn id="1" dur="indefinite" restart="never" nodeType="tmRoot"/>
+      </p:par>
+    </p:tnLst>
+  </p:timing>
+</p:sld>
+</file>
+
+<file path=ppt/slides/slide23.xml><?xml version="1.0" encoding="utf-8"?>
+<p:sld xmlns:a="http://schemas.openxmlformats.org/drawingml/2006/main" xmlns:r="http://schemas.openxmlformats.org/officeDocument/2006/relationships" xmlns:p="http://schemas.openxmlformats.org/presentationml/2006/main">
+  <p:cSld>
+    <p:spTree>
+      <p:nvGrpSpPr>
+        <p:cNvPr id="1" name=""/>
+        <p:cNvGrpSpPr/>
+        <p:nvPr/>
+      </p:nvGrpSpPr>
+      <p:grpSpPr>
+        <a:xfrm>
+          <a:off x="0" y="0"/>
+          <a:ext cx="0" cy="0"/>
+          <a:chOff x="0" y="0"/>
+          <a:chExt cx="0" cy="0"/>
+        </a:xfrm>
+      </p:grpSpPr>
+      <p:sp>
+        <p:nvSpPr>
+          <p:cNvPr id="2" name="Title 1"/>
+          <p:cNvSpPr>
+            <a:spLocks noGrp="1"/>
+          </p:cNvSpPr>
+          <p:nvPr>
+            <p:ph type="title"/>
+          </p:nvPr>
+        </p:nvSpPr>
+        <p:spPr/>
+        <p:txBody>
+          <a:bodyPr/>
+          <a:lstStyle/>
+          <a:p>
+            <a:r>
+              <a:rPr lang="en-GB" dirty="0" smtClean="0"/>
+              <a:t>Data Structures used to create elements</a:t>
+            </a:r>
+            <a:endParaRPr lang="en-GB" dirty="0"/>
+          </a:p>
+        </p:txBody>
+      </p:sp>
+      <p:sp>
+        <p:nvSpPr>
+          <p:cNvPr id="3" name="Content Placeholder 2"/>
+          <p:cNvSpPr>
+            <a:spLocks noGrp="1"/>
+          </p:cNvSpPr>
+          <p:nvPr>
+            <p:ph idx="1"/>
+          </p:nvPr>
+        </p:nvSpPr>
+        <p:spPr/>
+        <p:txBody>
+          <a:bodyPr/>
+          <a:lstStyle/>
+          <a:p>
+            <a:r>
+              <a:rPr lang="en-GB" dirty="0" smtClean="0"/>
+              <a:t>We can set a whole load of properties when an element is created.</a:t>
+            </a:r>
+          </a:p>
+          <a:p>
+            <a:r>
+              <a:rPr lang="en-GB" dirty="0" smtClean="0"/>
+              <a:t> In this example we set the </a:t>
+            </a:r>
+            <a:r>
+              <a:rPr lang="en-GB" b="1" dirty="0" smtClean="0"/>
+              <a:t>text</a:t>
+            </a:r>
+            <a:r>
+              <a:rPr lang="en-GB" dirty="0" smtClean="0"/>
+              <a:t> property and the </a:t>
+            </a:r>
+            <a:r>
+              <a:rPr lang="en-GB" b="1" dirty="0" err="1" smtClean="0"/>
+              <a:t>css</a:t>
+            </a:r>
+            <a:r>
+              <a:rPr lang="en-GB" dirty="0" smtClean="0"/>
+              <a:t> property.</a:t>
+            </a:r>
+          </a:p>
+          <a:p>
+            <a:r>
+              <a:rPr lang="en-GB" dirty="0" smtClean="0"/>
+              <a:t>The </a:t>
+            </a:r>
+            <a:r>
+              <a:rPr lang="en-GB" b="1" dirty="0" err="1" smtClean="0"/>
+              <a:t>css</a:t>
+            </a:r>
+            <a:r>
+              <a:rPr lang="en-GB" dirty="0" smtClean="0"/>
+              <a:t> property is itself a complex object</a:t>
+            </a:r>
+            <a:endParaRPr lang="en-GB" dirty="0"/>
+          </a:p>
+        </p:txBody>
+      </p:sp>
+      <p:sp>
+        <p:nvSpPr>
+          <p:cNvPr id="4" name="TextBox 3"/>
+          <p:cNvSpPr txBox="1"/>
+          <p:nvPr/>
+        </p:nvSpPr>
+        <p:spPr>
+          <a:xfrm>
+            <a:off x="251520" y="4729946"/>
+            <a:ext cx="8767886" cy="652874"/>
+          </a:xfrm>
+          <a:prstGeom prst="rect">
+            <a:avLst/>
+          </a:prstGeom>
+          <a:ln/>
+        </p:spPr>
+        <p:style>
+          <a:lnRef idx="2">
+            <a:schemeClr val="accent4"/>
+          </a:lnRef>
+          <a:fillRef idx="1">
+            <a:schemeClr val="lt1"/>
+          </a:fillRef>
+          <a:effectRef idx="0">
+            <a:schemeClr val="accent4"/>
+          </a:effectRef>
+          <a:fontRef idx="minor">
+            <a:schemeClr val="dk1"/>
+          </a:fontRef>
+        </p:style>
+        <p:txBody>
+          <a:bodyPr wrap="none" lIns="216000" tIns="140400" bIns="140400" rtlCol="0">
+            <a:spAutoFit/>
+          </a:bodyPr>
+          <a:lstStyle/>
+          <a:p>
+            <a:r>
+              <a:rPr lang="en-GB" sz="2400" dirty="0" err="1"/>
+              <a:t>var</a:t>
+            </a:r>
+            <a:r>
+              <a:rPr lang="en-GB" sz="2400" dirty="0"/>
+              <a:t> d = $('&lt;div/&gt;',{text:'Hello',</a:t>
+            </a:r>
+            <a:r>
+              <a:rPr lang="en-GB" sz="2400" dirty="0" err="1"/>
+              <a:t>css</a:t>
+            </a:r>
+            <a:r>
+              <a:rPr lang="en-GB" sz="2400" dirty="0"/>
+              <a:t>:{</a:t>
+            </a:r>
+            <a:r>
+              <a:rPr lang="en-GB" sz="2400" dirty="0" err="1"/>
+              <a:t>color</a:t>
+            </a:r>
+            <a:r>
+              <a:rPr lang="en-GB" sz="2400" dirty="0"/>
+              <a:t>:'</a:t>
+            </a:r>
+            <a:r>
+              <a:rPr lang="en-GB" sz="2400" dirty="0" err="1"/>
+              <a:t>green',border:'solid</a:t>
+            </a:r>
+            <a:r>
+              <a:rPr lang="en-GB" sz="2400" dirty="0"/>
+              <a:t>'}});</a:t>
+            </a:r>
+            <a:endParaRPr lang="en-GB" sz="2400" dirty="0" smtClean="0"/>
+          </a:p>
+        </p:txBody>
+      </p:sp>
+    </p:spTree>
+    <p:extLst>
+      <p:ext uri="{BB962C8B-B14F-4D97-AF65-F5344CB8AC3E}">
+        <p14:creationId xmlns:p14="http://schemas.microsoft.com/office/powerpoint/2010/main" val="265601717"/>
+      </p:ext>
+    </p:extLst>
+  </p:cSld>
+  <p:clrMapOvr>
+    <a:masterClrMapping/>
+  </p:clrMapOvr>
+  <p:timing>
+    <p:tnLst>
+      <p:par>
+        <p:cTn id="1" dur="indefinite" restart="never" nodeType="tmRoot"/>
+      </p:par>
+    </p:tnLst>
+  </p:timing>
+</p:sld>
+</file>
+
+<file path=ppt/slides/slide24.xml><?xml version="1.0" encoding="utf-8"?>
+<p:sld xmlns:a="http://schemas.openxmlformats.org/drawingml/2006/main" xmlns:r="http://schemas.openxmlformats.org/officeDocument/2006/relationships" xmlns:p="http://schemas.openxmlformats.org/presentationml/2006/main">
+  <p:cSld>
+    <p:spTree>
+      <p:nvGrpSpPr>
+        <p:cNvPr id="1" name=""/>
+        <p:cNvGrpSpPr/>
+        <p:nvPr/>
+      </p:nvGrpSpPr>
+      <p:grpSpPr>
+        <a:xfrm>
+          <a:off x="0" y="0"/>
+          <a:ext cx="0" cy="0"/>
+          <a:chOff x="0" y="0"/>
+          <a:chExt cx="0" cy="0"/>
+        </a:xfrm>
+      </p:grpSpPr>
+      <p:sp>
+        <p:nvSpPr>
+          <p:cNvPr id="2" name="Title 1"/>
+          <p:cNvSpPr>
+            <a:spLocks noGrp="1"/>
+          </p:cNvSpPr>
+          <p:nvPr>
+            <p:ph type="title"/>
+          </p:nvPr>
+        </p:nvSpPr>
+        <p:spPr/>
+        <p:txBody>
+          <a:bodyPr/>
+          <a:lstStyle/>
+          <a:p>
+            <a:r>
+              <a:rPr lang="en-GB" dirty="0" smtClean="0"/>
+              <a:t>More to learn</a:t>
+            </a:r>
+            <a:endParaRPr lang="en-GB" dirty="0"/>
+          </a:p>
+        </p:txBody>
+      </p:sp>
+      <p:sp>
+        <p:nvSpPr>
+          <p:cNvPr id="3" name="Content Placeholder 2"/>
+          <p:cNvSpPr>
+            <a:spLocks noGrp="1"/>
+          </p:cNvSpPr>
+          <p:nvPr>
+            <p:ph idx="1"/>
+          </p:nvPr>
+        </p:nvSpPr>
+        <p:spPr/>
+        <p:txBody>
+          <a:bodyPr/>
+          <a:lstStyle/>
+          <a:p>
+            <a:r>
+              <a:rPr lang="en-GB" dirty="0" smtClean="0"/>
+              <a:t>You can navigate through the list</a:t>
+            </a:r>
+          </a:p>
+          <a:p>
+            <a:r>
+              <a:rPr lang="en-GB" dirty="0" smtClean="0"/>
+              <a:t>You can animate items</a:t>
+            </a:r>
+          </a:p>
+          <a:p>
+            <a:r>
+              <a:rPr lang="en-GB" dirty="0" smtClean="0"/>
+              <a:t>You can show, hide and toggle</a:t>
+            </a:r>
+          </a:p>
+          <a:p>
+            <a:r>
+              <a:rPr lang="en-GB" dirty="0" smtClean="0"/>
+              <a:t>You can apply functions to all items in the list</a:t>
+            </a:r>
+          </a:p>
+          <a:p>
+            <a:r>
+              <a:rPr lang="en-GB" dirty="0" smtClean="0"/>
+              <a:t>You can store data against elements and retrieve it.</a:t>
+            </a:r>
+          </a:p>
+          <a:p>
+            <a:r>
+              <a:rPr lang="en-GB" dirty="0" smtClean="0"/>
+              <a:t>You can use </a:t>
+            </a:r>
+            <a:r>
+              <a:rPr lang="en-GB" dirty="0" err="1" smtClean="0"/>
+              <a:t>ajax</a:t>
+            </a:r>
+            <a:r>
+              <a:rPr lang="en-GB" dirty="0" smtClean="0"/>
+              <a:t> functions</a:t>
+            </a:r>
+          </a:p>
+          <a:p>
+            <a:r>
+              <a:rPr lang="en-GB" dirty="0" smtClean="0"/>
+              <a:t>You can create other effects using add-ons</a:t>
+            </a:r>
+            <a:endParaRPr lang="en-GB" dirty="0"/>
+          </a:p>
+        </p:txBody>
+      </p:sp>
+    </p:spTree>
+  </p:cSld>
+  <p:clrMapOvr>
+    <a:masterClrMapping/>
+  </p:clrMapOvr>
+  <p:timing>
+    <p:tnLst>
+      <p:par>
+        <p:cTn id="1" dur="indefinite" restart="never" nodeType="tmRoot"/>
+      </p:par>
+    </p:tnLst>
+  </p:timing>
+</p:sld>
+</file>
+
+<file path=ppt/slides/slide25.xml><?xml version="1.0" encoding="utf-8"?>
+<p:sld xmlns:a="http://schemas.openxmlformats.org/drawingml/2006/main" xmlns:r="http://schemas.openxmlformats.org/officeDocument/2006/relationships" xmlns:p="http://schemas.openxmlformats.org/presentationml/2006/main">
+  <p:cSld>
+    <p:spTree>
+      <p:nvGrpSpPr>
+        <p:cNvPr id="1" name=""/>
+        <p:cNvGrpSpPr/>
+        <p:nvPr/>
+      </p:nvGrpSpPr>
+      <p:grpSpPr>
+        <a:xfrm>
+          <a:off x="0" y="0"/>
+          <a:ext cx="0" cy="0"/>
+          <a:chOff x="0" y="0"/>
+          <a:chExt cx="0" cy="0"/>
+        </a:xfrm>
+      </p:grpSpPr>
+      <p:sp>
+        <p:nvSpPr>
+          <p:cNvPr id="2" name="Title 1"/>
+          <p:cNvSpPr>
+            <a:spLocks noGrp="1"/>
+          </p:cNvSpPr>
+          <p:nvPr>
+            <p:ph type="title"/>
+          </p:nvPr>
+        </p:nvSpPr>
+        <p:spPr/>
+        <p:txBody>
+          <a:bodyPr/>
+          <a:lstStyle/>
+          <a:p>
+            <a:r>
+              <a:rPr lang="en-GB" dirty="0" smtClean="0"/>
+              <a:t>Summary</a:t>
+            </a:r>
+            <a:endParaRPr lang="en-GB" dirty="0"/>
+          </a:p>
+        </p:txBody>
+      </p:sp>
+      <p:sp>
+        <p:nvSpPr>
+          <p:cNvPr id="3" name="Content Placeholder 2"/>
+          <p:cNvSpPr>
+            <a:spLocks noGrp="1"/>
+          </p:cNvSpPr>
+          <p:nvPr>
+            <p:ph idx="1"/>
+          </p:nvPr>
+        </p:nvSpPr>
+        <p:spPr/>
+        <p:txBody>
+          <a:bodyPr/>
+          <a:lstStyle/>
+          <a:p>
+            <a:r>
+              <a:rPr lang="en-GB" dirty="0" err="1" smtClean="0"/>
+              <a:t>jQuery</a:t>
+            </a:r>
+            <a:r>
+              <a:rPr lang="en-GB" dirty="0" smtClean="0"/>
+              <a:t> – what and why</a:t>
+            </a:r>
+          </a:p>
+          <a:p>
+            <a:r>
+              <a:rPr lang="en-GB" dirty="0" smtClean="0"/>
+              <a:t>The ready function</a:t>
+            </a:r>
+          </a:p>
+          <a:p>
+            <a:r>
+              <a:rPr lang="en-GB" dirty="0" smtClean="0"/>
+              <a:t>Creating Content</a:t>
+            </a:r>
+          </a:p>
+          <a:p>
+            <a:r>
+              <a:rPr lang="en-GB" dirty="0" smtClean="0"/>
+              <a:t>Changing Elements</a:t>
+            </a:r>
+          </a:p>
+          <a:p>
+            <a:r>
+              <a:rPr lang="en-GB" dirty="0" smtClean="0"/>
+              <a:t>Applying CSS</a:t>
+            </a:r>
+          </a:p>
+          <a:p>
+            <a:r>
+              <a:rPr lang="en-GB" dirty="0" smtClean="0"/>
+              <a:t>Applying functions</a:t>
+            </a:r>
+          </a:p>
+          <a:p>
+            <a:r>
+              <a:rPr lang="en-GB" dirty="0" smtClean="0"/>
+              <a:t>Lists of useful JavaScript and </a:t>
+            </a:r>
+            <a:r>
+              <a:rPr lang="en-GB" dirty="0" err="1" smtClean="0"/>
+              <a:t>jQuery</a:t>
+            </a:r>
+            <a:r>
+              <a:rPr lang="en-GB" dirty="0" smtClean="0"/>
+              <a:t> functions</a:t>
+            </a:r>
+          </a:p>
+          <a:p>
+            <a:r>
+              <a:rPr lang="en-GB" dirty="0" smtClean="0"/>
+              <a:t>Arrays and Objects in JavaScript</a:t>
+            </a:r>
+          </a:p>
+          <a:p>
+            <a:r>
+              <a:rPr lang="en-GB" dirty="0" smtClean="0"/>
+              <a:t>Tutorial material at http://</a:t>
+            </a:r>
+            <a:r>
+              <a:rPr lang="en-GB" dirty="0" err="1" smtClean="0"/>
+              <a:t>progzoo.net</a:t>
+            </a:r>
+            <a:r>
+              <a:rPr lang="en-GB" dirty="0" smtClean="0"/>
+              <a:t>/</a:t>
+            </a:r>
+            <a:r>
+              <a:rPr lang="en-GB" smtClean="0"/>
+              <a:t>ew</a:t>
+            </a:r>
+          </a:p>
+        </p:txBody>
+      </p:sp>
+    </p:spTree>
+  </p:cSld>
+  <p:clrMapOvr>
+    <a:masterClrMapping/>
+  </p:clrMapOvr>
+  <p:timing>
+    <p:tnLst>
+      <p:par>
+        <p:cTn id="1" dur="indefinite" restart="never" nodeType="tmRoot"/>
+      </p:par>
+    </p:tnLst>
+  </p:timing>
+</p:sld>
+</file>
+
+<file path=ppt/slides/slide3.xml><?xml version="1.0" encoding="utf-8"?>
+<p:sld xmlns:a="http://schemas.openxmlformats.org/drawingml/2006/main" xmlns:r="http://schemas.openxmlformats.org/officeDocument/2006/relationships" xmlns:p="http://schemas.openxmlformats.org/presentationml/2006/main">
+  <p:cSld>
+    <p:spTree>
+      <p:nvGrpSpPr>
+        <p:cNvPr id="1" name=""/>
+        <p:cNvGrpSpPr/>
+        <p:nvPr/>
+      </p:nvGrpSpPr>
+      <p:grpSpPr>
+        <a:xfrm>
+          <a:off x="0" y="0"/>
+          <a:ext cx="0" cy="0"/>
+          <a:chOff x="0" y="0"/>
+          <a:chExt cx="0" cy="0"/>
+        </a:xfrm>
+      </p:grpSpPr>
+      <p:sp>
+        <p:nvSpPr>
+          <p:cNvPr id="4" name="Title 3"/>
+          <p:cNvSpPr>
+            <a:spLocks noGrp="1"/>
+          </p:cNvSpPr>
+          <p:nvPr>
+            <p:ph type="title"/>
+          </p:nvPr>
+        </p:nvSpPr>
+        <p:spPr/>
+        <p:txBody>
+          <a:bodyPr/>
+          <a:lstStyle/>
+          <a:p>
+            <a:r>
+              <a:rPr lang="en-GB" dirty="0" err="1" smtClean="0"/>
+              <a:t>jQuery</a:t>
+            </a:r>
+            <a:r>
+              <a:rPr lang="en-GB" dirty="0" smtClean="0"/>
+              <a:t> – What and Why</a:t>
+            </a:r>
+            <a:endParaRPr lang="en-GB" dirty="0"/>
+          </a:p>
+        </p:txBody>
+      </p:sp>
+      <p:sp>
+        <p:nvSpPr>
+          <p:cNvPr id="4099" name="Rectangle 3"/>
+          <p:cNvSpPr>
+            <a:spLocks noGrp="1" noChangeArrowheads="1"/>
+          </p:cNvSpPr>
+          <p:nvPr>
+            <p:ph idx="1"/>
+          </p:nvPr>
+        </p:nvSpPr>
+        <p:spPr/>
+        <p:txBody>
+          <a:bodyPr>
+            <a:normAutofit fontScale="92500" lnSpcReduction="10000"/>
+          </a:bodyPr>
+          <a:lstStyle/>
+          <a:p>
+            <a:r>
+              <a:rPr lang="en-GB" sz="4000" dirty="0" smtClean="0"/>
+              <a:t>Write less, do more</a:t>
+            </a:r>
+          </a:p>
+          <a:p>
+            <a:r>
+              <a:rPr lang="en-GB" sz="4000" dirty="0" err="1" smtClean="0"/>
+              <a:t>jQuery</a:t>
+            </a:r>
+            <a:r>
+              <a:rPr lang="en-GB" sz="4000" dirty="0" smtClean="0"/>
+              <a:t> is a JavaScript library</a:t>
+            </a:r>
+          </a:p>
+          <a:p>
+            <a:r>
+              <a:rPr lang="en-GB" sz="4000" dirty="0" smtClean="0"/>
+              <a:t>It makes writing JavaScript easier</a:t>
+            </a:r>
+          </a:p>
+          <a:p>
+            <a:r>
+              <a:rPr lang="en-GB" sz="4000" dirty="0" smtClean="0"/>
+              <a:t>It smooth out some browser incompatibilities</a:t>
+            </a:r>
+          </a:p>
+          <a:p>
+            <a:r>
+              <a:rPr lang="en-GB" sz="4000" dirty="0" smtClean="0"/>
+              <a:t>It is one of the most successful libraries</a:t>
+            </a:r>
+          </a:p>
+        </p:txBody>
+      </p:sp>
+    </p:spTree>
+  </p:cSld>
+  <p:clrMapOvr>
+    <a:masterClrMapping/>
+  </p:clrMapOvr>
+  <p:timing>
+    <p:tnLst>
+      <p:par>
+        <p:cTn id="1" dur="indefinite" restart="never" nodeType="tmRoot"/>
+      </p:par>
+    </p:tnLst>
+  </p:timing>
+</p:sld>
+</file>
+
+<file path=ppt/slides/slide4.xml><?xml version="1.0" encoding="utf-8"?>
+<p:sld xmlns:a="http://schemas.openxmlformats.org/drawingml/2006/main" xmlns:r="http://schemas.openxmlformats.org/officeDocument/2006/relationships" xmlns:p="http://schemas.openxmlformats.org/presentationml/2006/main">
+  <p:cSld>
+    <p:spTree>
+      <p:nvGrpSpPr>
+        <p:cNvPr id="1" name=""/>
+        <p:cNvGrpSpPr/>
+        <p:nvPr/>
+      </p:nvGrpSpPr>
+      <p:grpSpPr>
+        <a:xfrm>
+          <a:off x="0" y="0"/>
+          <a:ext cx="0" cy="0"/>
+          <a:chOff x="0" y="0"/>
+          <a:chExt cx="0" cy="0"/>
+        </a:xfrm>
+      </p:grpSpPr>
+      <p:sp>
+        <p:nvSpPr>
+          <p:cNvPr id="2" name="Title 1"/>
+          <p:cNvSpPr>
+            <a:spLocks noGrp="1"/>
+          </p:cNvSpPr>
+          <p:nvPr>
+            <p:ph type="title"/>
+          </p:nvPr>
+        </p:nvSpPr>
+        <p:spPr/>
+        <p:txBody>
+          <a:bodyPr/>
+          <a:lstStyle/>
+          <a:p>
+            <a:r>
+              <a:rPr lang="en-GB" dirty="0" smtClean="0"/>
+              <a:t>JavaScript is unavoidable</a:t>
+            </a:r>
+            <a:endParaRPr lang="en-GB" dirty="0"/>
+          </a:p>
+        </p:txBody>
+      </p:sp>
+      <p:sp>
+        <p:nvSpPr>
+          <p:cNvPr id="3" name="Content Placeholder 2"/>
+          <p:cNvSpPr>
+            <a:spLocks noGrp="1"/>
+          </p:cNvSpPr>
+          <p:nvPr>
+            <p:ph idx="1"/>
+          </p:nvPr>
+        </p:nvSpPr>
+        <p:spPr/>
+        <p:txBody>
+          <a:bodyPr/>
+          <a:lstStyle/>
+          <a:p>
+            <a:r>
+              <a:rPr lang="en-GB" dirty="0" smtClean="0"/>
+              <a:t>HTML and CSS and JavaScript (ECMA Script) are built into the browsers and built into the W3C specifications. They cannot be avoided.</a:t>
+            </a:r>
+          </a:p>
+          <a:p>
+            <a:r>
+              <a:rPr lang="en-GB" dirty="0" smtClean="0"/>
+              <a:t>Unfortunately JavaScript has been implemented rather differently in different browsers.</a:t>
+            </a:r>
+          </a:p>
+          <a:p>
+            <a:r>
+              <a:rPr lang="en-GB" dirty="0" smtClean="0"/>
+              <a:t>The programmer has to write different code for each browser (IE6, IE8, Firefox, Opera etc.)</a:t>
+            </a:r>
+          </a:p>
+          <a:p>
+            <a:r>
+              <a:rPr lang="en-GB" dirty="0" smtClean="0"/>
+              <a:t>The </a:t>
+            </a:r>
+            <a:r>
+              <a:rPr lang="en-GB" dirty="0" err="1" smtClean="0"/>
+              <a:t>jQuery</a:t>
+            </a:r>
+            <a:r>
+              <a:rPr lang="en-GB" dirty="0" smtClean="0"/>
+              <a:t> library takes care of these differences.</a:t>
+            </a:r>
+          </a:p>
+          <a:p>
+            <a:r>
+              <a:rPr lang="en-GB" dirty="0" err="1" smtClean="0"/>
+              <a:t>jQuery</a:t>
+            </a:r>
+            <a:r>
+              <a:rPr lang="en-GB" dirty="0" smtClean="0"/>
+              <a:t> will be compatible with new browsers (probably)</a:t>
+            </a:r>
+            <a:endParaRPr lang="en-GB" dirty="0"/>
+          </a:p>
+        </p:txBody>
+      </p:sp>
+    </p:spTree>
+  </p:cSld>
+  <p:clrMapOvr>
+    <a:masterClrMapping/>
+  </p:clrMapOvr>
+  <p:timing>
+    <p:tnLst>
+      <p:par>
+        <p:cTn id="1" dur="indefinite" restart="never" nodeType="tmRoot"/>
+      </p:par>
+    </p:tnLst>
+  </p:timing>
+</p:sld>
+</file>
+
+<file path=ppt/slides/slide5.xml><?xml version="1.0" encoding="utf-8"?>
+<p:sld xmlns:a="http://schemas.openxmlformats.org/drawingml/2006/main" xmlns:r="http://schemas.openxmlformats.org/officeDocument/2006/relationships" xmlns:p="http://schemas.openxmlformats.org/presentationml/2006/main">
+  <p:cSld>
+    <p:spTree>
+      <p:nvGrpSpPr>
+        <p:cNvPr id="1" name=""/>
+        <p:cNvGrpSpPr/>
+        <p:nvPr/>
+      </p:nvGrpSpPr>
+      <p:grpSpPr>
+        <a:xfrm>
+          <a:off x="0" y="0"/>
+          <a:ext cx="0" cy="0"/>
+          <a:chOff x="0" y="0"/>
+          <a:chExt cx="0" cy="0"/>
+        </a:xfrm>
+      </p:grpSpPr>
+      <p:sp>
+        <p:nvSpPr>
+          <p:cNvPr id="2" name="Title 1"/>
+          <p:cNvSpPr>
+            <a:spLocks noGrp="1"/>
+          </p:cNvSpPr>
+          <p:nvPr>
+            <p:ph type="title"/>
+          </p:nvPr>
+        </p:nvSpPr>
+        <p:spPr/>
+        <p:txBody>
+          <a:bodyPr/>
+          <a:lstStyle/>
+          <a:p>
+            <a:r>
+              <a:rPr lang="en-GB" dirty="0" err="1" smtClean="0"/>
+              <a:t>jQuery</a:t>
+            </a:r>
+            <a:r>
+              <a:rPr lang="en-GB" dirty="0" smtClean="0"/>
+              <a:t> adds functionality</a:t>
+            </a:r>
+            <a:endParaRPr lang="en-GB" dirty="0"/>
+          </a:p>
+        </p:txBody>
+      </p:sp>
+      <p:sp>
+        <p:nvSpPr>
+          <p:cNvPr id="3" name="Content Placeholder 2"/>
+          <p:cNvSpPr>
+            <a:spLocks noGrp="1"/>
+          </p:cNvSpPr>
+          <p:nvPr>
+            <p:ph idx="1"/>
+          </p:nvPr>
+        </p:nvSpPr>
+        <p:spPr/>
+        <p:txBody>
+          <a:bodyPr/>
+          <a:lstStyle/>
+          <a:p>
+            <a:r>
+              <a:rPr lang="en-GB" dirty="0" err="1" smtClean="0"/>
+              <a:t>jQuery</a:t>
+            </a:r>
+            <a:r>
+              <a:rPr lang="en-GB" dirty="0" smtClean="0"/>
+              <a:t> provides additional functions.</a:t>
+            </a:r>
+          </a:p>
+          <a:p>
+            <a:r>
+              <a:rPr lang="en-GB" dirty="0" smtClean="0"/>
+              <a:t>It provides the programmer with a large number of easy to use methods.</a:t>
+            </a:r>
+          </a:p>
+          <a:p>
+            <a:r>
+              <a:rPr lang="en-GB" dirty="0" smtClean="0"/>
+              <a:t>It allows you to write complex scripts in just a few lines.</a:t>
+            </a:r>
+          </a:p>
+          <a:p>
+            <a:r>
+              <a:rPr lang="en-GB" dirty="0" smtClean="0"/>
+              <a:t>It demands an unusual style of programming.</a:t>
+            </a:r>
+            <a:endParaRPr lang="en-GB" dirty="0"/>
+          </a:p>
+        </p:txBody>
+      </p:sp>
+    </p:spTree>
+  </p:cSld>
+  <p:clrMapOvr>
+    <a:masterClrMapping/>
+  </p:clrMapOvr>
+  <p:timing>
+    <p:tnLst>
+      <p:par>
+        <p:cTn id="1" dur="indefinite" restart="never" nodeType="tmRoot"/>
+      </p:par>
+    </p:tnLst>
+  </p:timing>
+</p:sld>
+</file>
+
+<file path=ppt/slides/slide6.xml><?xml version="1.0" encoding="utf-8"?>
+<p:sld xmlns:a="http://schemas.openxmlformats.org/drawingml/2006/main" xmlns:r="http://schemas.openxmlformats.org/officeDocument/2006/relationships" xmlns:p="http://schemas.openxmlformats.org/presentationml/2006/main">
+  <p:cSld>
+    <p:spTree>
+      <p:nvGrpSpPr>
+        <p:cNvPr id="1" name=""/>
+        <p:cNvGrpSpPr/>
+        <p:nvPr/>
+      </p:nvGrpSpPr>
+      <p:grpSpPr>
+        <a:xfrm>
+          <a:off x="0" y="0"/>
+          <a:ext cx="0" cy="0"/>
+          <a:chOff x="0" y="0"/>
+          <a:chExt cx="0" cy="0"/>
+        </a:xfrm>
+      </p:grpSpPr>
+      <p:sp>
+        <p:nvSpPr>
+          <p:cNvPr id="2" name="Title 1"/>
+          <p:cNvSpPr>
+            <a:spLocks noGrp="1"/>
+          </p:cNvSpPr>
+          <p:nvPr>
+            <p:ph type="title"/>
+          </p:nvPr>
+        </p:nvSpPr>
+        <p:spPr/>
+        <p:txBody>
+          <a:bodyPr/>
+          <a:lstStyle/>
+          <a:p>
+            <a:r>
+              <a:rPr lang="en-US" dirty="0" smtClean="0"/>
+              <a:t>Preliminaries</a:t>
+            </a:r>
+            <a:endParaRPr lang="en-US" dirty="0"/>
+          </a:p>
+        </p:txBody>
+      </p:sp>
+      <p:sp>
+        <p:nvSpPr>
+          <p:cNvPr id="3" name="Content Placeholder 2"/>
+          <p:cNvSpPr>
+            <a:spLocks noGrp="1"/>
+          </p:cNvSpPr>
+          <p:nvPr>
+            <p:ph idx="1"/>
+          </p:nvPr>
+        </p:nvSpPr>
+        <p:spPr/>
+        <p:txBody>
+          <a:bodyPr/>
+          <a:lstStyle/>
+          <a:p>
+            <a:pPr marL="0" indent="0">
+              <a:buNone/>
+            </a:pPr>
+            <a:r>
+              <a:rPr lang="en-GB" sz="2000" dirty="0" smtClean="0"/>
+              <a:t>&lt;script </a:t>
+            </a:r>
+          </a:p>
+          <a:p>
+            <a:pPr marL="0" indent="0">
+              <a:buNone/>
+            </a:pPr>
+            <a:r>
+              <a:rPr lang="en-GB" sz="2000" dirty="0" smtClean="0"/>
+              <a:t>  </a:t>
+            </a:r>
+            <a:r>
+              <a:rPr lang="en-GB" sz="2000" dirty="0" err="1" smtClean="0"/>
+              <a:t>src</a:t>
+            </a:r>
+            <a:r>
+              <a:rPr lang="en-GB" sz="2000" dirty="0" smtClean="0"/>
+              <a:t>="</a:t>
+            </a:r>
+            <a:r>
+              <a:rPr lang="en-US" sz="2000" dirty="0"/>
+              <a:t>https://</a:t>
+            </a:r>
+            <a:r>
+              <a:rPr lang="en-US" sz="2000" dirty="0" err="1"/>
+              <a:t>code.jquery.com</a:t>
+            </a:r>
+            <a:r>
+              <a:rPr lang="en-US" sz="2000" dirty="0"/>
+              <a:t>/</a:t>
+            </a:r>
+            <a:r>
+              <a:rPr lang="en-US" sz="2000" dirty="0" err="1"/>
+              <a:t>jquery.min.js</a:t>
+            </a:r>
+            <a:r>
+              <a:rPr lang="en-GB" sz="2000" dirty="0" smtClean="0"/>
+              <a:t>"&gt;</a:t>
+            </a:r>
+          </a:p>
+          <a:p>
+            <a:pPr marL="0" indent="0">
+              <a:buNone/>
+            </a:pPr>
+            <a:r>
+              <a:rPr lang="en-GB" sz="2000" dirty="0" smtClean="0"/>
+              <a:t>&lt;/script&gt;</a:t>
+            </a:r>
+          </a:p>
+          <a:p>
+            <a:pPr marL="0" indent="0">
+              <a:buNone/>
+            </a:pPr>
+            <a:r>
+              <a:rPr lang="en-US" sz="1800" dirty="0" smtClean="0"/>
+              <a:t>You can download the library from </a:t>
+            </a:r>
+            <a:r>
+              <a:rPr lang="en-US" sz="1800" dirty="0" err="1" smtClean="0"/>
+              <a:t>google</a:t>
+            </a:r>
+            <a:r>
+              <a:rPr lang="en-US" sz="1800" dirty="0" smtClean="0"/>
+              <a:t>.</a:t>
+            </a:r>
+          </a:p>
+          <a:p>
+            <a:r>
+              <a:rPr lang="en-US" sz="1800" dirty="0" smtClean="0"/>
+              <a:t>This means it may be your user’s cache.</a:t>
+            </a:r>
+          </a:p>
+          <a:p>
+            <a:pPr>
+              <a:buNone/>
+            </a:pPr>
+            <a:r>
+              <a:rPr lang="en-US" sz="3200" dirty="0" smtClean="0"/>
+              <a:t> $(function(){alert(42)})</a:t>
+            </a:r>
+          </a:p>
+          <a:p>
+            <a:r>
+              <a:rPr lang="en-US" sz="1800" dirty="0" smtClean="0"/>
+              <a:t>This is the </a:t>
+            </a:r>
+            <a:r>
+              <a:rPr lang="en-US" sz="1800" b="1" dirty="0" smtClean="0"/>
+              <a:t>ready</a:t>
+            </a:r>
+            <a:r>
+              <a:rPr lang="en-US" sz="1800" dirty="0" smtClean="0"/>
+              <a:t> function.</a:t>
+            </a:r>
+          </a:p>
+          <a:p>
+            <a:r>
+              <a:rPr lang="en-US" sz="1800" b="1" dirty="0" smtClean="0"/>
+              <a:t>$</a:t>
+            </a:r>
+            <a:r>
+              <a:rPr lang="en-US" sz="1800" dirty="0" smtClean="0"/>
+              <a:t> takes a function as a parameter.</a:t>
+            </a:r>
+          </a:p>
+          <a:p>
+            <a:r>
+              <a:rPr lang="en-US" sz="1800" dirty="0" smtClean="0"/>
+              <a:t>The function is executed when the page has loaded.</a:t>
+            </a:r>
+          </a:p>
+          <a:p>
+            <a:r>
+              <a:rPr lang="en-US" sz="1800" dirty="0" smtClean="0"/>
+              <a:t>This is a useful time to set up the page</a:t>
+            </a:r>
+            <a:endParaRPr lang="en-US" sz="1800" dirty="0"/>
+          </a:p>
+        </p:txBody>
+      </p:sp>
+    </p:spTree>
+  </p:cSld>
+  <p:clrMapOvr>
+    <a:masterClrMapping/>
+  </p:clrMapOvr>
+  <p:timing>
+    <p:tnLst>
+      <p:par>
+        <p:cTn id="1" dur="indefinite" restart="never" nodeType="tmRoot"/>
+      </p:par>
+    </p:tnLst>
+  </p:timing>
+</p:sld>
+</file>
+
+<file path=ppt/slides/slide7.xml><?xml version="1.0" encoding="utf-8"?>
+<p:sld xmlns:a="http://schemas.openxmlformats.org/drawingml/2006/main" xmlns:r="http://schemas.openxmlformats.org/officeDocument/2006/relationships" xmlns:p="http://schemas.openxmlformats.org/presentationml/2006/main">
+  <p:cSld>
+    <p:spTree>
+      <p:nvGrpSpPr>
+        <p:cNvPr id="1" name=""/>
+        <p:cNvGrpSpPr/>
+        <p:nvPr/>
+      </p:nvGrpSpPr>
+      <p:grpSpPr>
+        <a:xfrm>
+          <a:off x="0" y="0"/>
+          <a:ext cx="0" cy="0"/>
+          <a:chOff x="0" y="0"/>
+          <a:chExt cx="0" cy="0"/>
+        </a:xfrm>
+      </p:grpSpPr>
+      <p:sp>
+        <p:nvSpPr>
+          <p:cNvPr id="2" name="Title 1"/>
+          <p:cNvSpPr>
+            <a:spLocks noGrp="1"/>
+          </p:cNvSpPr>
+          <p:nvPr>
+            <p:ph type="title"/>
+          </p:nvPr>
+        </p:nvSpPr>
+        <p:spPr/>
+        <p:txBody>
+          <a:bodyPr/>
+          <a:lstStyle/>
+          <a:p>
+            <a:r>
+              <a:rPr lang="en-US" dirty="0" smtClean="0"/>
+              <a:t>Example</a:t>
+            </a:r>
+            <a:endParaRPr lang="en-US" dirty="0"/>
+          </a:p>
+        </p:txBody>
+      </p:sp>
+      <p:sp>
+        <p:nvSpPr>
+          <p:cNvPr id="4" name="TextBox 3"/>
+          <p:cNvSpPr txBox="1"/>
+          <p:nvPr/>
+        </p:nvSpPr>
+        <p:spPr>
+          <a:xfrm>
+            <a:off x="395536" y="1844824"/>
+            <a:ext cx="7924800" cy="2585323"/>
+          </a:xfrm>
+          <a:prstGeom prst="rect">
+            <a:avLst/>
+          </a:prstGeom>
+          <a:ln w="12700" cap="flat" cmpd="sng" algn="ctr">
+            <a:solidFill>
+              <a:schemeClr val="tx1"/>
+            </a:solidFill>
+            <a:prstDash val="solid"/>
+            <a:round/>
+            <a:headEnd type="none" w="med" len="med"/>
+            <a:tailEnd type="none" w="med" len="med"/>
+          </a:ln>
+        </p:spPr>
+        <p:style>
+          <a:lnRef idx="1">
+            <a:schemeClr val="accent3"/>
+          </a:lnRef>
+          <a:fillRef idx="2">
+            <a:schemeClr val="accent3"/>
+          </a:fillRef>
+          <a:effectRef idx="1">
+            <a:schemeClr val="accent3"/>
+          </a:effectRef>
+          <a:fontRef idx="minor">
+            <a:schemeClr val="dk1"/>
+          </a:fontRef>
+        </p:style>
+        <p:txBody>
+          <a:bodyPr wrap="square" rtlCol="0">
+            <a:spAutoFit/>
+          </a:bodyPr>
+          <a:lstStyle/>
+          <a:p>
+            <a:r>
+              <a:rPr lang="en-US" dirty="0" smtClean="0"/>
+              <a:t>&lt;!</a:t>
+            </a:r>
+            <a:r>
+              <a:rPr lang="en-US" dirty="0" err="1" smtClean="0"/>
+              <a:t>doctype</a:t>
+            </a:r>
+            <a:r>
+              <a:rPr lang="en-US" dirty="0" smtClean="0"/>
+              <a:t> html&gt;</a:t>
+            </a:r>
+          </a:p>
+          <a:p>
+            <a:r>
+              <a:rPr lang="en-US" dirty="0" smtClean="0"/>
+              <a:t>&lt;html&gt;</a:t>
+            </a:r>
+          </a:p>
+          <a:p>
+            <a:r>
+              <a:rPr lang="en-US" dirty="0" smtClean="0"/>
+              <a:t>&lt;head&gt;&lt;title&gt;Timetables&lt;/title&gt;</a:t>
+            </a:r>
+          </a:p>
+          <a:p>
+            <a:r>
+              <a:rPr lang="en-US" dirty="0" smtClean="0"/>
+              <a:t>&lt;script </a:t>
+            </a:r>
+            <a:r>
+              <a:rPr lang="en-US" dirty="0" err="1" smtClean="0"/>
+              <a:t>src</a:t>
+            </a:r>
+            <a:r>
+              <a:rPr lang="en-US" dirty="0" smtClean="0"/>
+              <a:t>=</a:t>
+            </a:r>
+            <a:r>
+              <a:rPr lang="en-US" dirty="0"/>
+              <a:t>'https://</a:t>
+            </a:r>
+            <a:r>
+              <a:rPr lang="en-US" dirty="0" smtClean="0"/>
+              <a:t>code.jquery.com/jquery.min.js</a:t>
+            </a:r>
+            <a:r>
+              <a:rPr lang="en-US" dirty="0"/>
+              <a:t>'&gt; </a:t>
+            </a:r>
+            <a:r>
+              <a:rPr lang="en-US" dirty="0" smtClean="0"/>
+              <a:t>&lt;/script&gt;</a:t>
+            </a:r>
+          </a:p>
+          <a:p>
+            <a:r>
+              <a:rPr lang="en-US" dirty="0" smtClean="0"/>
+              <a:t>&lt;script </a:t>
+            </a:r>
+            <a:r>
+              <a:rPr lang="en-US" dirty="0" err="1" smtClean="0"/>
+              <a:t>src</a:t>
+            </a:r>
+            <a:r>
+              <a:rPr lang="en-US" dirty="0" smtClean="0"/>
+              <a:t>='</a:t>
+            </a:r>
+            <a:r>
+              <a:rPr lang="en-US" dirty="0" err="1" smtClean="0"/>
+              <a:t>hello.js</a:t>
+            </a:r>
+            <a:r>
+              <a:rPr lang="en-US" dirty="0" smtClean="0"/>
+              <a:t>'&gt;&lt;/script&gt;</a:t>
+            </a:r>
+          </a:p>
+          <a:p>
+            <a:r>
+              <a:rPr lang="en-US" dirty="0" smtClean="0"/>
+              <a:t>&lt;/head&gt;</a:t>
+            </a:r>
+          </a:p>
+          <a:p>
+            <a:r>
+              <a:rPr lang="en-US" dirty="0" smtClean="0"/>
+              <a:t>&lt;body&gt;</a:t>
+            </a:r>
+          </a:p>
+          <a:p>
+            <a:r>
+              <a:rPr lang="en-US" dirty="0" smtClean="0"/>
+              <a:t>&lt;div id='container'&gt;</a:t>
+            </a:r>
+          </a:p>
+          <a:p>
+            <a:r>
+              <a:rPr lang="en-US" dirty="0" smtClean="0"/>
+              <a:t>…</a:t>
+            </a:r>
+          </a:p>
+        </p:txBody>
+      </p:sp>
+      <p:sp>
+        <p:nvSpPr>
+          <p:cNvPr id="5" name="TextBox 4"/>
+          <p:cNvSpPr txBox="1"/>
+          <p:nvPr/>
+        </p:nvSpPr>
+        <p:spPr>
+          <a:xfrm>
+            <a:off x="3581400" y="4419600"/>
+            <a:ext cx="4419600" cy="1938992"/>
+          </a:xfrm>
+          <a:prstGeom prst="rect">
+            <a:avLst/>
+          </a:prstGeom>
+          <a:ln w="12700" cap="flat" cmpd="sng" algn="ctr">
+            <a:solidFill>
+              <a:schemeClr val="tx1"/>
+            </a:solidFill>
+            <a:prstDash val="solid"/>
+            <a:round/>
+            <a:headEnd type="none" w="med" len="med"/>
+            <a:tailEnd type="none" w="med" len="med"/>
+          </a:ln>
+        </p:spPr>
+        <p:style>
+          <a:lnRef idx="1">
+            <a:schemeClr val="accent3"/>
+          </a:lnRef>
+          <a:fillRef idx="2">
+            <a:schemeClr val="accent3"/>
+          </a:fillRef>
+          <a:effectRef idx="1">
+            <a:schemeClr val="accent3"/>
+          </a:effectRef>
+          <a:fontRef idx="minor">
+            <a:schemeClr val="dk1"/>
+          </a:fontRef>
+        </p:style>
+        <p:txBody>
+          <a:bodyPr wrap="square" rtlCol="0">
+            <a:spAutoFit/>
+          </a:bodyPr>
+          <a:lstStyle/>
+          <a:p>
+            <a:r>
+              <a:rPr lang="en-US" sz="2400" dirty="0" smtClean="0"/>
+              <a:t>// </a:t>
+            </a:r>
+            <a:r>
+              <a:rPr lang="en-US" sz="2400" dirty="0" err="1" smtClean="0"/>
+              <a:t>hello.js</a:t>
+            </a:r>
+            <a:endParaRPr lang="en-US" sz="2400" dirty="0" smtClean="0"/>
+          </a:p>
+          <a:p>
+            <a:r>
+              <a:rPr lang="en-US" sz="2400" dirty="0" smtClean="0"/>
+              <a:t>$(function(){</a:t>
+            </a:r>
+          </a:p>
+          <a:p>
+            <a:r>
+              <a:rPr lang="en-US" sz="2400" dirty="0" smtClean="0"/>
+              <a:t>  </a:t>
+            </a:r>
+            <a:r>
+              <a:rPr lang="en-US" sz="2400" dirty="0" err="1" smtClean="0"/>
+              <a:t>alert("Hello</a:t>
+            </a:r>
+            <a:r>
+              <a:rPr lang="en-US" sz="2400" dirty="0" smtClean="0"/>
+              <a:t> world");</a:t>
+            </a:r>
+          </a:p>
+          <a:p>
+            <a:r>
+              <a:rPr lang="en-US" sz="2400" dirty="0" smtClean="0"/>
+              <a:t>});</a:t>
+            </a:r>
+          </a:p>
+          <a:p>
+            <a:endParaRPr lang="en-US" sz="2400" dirty="0"/>
+          </a:p>
+        </p:txBody>
+      </p:sp>
+      <p:sp>
+        <p:nvSpPr>
+          <p:cNvPr id="6" name="TextBox 5"/>
+          <p:cNvSpPr txBox="1"/>
+          <p:nvPr/>
+        </p:nvSpPr>
+        <p:spPr>
+          <a:xfrm>
+            <a:off x="2051720" y="1556792"/>
+            <a:ext cx="3600400" cy="369332"/>
+          </a:xfrm>
+          <a:prstGeom prst="rect">
+            <a:avLst/>
+          </a:prstGeom>
+          <a:solidFill>
+            <a:schemeClr val="bg1"/>
+          </a:solidFill>
+          <a:ln>
+            <a:solidFill>
+              <a:schemeClr val="tx1"/>
+            </a:solidFill>
+          </a:ln>
+        </p:spPr>
+        <p:txBody>
+          <a:bodyPr wrap="square" rtlCol="0">
+            <a:spAutoFit/>
+          </a:bodyPr>
+          <a:lstStyle/>
+          <a:p>
+            <a:r>
+              <a:rPr lang="en-GB" dirty="0" smtClean="0"/>
+              <a:t>The HTML page – home.html</a:t>
+            </a:r>
+            <a:endParaRPr lang="en-GB" dirty="0"/>
+          </a:p>
+        </p:txBody>
+      </p:sp>
+      <p:sp>
+        <p:nvSpPr>
+          <p:cNvPr id="7" name="TextBox 6"/>
+          <p:cNvSpPr txBox="1"/>
+          <p:nvPr/>
+        </p:nvSpPr>
+        <p:spPr>
+          <a:xfrm>
+            <a:off x="4211960" y="4077072"/>
+            <a:ext cx="3528392" cy="369332"/>
+          </a:xfrm>
+          <a:prstGeom prst="rect">
+            <a:avLst/>
+          </a:prstGeom>
+          <a:solidFill>
+            <a:schemeClr val="bg1"/>
+          </a:solidFill>
+          <a:ln>
+            <a:solidFill>
+              <a:schemeClr val="tx1"/>
+            </a:solidFill>
+          </a:ln>
+        </p:spPr>
+        <p:txBody>
+          <a:bodyPr wrap="square" rtlCol="0">
+            <a:spAutoFit/>
+          </a:bodyPr>
+          <a:lstStyle/>
+          <a:p>
+            <a:r>
+              <a:rPr lang="en-GB" dirty="0" smtClean="0"/>
+              <a:t>The JavaScript page – hello.js</a:t>
+            </a:r>
+            <a:endParaRPr lang="en-GB" dirty="0"/>
+          </a:p>
+        </p:txBody>
+      </p:sp>
+    </p:spTree>
+  </p:cSld>
+  <p:clrMapOvr>
+    <a:masterClrMapping/>
+  </p:clrMapOvr>
+  <p:timing>
+    <p:tnLst>
+      <p:par>
+        <p:cTn id="1" dur="indefinite" restart="never" nodeType="tmRoot"/>
+      </p:par>
+    </p:tnLst>
+  </p:timing>
+</p:sld>
+</file>
+
+<file path=ppt/slides/slide8.xml><?xml version="1.0" encoding="utf-8"?>
+<p:sld xmlns:a="http://schemas.openxmlformats.org/drawingml/2006/main" xmlns:r="http://schemas.openxmlformats.org/officeDocument/2006/relationships" xmlns:p="http://schemas.openxmlformats.org/presentationml/2006/main">
+  <p:cSld>
+    <p:spTree>
+      <p:nvGrpSpPr>
+        <p:cNvPr id="1" name=""/>
+        <p:cNvGrpSpPr/>
+        <p:nvPr/>
+      </p:nvGrpSpPr>
+      <p:grpSpPr>
+        <a:xfrm>
+          <a:off x="0" y="0"/>
+          <a:ext cx="0" cy="0"/>
+          <a:chOff x="0" y="0"/>
+          <a:chExt cx="0" cy="0"/>
+        </a:xfrm>
+      </p:grpSpPr>
+      <p:sp>
+        <p:nvSpPr>
+          <p:cNvPr id="2" name="Title 1"/>
+          <p:cNvSpPr>
+            <a:spLocks noGrp="1"/>
+          </p:cNvSpPr>
+          <p:nvPr>
+            <p:ph type="title"/>
+          </p:nvPr>
+        </p:nvSpPr>
+        <p:spPr/>
+        <p:txBody>
+          <a:bodyPr/>
+          <a:lstStyle/>
+          <a:p>
+            <a:r>
+              <a:rPr lang="en-GB" dirty="0" smtClean="0"/>
+              <a:t>The Anonymous Function</a:t>
+            </a:r>
+            <a:endParaRPr lang="en-GB" dirty="0"/>
+          </a:p>
+        </p:txBody>
+      </p:sp>
+      <p:sp>
+        <p:nvSpPr>
+          <p:cNvPr id="3" name="Content Placeholder 2"/>
+          <p:cNvSpPr>
+            <a:spLocks noGrp="1"/>
+          </p:cNvSpPr>
+          <p:nvPr>
+            <p:ph idx="1"/>
+          </p:nvPr>
+        </p:nvSpPr>
+        <p:spPr/>
+        <p:txBody>
+          <a:bodyPr/>
+          <a:lstStyle/>
+          <a:p>
+            <a:r>
+              <a:rPr lang="en-GB" sz="2400" dirty="0" smtClean="0"/>
+              <a:t>This statement:</a:t>
+            </a:r>
+          </a:p>
+          <a:p>
+            <a:pPr lvl="1"/>
+            <a:r>
+              <a:rPr lang="en-GB" sz="1800" dirty="0" smtClean="0"/>
+              <a:t>Creates a function.</a:t>
+            </a:r>
+          </a:p>
+          <a:p>
+            <a:pPr lvl="1"/>
+            <a:r>
+              <a:rPr lang="en-GB" sz="1800" dirty="0" smtClean="0"/>
+              <a:t>Sends that function to the ready function.</a:t>
+            </a:r>
+          </a:p>
+          <a:p>
+            <a:r>
+              <a:rPr lang="en-GB" sz="2400" dirty="0" smtClean="0"/>
+              <a:t>The Anonymous Function will execute when the page is ready.</a:t>
+            </a:r>
+            <a:endParaRPr lang="en-GB" sz="2400" dirty="0"/>
+          </a:p>
+        </p:txBody>
+      </p:sp>
+      <p:sp>
+        <p:nvSpPr>
+          <p:cNvPr id="4" name="TextBox 3"/>
+          <p:cNvSpPr txBox="1"/>
+          <p:nvPr/>
+        </p:nvSpPr>
+        <p:spPr>
+          <a:xfrm>
+            <a:off x="3995936" y="3933056"/>
+            <a:ext cx="4752528" cy="2246769"/>
+          </a:xfrm>
+          <a:prstGeom prst="rect">
+            <a:avLst/>
+          </a:prstGeom>
+          <a:noFill/>
+          <a:ln>
+            <a:solidFill>
+              <a:schemeClr val="tx1"/>
+            </a:solidFill>
+          </a:ln>
+        </p:spPr>
+        <p:txBody>
+          <a:bodyPr wrap="square" rtlCol="0">
+            <a:spAutoFit/>
+          </a:bodyPr>
+          <a:lstStyle/>
+          <a:p>
+            <a:r>
+              <a:rPr lang="en-US" sz="2800" dirty="0" smtClean="0"/>
+              <a:t>$(</a:t>
+            </a:r>
+          </a:p>
+          <a:p>
+            <a:r>
+              <a:rPr lang="en-US" sz="2800" b="1" dirty="0" smtClean="0"/>
+              <a:t>  function(){</a:t>
+            </a:r>
+          </a:p>
+          <a:p>
+            <a:r>
+              <a:rPr lang="en-US" sz="2800" b="1" dirty="0" smtClean="0"/>
+              <a:t>    alert("Hello world");</a:t>
+            </a:r>
+          </a:p>
+          <a:p>
+            <a:r>
+              <a:rPr lang="en-US" sz="2800" b="1" dirty="0" smtClean="0"/>
+              <a:t>  }</a:t>
+            </a:r>
+          </a:p>
+          <a:p>
+            <a:r>
+              <a:rPr lang="en-US" sz="2800" dirty="0" smtClean="0"/>
+              <a:t>);</a:t>
+            </a:r>
+          </a:p>
+        </p:txBody>
+      </p:sp>
+    </p:spTree>
+  </p:cSld>
+  <p:clrMapOvr>
+    <a:masterClrMapping/>
+  </p:clrMapOvr>
+  <p:timing>
+    <p:tnLst>
+      <p:par>
+        <p:cTn id="1" dur="indefinite" restart="never" nodeType="tmRoot"/>
+      </p:par>
+    </p:tnLst>
+  </p:timing>
 </p:sld>
 </file>
 
@@ -12409,7 +14632,7 @@
       </p:grpSpPr>
       <p:sp>
         <p:nvSpPr>
-          <p:cNvPr id="2" name="Title 1"/>
+          <p:cNvPr id="4" name="Title 3"/>
           <p:cNvSpPr>
             <a:spLocks noGrp="1"/>
           </p:cNvSpPr>
@@ -12424,7 +14647,7 @@
           <a:p>
             <a:r>
               <a:rPr lang="en-GB" dirty="0" smtClean="0"/>
-              <a:t>Creating structured elements</a:t>
+              <a:t>Creating Content</a:t>
             </a:r>
             <a:endParaRPr lang="en-GB" dirty="0"/>
           </a:p>
@@ -12432,7 +14655,7 @@
       </p:sp>
       <p:sp>
         <p:nvSpPr>
-          <p:cNvPr id="3" name="Content Placeholder 2"/>
+          <p:cNvPr id="5" name="Content Placeholder 4"/>
           <p:cNvSpPr>
             <a:spLocks noGrp="1"/>
           </p:cNvSpPr>
@@ -12440,132 +14663,128 @@
             <p:ph idx="1"/>
           </p:nvPr>
         </p:nvSpPr>
-        <p:spPr/>
+        <p:spPr>
+          <a:xfrm>
+            <a:off x="346075" y="2087758"/>
+            <a:ext cx="8448674" cy="909194"/>
+          </a:xfrm>
+        </p:spPr>
         <p:txBody>
           <a:bodyPr/>
           <a:lstStyle/>
           <a:p>
             <a:r>
               <a:rPr lang="en-GB" sz="2400" dirty="0" smtClean="0"/>
-              <a:t>You can create elements that contain elements.</a:t>
-            </a:r>
-          </a:p>
-          <a:p>
-            <a:pPr>
-              <a:buNone/>
-            </a:pPr>
-            <a:endParaRPr lang="en-GB" sz="2400" dirty="0" smtClean="0"/>
-          </a:p>
-          <a:p>
-            <a:pPr>
-              <a:buNone/>
-            </a:pPr>
+              <a:t>You can create content using the </a:t>
+            </a:r>
+            <a:r>
+              <a:rPr lang="en-GB" sz="2400" b="1" dirty="0" smtClean="0"/>
+              <a:t>$</a:t>
+            </a:r>
             <a:r>
               <a:rPr lang="en-GB" sz="2400" dirty="0" smtClean="0"/>
-              <a:t>Examples</a:t>
+              <a:t> function.</a:t>
             </a:r>
           </a:p>
           <a:p>
             <a:r>
               <a:rPr lang="en-GB" sz="2400" dirty="0" smtClean="0"/>
-              <a:t>A </a:t>
+              <a:t>You can add the content to your page using the </a:t>
             </a:r>
             <a:r>
               <a:rPr lang="en-GB" sz="2400" b="1" dirty="0" smtClean="0"/>
-              <a:t>&lt;</a:t>
-            </a:r>
-            <a:r>
-              <a:rPr lang="en-GB" sz="2400" b="1" dirty="0" err="1" smtClean="0"/>
-              <a:t>ul</a:t>
-            </a:r>
-            <a:r>
-              <a:rPr lang="en-GB" sz="2400" b="1" dirty="0" smtClean="0"/>
-              <a:t>&gt; </a:t>
+              <a:t>append</a:t>
             </a:r>
             <a:r>
               <a:rPr lang="en-GB" sz="2400" dirty="0" smtClean="0"/>
-              <a:t>element should contains </a:t>
-            </a:r>
-            <a:r>
-              <a:rPr lang="en-GB" sz="2400" b="1" dirty="0" smtClean="0"/>
-              <a:t>&lt;</a:t>
-            </a:r>
-            <a:r>
-              <a:rPr lang="en-GB" sz="2400" b="1" dirty="0" err="1" smtClean="0"/>
-              <a:t>li</a:t>
-            </a:r>
-            <a:r>
-              <a:rPr lang="en-GB" sz="2400" b="1" dirty="0" smtClean="0"/>
-              <a:t>&gt; </a:t>
-            </a:r>
+              <a:t> method.</a:t>
+            </a:r>
+            <a:endParaRPr lang="en-GB" sz="2400" dirty="0"/>
+          </a:p>
+        </p:txBody>
+      </p:sp>
+      <p:sp>
+        <p:nvSpPr>
+          <p:cNvPr id="6" name="TextBox 5"/>
+          <p:cNvSpPr txBox="1"/>
+          <p:nvPr/>
+        </p:nvSpPr>
+        <p:spPr>
+          <a:xfrm>
+            <a:off x="755576" y="3717032"/>
+            <a:ext cx="5976664" cy="1760870"/>
+          </a:xfrm>
+          <a:prstGeom prst="rect">
+            <a:avLst/>
+          </a:prstGeom>
+          <a:ln/>
+        </p:spPr>
+        <p:style>
+          <a:lnRef idx="2">
+            <a:schemeClr val="accent4"/>
+          </a:lnRef>
+          <a:fillRef idx="1">
+            <a:schemeClr val="lt1"/>
+          </a:fillRef>
+          <a:effectRef idx="0">
+            <a:schemeClr val="accent4"/>
+          </a:effectRef>
+          <a:fontRef idx="minor">
+            <a:schemeClr val="dk1"/>
+          </a:fontRef>
+        </p:style>
+        <p:txBody>
+          <a:bodyPr wrap="square" lIns="216000" tIns="140400" bIns="140400" rtlCol="0">
+            <a:spAutoFit/>
+          </a:bodyPr>
+          <a:lstStyle/>
+          <a:p>
             <a:r>
               <a:rPr lang="en-GB" sz="2400" dirty="0" smtClean="0"/>
-              <a:t>elements</a:t>
+              <a:t>$(function(){</a:t>
             </a:r>
           </a:p>
           <a:p>
             <a:r>
               <a:rPr lang="en-GB" sz="2400" dirty="0" smtClean="0"/>
-              <a:t>A </a:t>
-            </a:r>
-            <a:r>
-              <a:rPr lang="en-GB" sz="2400" b="1" dirty="0" smtClean="0"/>
-              <a:t>&lt;table&gt;</a:t>
+              <a:t>  </a:t>
+            </a:r>
+            <a:r>
+              <a:rPr lang="en-GB" sz="2400" dirty="0" err="1" smtClean="0"/>
+              <a:t>var</a:t>
             </a:r>
             <a:r>
               <a:rPr lang="en-GB" sz="2400" dirty="0" smtClean="0"/>
-              <a:t> element should contain </a:t>
-            </a:r>
-            <a:r>
-              <a:rPr lang="en-GB" sz="2400" b="1" dirty="0" smtClean="0"/>
-              <a:t>&lt;</a:t>
-            </a:r>
-            <a:r>
-              <a:rPr lang="en-GB" sz="2400" b="1" dirty="0" err="1" smtClean="0"/>
-              <a:t>tr</a:t>
-            </a:r>
-            <a:r>
-              <a:rPr lang="en-GB" sz="2400" b="1" dirty="0" smtClean="0"/>
-              <a:t>&gt; </a:t>
+              <a:t> </a:t>
+            </a:r>
+            <a:r>
+              <a:rPr lang="en-GB" sz="2400" dirty="0" err="1" smtClean="0"/>
+              <a:t>msg</a:t>
             </a:r>
             <a:r>
               <a:rPr lang="en-GB" sz="2400" dirty="0" smtClean="0"/>
-              <a:t>elements</a:t>
-            </a:r>
-          </a:p>
-          <a:p>
-            <a:pPr lvl="1"/>
-            <a:r>
-              <a:rPr lang="en-GB" sz="1800" dirty="0" smtClean="0"/>
-              <a:t>The </a:t>
-            </a:r>
-            <a:r>
-              <a:rPr lang="en-GB" sz="1800" b="1" dirty="0" smtClean="0"/>
-              <a:t>&lt;</a:t>
-            </a:r>
-            <a:r>
-              <a:rPr lang="en-GB" sz="1800" b="1" dirty="0" err="1" smtClean="0"/>
-              <a:t>tr</a:t>
-            </a:r>
-            <a:r>
-              <a:rPr lang="en-GB" sz="1800" b="1" dirty="0" smtClean="0"/>
-              <a:t>&gt; </a:t>
-            </a:r>
-            <a:r>
-              <a:rPr lang="en-GB" sz="1800" dirty="0" smtClean="0"/>
-              <a:t>elements should contain </a:t>
-            </a:r>
-            <a:r>
-              <a:rPr lang="en-GB" sz="1800" b="1" dirty="0" smtClean="0"/>
-              <a:t>&lt;td&gt; </a:t>
-            </a:r>
-            <a:r>
-              <a:rPr lang="en-GB" sz="1800" dirty="0" smtClean="0"/>
-              <a:t>elements</a:t>
-            </a:r>
-          </a:p>
-          <a:p>
-            <a:endParaRPr lang="en-GB" sz="2400" dirty="0" smtClean="0"/>
+              <a:t> = $('&lt;div&gt;Hello World&lt;/div&gt;');</a:t>
+            </a:r>
+          </a:p>
+          <a:p>
+            <a:r>
+              <a:rPr lang="en-GB" sz="2400" dirty="0" smtClean="0"/>
+              <a:t>  $('body').append(</a:t>
+            </a:r>
+            <a:r>
+              <a:rPr lang="en-GB" sz="2400" dirty="0" err="1" smtClean="0"/>
+              <a:t>msg</a:t>
+            </a:r>
+            <a:r>
+              <a:rPr lang="en-GB" sz="2400" dirty="0" smtClean="0"/>
+              <a:t>);</a:t>
+            </a:r>
+          </a:p>
+          <a:p>
+            <a:r>
+              <a:rPr lang="en-GB" sz="2400" dirty="0" smtClean="0"/>
+              <a:t>});</a:t>
+            </a:r>
           </a:p>
         </p:txBody>
       </p:sp>
@@ -12574,6 +14793,13 @@
   <p:clrMapOvr>
     <a:masterClrMapping/>
   </p:clrMapOvr>
+  <p:timing>
+    <p:tnLst>
+      <p:par>
+        <p:cTn id="1" dur="indefinite" restart="never" nodeType="tmRoot"/>
+      </p:par>
+    </p:tnLst>
+  </p:timing>
 </p:sld>
 </file>
 
